--- a/docs/module3-1_oa_bref.pptx
+++ b/docs/module3-1_oa_bref.pptx
@@ -5,13 +5,13 @@
     <p:sldMasterId id="2147483648" r:id="rId1"/>
   </p:sldMasterIdLst>
   <p:notesMasterIdLst>
-    <p:notesMasterId r:id="rId25"/>
+    <p:notesMasterId r:id="rId27"/>
   </p:notesMasterIdLst>
   <p:sldIdLst>
     <p:sldId id="256" r:id="rId2"/>
     <p:sldId id="257" r:id="rId3"/>
     <p:sldId id="280" r:id="rId4"/>
-    <p:sldId id="279" r:id="rId5"/>
+    <p:sldId id="293" r:id="rId5"/>
     <p:sldId id="258" r:id="rId6"/>
     <p:sldId id="267" r:id="rId7"/>
     <p:sldId id="268" r:id="rId8"/>
@@ -23,14 +23,16 @@
     <p:sldId id="270" r:id="rId14"/>
     <p:sldId id="269" r:id="rId15"/>
     <p:sldId id="271" r:id="rId16"/>
-    <p:sldId id="265" r:id="rId17"/>
-    <p:sldId id="289" r:id="rId18"/>
-    <p:sldId id="281" r:id="rId19"/>
-    <p:sldId id="282" r:id="rId20"/>
-    <p:sldId id="272" r:id="rId21"/>
-    <p:sldId id="286" r:id="rId22"/>
-    <p:sldId id="287" r:id="rId23"/>
-    <p:sldId id="284" r:id="rId24"/>
+    <p:sldId id="290" r:id="rId17"/>
+    <p:sldId id="291" r:id="rId18"/>
+    <p:sldId id="289" r:id="rId19"/>
+    <p:sldId id="281" r:id="rId20"/>
+    <p:sldId id="282" r:id="rId21"/>
+    <p:sldId id="272" r:id="rId22"/>
+    <p:sldId id="286" r:id="rId23"/>
+    <p:sldId id="292" r:id="rId24"/>
+    <p:sldId id="287" r:id="rId25"/>
+    <p:sldId id="284" r:id="rId26"/>
   </p:sldIdLst>
   <p:sldSz cx="12192000" cy="6858000"/>
   <p:notesSz cx="6858000" cy="9144000"/>
@@ -182,11 +184,13 @@
           <a:bodyPr vert="horz" lIns="91440" tIns="45720" rIns="91440" bIns="45720" rtlCol="0"/>
           <a:lstStyle>
             <a:lvl1pPr algn="l">
-              <a:defRPr sz="1200"/>
+              <a:defRPr sz="1200">
+                <a:latin typeface="Corbel" panose="020B0503020204020204" pitchFamily="34" charset="0"/>
+              </a:defRPr>
             </a:lvl1pPr>
           </a:lstStyle>
           <a:p>
-            <a:endParaRPr lang="fr-FR"/>
+            <a:endParaRPr lang="fr-FR" dirty="0"/>
           </a:p>
         </p:txBody>
       </p:sp>
@@ -213,15 +217,18 @@
           <a:bodyPr vert="horz" lIns="91440" tIns="45720" rIns="91440" bIns="45720" rtlCol="0"/>
           <a:lstStyle>
             <a:lvl1pPr algn="r">
-              <a:defRPr sz="1200"/>
+              <a:defRPr sz="1200">
+                <a:latin typeface="Corbel" panose="020B0503020204020204" pitchFamily="34" charset="0"/>
+              </a:defRPr>
             </a:lvl1pPr>
           </a:lstStyle>
           <a:p>
             <a:fld id="{91E9DC1B-7AD4-4493-BE2D-19F04AF919E8}" type="datetimeFigureOut">
               <a:rPr lang="fr-FR" smtClean="0"/>
-              <a:t>19/08/2021</a:t>
+              <a:pPr/>
+              <a:t>15/06/2022</a:t>
             </a:fld>
-            <a:endParaRPr lang="fr-FR"/>
+            <a:endParaRPr lang="fr-FR" dirty="0"/>
           </a:p>
         </p:txBody>
       </p:sp>
@@ -254,7 +261,7 @@
           <a:bodyPr vert="horz" lIns="91440" tIns="45720" rIns="91440" bIns="45720" rtlCol="0" anchor="ctr"/>
           <a:lstStyle/>
           <a:p>
-            <a:endParaRPr lang="fr-FR"/>
+            <a:endParaRPr lang="fr-FR" dirty="0"/>
           </a:p>
         </p:txBody>
       </p:sp>
@@ -283,38 +290,38 @@
           <a:p>
             <a:pPr lvl="0"/>
             <a:r>
-              <a:rPr lang="fr-FR" smtClean="0"/>
+              <a:rPr lang="fr-FR" dirty="0" smtClean="0"/>
               <a:t>Modifiez les styles du texte du masque</a:t>
             </a:r>
           </a:p>
           <a:p>
             <a:pPr lvl="1"/>
             <a:r>
-              <a:rPr lang="fr-FR" smtClean="0"/>
+              <a:rPr lang="fr-FR" dirty="0" smtClean="0"/>
               <a:t>Deuxième niveau</a:t>
             </a:r>
           </a:p>
           <a:p>
             <a:pPr lvl="2"/>
             <a:r>
-              <a:rPr lang="fr-FR" smtClean="0"/>
+              <a:rPr lang="fr-FR" dirty="0" smtClean="0"/>
               <a:t>Troisième niveau</a:t>
             </a:r>
           </a:p>
           <a:p>
             <a:pPr lvl="3"/>
             <a:r>
-              <a:rPr lang="fr-FR" smtClean="0"/>
+              <a:rPr lang="fr-FR" dirty="0" smtClean="0"/>
               <a:t>Quatrième niveau</a:t>
             </a:r>
           </a:p>
           <a:p>
             <a:pPr lvl="4"/>
             <a:r>
-              <a:rPr lang="fr-FR" smtClean="0"/>
+              <a:rPr lang="fr-FR" dirty="0" smtClean="0"/>
               <a:t>Cinquième niveau</a:t>
             </a:r>
-            <a:endParaRPr lang="fr-FR"/>
+            <a:endParaRPr lang="fr-FR" dirty="0"/>
           </a:p>
         </p:txBody>
       </p:sp>
@@ -341,11 +348,13 @@
           <a:bodyPr vert="horz" lIns="91440" tIns="45720" rIns="91440" bIns="45720" rtlCol="0" anchor="b"/>
           <a:lstStyle>
             <a:lvl1pPr algn="l">
-              <a:defRPr sz="1200"/>
+              <a:defRPr sz="1200">
+                <a:latin typeface="Corbel" panose="020B0503020204020204" pitchFamily="34" charset="0"/>
+              </a:defRPr>
             </a:lvl1pPr>
           </a:lstStyle>
           <a:p>
-            <a:endParaRPr lang="fr-FR"/>
+            <a:endParaRPr lang="fr-FR" dirty="0"/>
           </a:p>
         </p:txBody>
       </p:sp>
@@ -372,15 +381,18 @@
           <a:bodyPr vert="horz" lIns="91440" tIns="45720" rIns="91440" bIns="45720" rtlCol="0" anchor="b"/>
           <a:lstStyle>
             <a:lvl1pPr algn="r">
-              <a:defRPr sz="1200"/>
+              <a:defRPr sz="1200">
+                <a:latin typeface="Corbel" panose="020B0503020204020204" pitchFamily="34" charset="0"/>
+              </a:defRPr>
             </a:lvl1pPr>
           </a:lstStyle>
           <a:p>
             <a:fld id="{0145B376-959C-4F10-BF50-4FF0FAF5ADD9}" type="slidenum">
               <a:rPr lang="fr-FR" smtClean="0"/>
+              <a:pPr/>
               <a:t>‹N°›</a:t>
             </a:fld>
-            <a:endParaRPr lang="fr-FR"/>
+            <a:endParaRPr lang="fr-FR" dirty="0"/>
           </a:p>
         </p:txBody>
       </p:sp>
@@ -398,7 +410,7 @@
         <a:solidFill>
           <a:schemeClr val="tx1"/>
         </a:solidFill>
-        <a:latin typeface="+mn-lt"/>
+        <a:latin typeface="Corbel" panose="020B0503020204020204" pitchFamily="34" charset="0"/>
         <a:ea typeface="+mn-ea"/>
         <a:cs typeface="+mn-cs"/>
       </a:defRPr>
@@ -408,7 +420,7 @@
         <a:solidFill>
           <a:schemeClr val="tx1"/>
         </a:solidFill>
-        <a:latin typeface="+mn-lt"/>
+        <a:latin typeface="Corbel" panose="020B0503020204020204" pitchFamily="34" charset="0"/>
         <a:ea typeface="+mn-ea"/>
         <a:cs typeface="+mn-cs"/>
       </a:defRPr>
@@ -418,7 +430,7 @@
         <a:solidFill>
           <a:schemeClr val="tx1"/>
         </a:solidFill>
-        <a:latin typeface="+mn-lt"/>
+        <a:latin typeface="Corbel" panose="020B0503020204020204" pitchFamily="34" charset="0"/>
         <a:ea typeface="+mn-ea"/>
         <a:cs typeface="+mn-cs"/>
       </a:defRPr>
@@ -428,7 +440,7 @@
         <a:solidFill>
           <a:schemeClr val="tx1"/>
         </a:solidFill>
-        <a:latin typeface="+mn-lt"/>
+        <a:latin typeface="Corbel" panose="020B0503020204020204" pitchFamily="34" charset="0"/>
         <a:ea typeface="+mn-ea"/>
         <a:cs typeface="+mn-cs"/>
       </a:defRPr>
@@ -438,7 +450,7 @@
         <a:solidFill>
           <a:schemeClr val="tx1"/>
         </a:solidFill>
-        <a:latin typeface="+mn-lt"/>
+        <a:latin typeface="Corbel" panose="020B0503020204020204" pitchFamily="34" charset="0"/>
         <a:ea typeface="+mn-ea"/>
         <a:cs typeface="+mn-cs"/>
       </a:defRPr>
@@ -571,6 +583,90 @@
 </p:notes>
 </file>
 
+<file path=ppt/notesSlides/notesSlide10.xml><?xml version="1.0" encoding="utf-8"?>
+<p:notes xmlns:a="http://schemas.openxmlformats.org/drawingml/2006/main" xmlns:r="http://schemas.openxmlformats.org/officeDocument/2006/relationships" xmlns:p="http://schemas.openxmlformats.org/presentationml/2006/main">
+  <p:cSld>
+    <p:spTree>
+      <p:nvGrpSpPr>
+        <p:cNvPr id="1" name=""/>
+        <p:cNvGrpSpPr/>
+        <p:nvPr/>
+      </p:nvGrpSpPr>
+      <p:grpSpPr>
+        <a:xfrm>
+          <a:off x="0" y="0"/>
+          <a:ext cx="0" cy="0"/>
+          <a:chOff x="0" y="0"/>
+          <a:chExt cx="0" cy="0"/>
+        </a:xfrm>
+      </p:grpSpPr>
+      <p:sp>
+        <p:nvSpPr>
+          <p:cNvPr id="2" name="Espace réservé de l'image des diapositives 1"/>
+          <p:cNvSpPr>
+            <a:spLocks noGrp="1" noRot="1" noChangeAspect="1"/>
+          </p:cNvSpPr>
+          <p:nvPr>
+            <p:ph type="sldImg"/>
+          </p:nvPr>
+        </p:nvSpPr>
+        <p:spPr/>
+      </p:sp>
+      <p:sp>
+        <p:nvSpPr>
+          <p:cNvPr id="3" name="Espace réservé des commentaires 2"/>
+          <p:cNvSpPr>
+            <a:spLocks noGrp="1"/>
+          </p:cNvSpPr>
+          <p:nvPr>
+            <p:ph type="body" idx="1"/>
+          </p:nvPr>
+        </p:nvSpPr>
+        <p:spPr/>
+        <p:txBody>
+          <a:bodyPr/>
+          <a:lstStyle/>
+          <a:p>
+            <a:endParaRPr lang="fr-FR" dirty="0"/>
+          </a:p>
+        </p:txBody>
+      </p:sp>
+      <p:sp>
+        <p:nvSpPr>
+          <p:cNvPr id="4" name="Espace réservé du numéro de diapositive 3"/>
+          <p:cNvSpPr>
+            <a:spLocks noGrp="1"/>
+          </p:cNvSpPr>
+          <p:nvPr>
+            <p:ph type="sldNum" sz="quarter" idx="10"/>
+          </p:nvPr>
+        </p:nvSpPr>
+        <p:spPr/>
+        <p:txBody>
+          <a:bodyPr/>
+          <a:lstStyle/>
+          <a:p>
+            <a:fld id="{0145B376-959C-4F10-BF50-4FF0FAF5ADD9}" type="slidenum">
+              <a:rPr lang="fr-FR" smtClean="0"/>
+              <a:t>20</a:t>
+            </a:fld>
+            <a:endParaRPr lang="fr-FR"/>
+          </a:p>
+        </p:txBody>
+      </p:sp>
+    </p:spTree>
+    <p:extLst>
+      <p:ext uri="{BB962C8B-B14F-4D97-AF65-F5344CB8AC3E}">
+        <p14:creationId xmlns:p14="http://schemas.microsoft.com/office/powerpoint/2010/main" val="703357516"/>
+      </p:ext>
+    </p:extLst>
+  </p:cSld>
+  <p:clrMapOvr>
+    <a:masterClrMapping/>
+  </p:clrMapOvr>
+</p:notes>
+</file>
+
 <file path=ppt/notesSlides/notesSlide2.xml><?xml version="1.0" encoding="utf-8"?>
 <p:notes xmlns:a="http://schemas.openxmlformats.org/drawingml/2006/main" xmlns:r="http://schemas.openxmlformats.org/officeDocument/2006/relationships" xmlns:p="http://schemas.openxmlformats.org/presentationml/2006/main">
   <p:cSld>
@@ -615,7 +711,7 @@
           <a:bodyPr/>
           <a:lstStyle/>
           <a:p>
-            <a:endParaRPr lang="fr-FR" dirty="0"/>
+            <a:endParaRPr lang="fr-FR"/>
           </a:p>
         </p:txBody>
       </p:sp>
@@ -634,9 +730,9 @@
           <a:bodyPr/>
           <a:lstStyle/>
           <a:p>
-            <a:fld id="{65D2081A-C8E3-4BE0-93BB-66BF6745A86C}" type="slidenum">
+            <a:fld id="{0145B376-959C-4F10-BF50-4FF0FAF5ADD9}" type="slidenum">
               <a:rPr lang="fr-FR" smtClean="0"/>
-              <a:t>7</a:t>
+              <a:t>2</a:t>
             </a:fld>
             <a:endParaRPr lang="fr-FR"/>
           </a:p>
@@ -645,7 +741,7 @@
     </p:spTree>
     <p:extLst>
       <p:ext uri="{BB962C8B-B14F-4D97-AF65-F5344CB8AC3E}">
-        <p14:creationId xmlns:p14="http://schemas.microsoft.com/office/powerpoint/2010/main" val="35627526"/>
+        <p14:creationId xmlns:p14="http://schemas.microsoft.com/office/powerpoint/2010/main" val="1113330910"/>
       </p:ext>
     </p:extLst>
   </p:cSld>
@@ -718,9 +814,9 @@
           <a:bodyPr/>
           <a:lstStyle/>
           <a:p>
-            <a:fld id="{0145B376-959C-4F10-BF50-4FF0FAF5ADD9}" type="slidenum">
+            <a:fld id="{65D2081A-C8E3-4BE0-93BB-66BF6745A86C}" type="slidenum">
               <a:rPr lang="fr-FR" smtClean="0"/>
-              <a:t>8</a:t>
+              <a:t>7</a:t>
             </a:fld>
             <a:endParaRPr lang="fr-FR"/>
           </a:p>
@@ -729,7 +825,7 @@
     </p:spTree>
     <p:extLst>
       <p:ext uri="{BB962C8B-B14F-4D97-AF65-F5344CB8AC3E}">
-        <p14:creationId xmlns:p14="http://schemas.microsoft.com/office/powerpoint/2010/main" val="1828078018"/>
+        <p14:creationId xmlns:p14="http://schemas.microsoft.com/office/powerpoint/2010/main" val="35627526"/>
       </p:ext>
     </p:extLst>
   </p:cSld>
@@ -804,7 +900,7 @@
           <a:p>
             <a:fld id="{0145B376-959C-4F10-BF50-4FF0FAF5ADD9}" type="slidenum">
               <a:rPr lang="fr-FR" smtClean="0"/>
-              <a:t>9</a:t>
+              <a:t>8</a:t>
             </a:fld>
             <a:endParaRPr lang="fr-FR"/>
           </a:p>
@@ -813,7 +909,7 @@
     </p:spTree>
     <p:extLst>
       <p:ext uri="{BB962C8B-B14F-4D97-AF65-F5344CB8AC3E}">
-        <p14:creationId xmlns:p14="http://schemas.microsoft.com/office/powerpoint/2010/main" val="1795461444"/>
+        <p14:creationId xmlns:p14="http://schemas.microsoft.com/office/powerpoint/2010/main" val="1828078018"/>
       </p:ext>
     </p:extLst>
   </p:cSld>
@@ -886,9 +982,9 @@
           <a:bodyPr/>
           <a:lstStyle/>
           <a:p>
-            <a:fld id="{1C0E2CBA-6097-B848-A7DA-4D7BD6EB303B}" type="slidenum">
+            <a:fld id="{0145B376-959C-4F10-BF50-4FF0FAF5ADD9}" type="slidenum">
               <a:rPr lang="fr-FR" smtClean="0"/>
-              <a:t>14</a:t>
+              <a:t>9</a:t>
             </a:fld>
             <a:endParaRPr lang="fr-FR"/>
           </a:p>
@@ -897,7 +993,7 @@
     </p:spTree>
     <p:extLst>
       <p:ext uri="{BB962C8B-B14F-4D97-AF65-F5344CB8AC3E}">
-        <p14:creationId xmlns:p14="http://schemas.microsoft.com/office/powerpoint/2010/main" val="1975899690"/>
+        <p14:creationId xmlns:p14="http://schemas.microsoft.com/office/powerpoint/2010/main" val="1795461444"/>
       </p:ext>
     </p:extLst>
   </p:cSld>
@@ -970,9 +1066,9 @@
           <a:bodyPr/>
           <a:lstStyle/>
           <a:p>
-            <a:fld id="{0145B376-959C-4F10-BF50-4FF0FAF5ADD9}" type="slidenum">
+            <a:fld id="{1C0E2CBA-6097-B848-A7DA-4D7BD6EB303B}" type="slidenum">
               <a:rPr lang="fr-FR" smtClean="0"/>
-              <a:t>23</a:t>
+              <a:t>14</a:t>
             </a:fld>
             <a:endParaRPr lang="fr-FR"/>
           </a:p>
@@ -981,7 +1077,260 @@
     </p:spTree>
     <p:extLst>
       <p:ext uri="{BB962C8B-B14F-4D97-AF65-F5344CB8AC3E}">
-        <p14:creationId xmlns:p14="http://schemas.microsoft.com/office/powerpoint/2010/main" val="3999896226"/>
+        <p14:creationId xmlns:p14="http://schemas.microsoft.com/office/powerpoint/2010/main" val="1975899690"/>
+      </p:ext>
+    </p:extLst>
+  </p:cSld>
+  <p:clrMapOvr>
+    <a:masterClrMapping/>
+  </p:clrMapOvr>
+</p:notes>
+</file>
+
+<file path=ppt/notesSlides/notesSlide7.xml><?xml version="1.0" encoding="utf-8"?>
+<p:notes xmlns:a="http://schemas.openxmlformats.org/drawingml/2006/main" xmlns:r="http://schemas.openxmlformats.org/officeDocument/2006/relationships" xmlns:p="http://schemas.openxmlformats.org/presentationml/2006/main">
+  <p:cSld>
+    <p:spTree>
+      <p:nvGrpSpPr>
+        <p:cNvPr id="1" name=""/>
+        <p:cNvGrpSpPr/>
+        <p:nvPr/>
+      </p:nvGrpSpPr>
+      <p:grpSpPr>
+        <a:xfrm>
+          <a:off x="0" y="0"/>
+          <a:ext cx="0" cy="0"/>
+          <a:chOff x="0" y="0"/>
+          <a:chExt cx="0" cy="0"/>
+        </a:xfrm>
+      </p:grpSpPr>
+      <p:sp>
+        <p:nvSpPr>
+          <p:cNvPr id="2" name="Espace réservé de l'image des diapositives 1"/>
+          <p:cNvSpPr>
+            <a:spLocks noGrp="1" noRot="1" noChangeAspect="1"/>
+          </p:cNvSpPr>
+          <p:nvPr>
+            <p:ph type="sldImg"/>
+          </p:nvPr>
+        </p:nvSpPr>
+        <p:spPr/>
+      </p:sp>
+      <p:sp>
+        <p:nvSpPr>
+          <p:cNvPr id="3" name="Espace réservé des notes 2"/>
+          <p:cNvSpPr>
+            <a:spLocks noGrp="1"/>
+          </p:cNvSpPr>
+          <p:nvPr>
+            <p:ph type="body" idx="1"/>
+          </p:nvPr>
+        </p:nvSpPr>
+        <p:spPr/>
+        <p:txBody>
+          <a:bodyPr/>
+          <a:lstStyle/>
+          <a:p>
+            <a:endParaRPr lang="fr-FR" dirty="0"/>
+          </a:p>
+        </p:txBody>
+      </p:sp>
+      <p:sp>
+        <p:nvSpPr>
+          <p:cNvPr id="4" name="Espace réservé du numéro de diapositive 3"/>
+          <p:cNvSpPr>
+            <a:spLocks noGrp="1"/>
+          </p:cNvSpPr>
+          <p:nvPr>
+            <p:ph type="sldNum" sz="quarter" idx="5"/>
+          </p:nvPr>
+        </p:nvSpPr>
+        <p:spPr/>
+        <p:txBody>
+          <a:bodyPr/>
+          <a:lstStyle/>
+          <a:p>
+            <a:fld id="{06DA1354-EA28-471F-976B-DA5E0C0C892A}" type="slidenum">
+              <a:rPr lang="fr-FR" smtClean="0"/>
+              <a:t>16</a:t>
+            </a:fld>
+            <a:endParaRPr lang="fr-FR"/>
+          </a:p>
+        </p:txBody>
+      </p:sp>
+    </p:spTree>
+    <p:extLst>
+      <p:ext uri="{BB962C8B-B14F-4D97-AF65-F5344CB8AC3E}">
+        <p14:creationId xmlns:p14="http://schemas.microsoft.com/office/powerpoint/2010/main" val="1034997973"/>
+      </p:ext>
+    </p:extLst>
+  </p:cSld>
+  <p:clrMapOvr>
+    <a:masterClrMapping/>
+  </p:clrMapOvr>
+</p:notes>
+</file>
+
+<file path=ppt/notesSlides/notesSlide8.xml><?xml version="1.0" encoding="utf-8"?>
+<p:notes xmlns:a="http://schemas.openxmlformats.org/drawingml/2006/main" xmlns:r="http://schemas.openxmlformats.org/officeDocument/2006/relationships" xmlns:p="http://schemas.openxmlformats.org/presentationml/2006/main">
+  <p:cSld>
+    <p:spTree>
+      <p:nvGrpSpPr>
+        <p:cNvPr id="1" name=""/>
+        <p:cNvGrpSpPr/>
+        <p:nvPr/>
+      </p:nvGrpSpPr>
+      <p:grpSpPr>
+        <a:xfrm>
+          <a:off x="0" y="0"/>
+          <a:ext cx="0" cy="0"/>
+          <a:chOff x="0" y="0"/>
+          <a:chExt cx="0" cy="0"/>
+        </a:xfrm>
+      </p:grpSpPr>
+      <p:sp>
+        <p:nvSpPr>
+          <p:cNvPr id="2" name="Espace réservé de l'image des diapositives 1"/>
+          <p:cNvSpPr>
+            <a:spLocks noGrp="1" noRot="1" noChangeAspect="1"/>
+          </p:cNvSpPr>
+          <p:nvPr>
+            <p:ph type="sldImg"/>
+          </p:nvPr>
+        </p:nvSpPr>
+        <p:spPr/>
+      </p:sp>
+      <p:sp>
+        <p:nvSpPr>
+          <p:cNvPr id="3" name="Espace réservé des notes 2"/>
+          <p:cNvSpPr>
+            <a:spLocks noGrp="1"/>
+          </p:cNvSpPr>
+          <p:nvPr>
+            <p:ph type="body" idx="1"/>
+          </p:nvPr>
+        </p:nvSpPr>
+        <p:spPr/>
+        <p:txBody>
+          <a:bodyPr/>
+          <a:lstStyle/>
+          <a:p>
+            <a:endParaRPr lang="fr-FR" dirty="0"/>
+          </a:p>
+        </p:txBody>
+      </p:sp>
+      <p:sp>
+        <p:nvSpPr>
+          <p:cNvPr id="4" name="Espace réservé du numéro de diapositive 3"/>
+          <p:cNvSpPr>
+            <a:spLocks noGrp="1"/>
+          </p:cNvSpPr>
+          <p:nvPr>
+            <p:ph type="sldNum" sz="quarter" idx="5"/>
+          </p:nvPr>
+        </p:nvSpPr>
+        <p:spPr/>
+        <p:txBody>
+          <a:bodyPr/>
+          <a:lstStyle/>
+          <a:p>
+            <a:fld id="{06DA1354-EA28-471F-976B-DA5E0C0C892A}" type="slidenum">
+              <a:rPr lang="fr-FR" smtClean="0"/>
+              <a:t>17</a:t>
+            </a:fld>
+            <a:endParaRPr lang="fr-FR"/>
+          </a:p>
+        </p:txBody>
+      </p:sp>
+    </p:spTree>
+    <p:extLst>
+      <p:ext uri="{BB962C8B-B14F-4D97-AF65-F5344CB8AC3E}">
+        <p14:creationId xmlns:p14="http://schemas.microsoft.com/office/powerpoint/2010/main" val="2751539154"/>
+      </p:ext>
+    </p:extLst>
+  </p:cSld>
+  <p:clrMapOvr>
+    <a:masterClrMapping/>
+  </p:clrMapOvr>
+</p:notes>
+</file>
+
+<file path=ppt/notesSlides/notesSlide9.xml><?xml version="1.0" encoding="utf-8"?>
+<p:notes xmlns:a="http://schemas.openxmlformats.org/drawingml/2006/main" xmlns:r="http://schemas.openxmlformats.org/officeDocument/2006/relationships" xmlns:p="http://schemas.openxmlformats.org/presentationml/2006/main">
+  <p:cSld>
+    <p:spTree>
+      <p:nvGrpSpPr>
+        <p:cNvPr id="1" name=""/>
+        <p:cNvGrpSpPr/>
+        <p:nvPr/>
+      </p:nvGrpSpPr>
+      <p:grpSpPr>
+        <a:xfrm>
+          <a:off x="0" y="0"/>
+          <a:ext cx="0" cy="0"/>
+          <a:chOff x="0" y="0"/>
+          <a:chExt cx="0" cy="0"/>
+        </a:xfrm>
+      </p:grpSpPr>
+      <p:sp>
+        <p:nvSpPr>
+          <p:cNvPr id="2" name="Espace réservé de l'image des diapositives 1"/>
+          <p:cNvSpPr>
+            <a:spLocks noGrp="1" noRot="1" noChangeAspect="1"/>
+          </p:cNvSpPr>
+          <p:nvPr>
+            <p:ph type="sldImg"/>
+          </p:nvPr>
+        </p:nvSpPr>
+        <p:spPr/>
+      </p:sp>
+      <p:sp>
+        <p:nvSpPr>
+          <p:cNvPr id="3" name="Espace réservé des commentaires 2"/>
+          <p:cNvSpPr>
+            <a:spLocks noGrp="1"/>
+          </p:cNvSpPr>
+          <p:nvPr>
+            <p:ph type="body" idx="1"/>
+          </p:nvPr>
+        </p:nvSpPr>
+        <p:spPr/>
+        <p:txBody>
+          <a:bodyPr/>
+          <a:lstStyle/>
+          <a:p>
+            <a:endParaRPr lang="fr-FR" dirty="0"/>
+          </a:p>
+        </p:txBody>
+      </p:sp>
+      <p:sp>
+        <p:nvSpPr>
+          <p:cNvPr id="4" name="Espace réservé du numéro de diapositive 3"/>
+          <p:cNvSpPr>
+            <a:spLocks noGrp="1"/>
+          </p:cNvSpPr>
+          <p:nvPr>
+            <p:ph type="sldNum" sz="quarter" idx="10"/>
+          </p:nvPr>
+        </p:nvSpPr>
+        <p:spPr/>
+        <p:txBody>
+          <a:bodyPr/>
+          <a:lstStyle/>
+          <a:p>
+            <a:fld id="{0145B376-959C-4F10-BF50-4FF0FAF5ADD9}" type="slidenum">
+              <a:rPr lang="fr-FR" smtClean="0"/>
+              <a:pPr/>
+              <a:t>18</a:t>
+            </a:fld>
+            <a:endParaRPr lang="fr-FR" dirty="0"/>
+          </a:p>
+        </p:txBody>
+      </p:sp>
+    </p:spTree>
+    <p:extLst>
+      <p:ext uri="{BB962C8B-B14F-4D97-AF65-F5344CB8AC3E}">
+        <p14:creationId xmlns:p14="http://schemas.microsoft.com/office/powerpoint/2010/main" val="1438510947"/>
       </p:ext>
     </p:extLst>
   </p:cSld>
@@ -1134,11 +1483,18 @@
         </p:spPr>
         <p:txBody>
           <a:bodyPr/>
-          <a:lstStyle/>
-          <a:p>
-            <a:fld id="{D7E3D798-714F-4C09-8FBB-8B5194114F28}" type="datetime1">
+          <a:lstStyle>
+            <a:lvl1pPr>
+              <a:defRPr>
+                <a:latin typeface="Corbel" panose="020B0503020204020204" pitchFamily="34" charset="0"/>
+              </a:defRPr>
+            </a:lvl1pPr>
+          </a:lstStyle>
+          <a:p>
+            <a:fld id="{5BF587E0-9EE2-4F9A-9B34-4F542101C81E}" type="datetime1">
               <a:rPr lang="fr-FR" smtClean="0"/>
-              <a:t>19/08/2021</a:t>
+              <a:pPr/>
+              <a:t>15/06/2022</a:t>
             </a:fld>
             <a:endParaRPr lang="fr-FR" dirty="0"/>
           </a:p>
@@ -1161,7 +1517,7 @@
           <a:p>
             <a:r>
               <a:rPr lang="fr-FR" smtClean="0"/>
-              <a:t>F. Flamerie - Le libre accès en bref - 2021-05-11</a:t>
+              <a:t>F. Flamerie - Le libre accès en bref - 2022-05-17</a:t>
             </a:r>
             <a:endParaRPr lang="fr-FR"/>
           </a:p>
@@ -1316,13 +1672,20 @@
         </p:spPr>
         <p:txBody>
           <a:bodyPr/>
-          <a:lstStyle/>
-          <a:p>
-            <a:fld id="{ED752422-A423-48D1-9E65-17893E663FA3}" type="datetime1">
+          <a:lstStyle>
+            <a:lvl1pPr>
+              <a:defRPr>
+                <a:latin typeface="Corbel" panose="020B0503020204020204" pitchFamily="34" charset="0"/>
+              </a:defRPr>
+            </a:lvl1pPr>
+          </a:lstStyle>
+          <a:p>
+            <a:fld id="{58BCF870-FF2A-4F4C-B95B-37A4B7A45EED}" type="datetime1">
               <a:rPr lang="fr-FR" smtClean="0"/>
-              <a:t>19/08/2021</a:t>
+              <a:pPr/>
+              <a:t>15/06/2022</a:t>
             </a:fld>
-            <a:endParaRPr lang="fr-FR"/>
+            <a:endParaRPr lang="fr-FR" dirty="0"/>
           </a:p>
         </p:txBody>
       </p:sp>
@@ -1343,7 +1706,7 @@
           <a:p>
             <a:r>
               <a:rPr lang="fr-FR" smtClean="0"/>
-              <a:t>F. Flamerie - Le libre accès en bref - 2021-05-11</a:t>
+              <a:t>F. Flamerie - Le libre accès en bref - 2022-05-17</a:t>
             </a:r>
             <a:endParaRPr lang="fr-FR"/>
           </a:p>
@@ -1508,13 +1871,20 @@
         </p:spPr>
         <p:txBody>
           <a:bodyPr/>
-          <a:lstStyle/>
-          <a:p>
-            <a:fld id="{28B69FC6-8005-41D5-A3AD-E49BB5FD9ABF}" type="datetime1">
+          <a:lstStyle>
+            <a:lvl1pPr>
+              <a:defRPr>
+                <a:latin typeface="Corbel" panose="020B0503020204020204" pitchFamily="34" charset="0"/>
+              </a:defRPr>
+            </a:lvl1pPr>
+          </a:lstStyle>
+          <a:p>
+            <a:fld id="{F19168CA-E86F-4564-9940-B03F69F3E905}" type="datetime1">
               <a:rPr lang="fr-FR" smtClean="0"/>
-              <a:t>19/08/2021</a:t>
+              <a:pPr/>
+              <a:t>15/06/2022</a:t>
             </a:fld>
-            <a:endParaRPr lang="fr-FR"/>
+            <a:endParaRPr lang="fr-FR" dirty="0"/>
           </a:p>
         </p:txBody>
       </p:sp>
@@ -1535,7 +1905,7 @@
           <a:p>
             <a:r>
               <a:rPr lang="fr-FR" smtClean="0"/>
-              <a:t>F. Flamerie - Le libre accès en bref - 2021-05-11</a:t>
+              <a:t>F. Flamerie - Le libre accès en bref - 2022-05-17</a:t>
             </a:r>
             <a:endParaRPr lang="fr-FR"/>
           </a:p>
@@ -1736,10 +2106,9 @@
             </a:lvl1pPr>
           </a:lstStyle>
           <a:p>
-            <a:fld id="{9BE71B98-B401-4FFD-A210-8D92F718B1AA}" type="datetime1">
+            <a:fld id="{3BEF28A4-AC5F-417F-9FFF-8706F8AB22F5}" type="datetime1">
               <a:rPr lang="fr-FR" smtClean="0"/>
-              <a:pPr/>
-              <a:t>19/08/2021</a:t>
+              <a:t>15/06/2022</a:t>
             </a:fld>
             <a:endParaRPr lang="fr-FR" dirty="0"/>
           </a:p>
@@ -1767,8 +2136,8 @@
           </a:lstStyle>
           <a:p>
             <a:r>
-              <a:rPr lang="fr-FR" dirty="0" smtClean="0"/>
-              <a:t>F. Flamerie - Le libre accès en bref - 2021-05-11</a:t>
+              <a:rPr lang="fr-FR" smtClean="0"/>
+              <a:t>F. Flamerie - Le libre accès en bref - 2022-05-17</a:t>
             </a:r>
             <a:endParaRPr lang="fr-FR" dirty="0"/>
           </a:p>
@@ -2013,13 +2382,20 @@
         </p:spPr>
         <p:txBody>
           <a:bodyPr/>
-          <a:lstStyle/>
-          <a:p>
-            <a:fld id="{EA3318CE-AD45-408C-99F5-4283102BBE0F}" type="datetime1">
+          <a:lstStyle>
+            <a:lvl1pPr>
+              <a:defRPr>
+                <a:latin typeface="Corbel" panose="020B0503020204020204" pitchFamily="34" charset="0"/>
+              </a:defRPr>
+            </a:lvl1pPr>
+          </a:lstStyle>
+          <a:p>
+            <a:fld id="{68BE42E4-A6F1-442C-8486-598AF0E5A652}" type="datetime1">
               <a:rPr lang="fr-FR" smtClean="0"/>
-              <a:t>19/08/2021</a:t>
+              <a:pPr/>
+              <a:t>15/06/2022</a:t>
             </a:fld>
-            <a:endParaRPr lang="fr-FR"/>
+            <a:endParaRPr lang="fr-FR" dirty="0"/>
           </a:p>
         </p:txBody>
       </p:sp>
@@ -2040,7 +2416,7 @@
           <a:p>
             <a:r>
               <a:rPr lang="fr-FR" smtClean="0"/>
-              <a:t>F. Flamerie - Le libre accès en bref - 2021-05-11</a:t>
+              <a:t>F. Flamerie - Le libre accès en bref - 2022-05-17</a:t>
             </a:r>
             <a:endParaRPr lang="fr-FR"/>
           </a:p>
@@ -2321,13 +2697,20 @@
         </p:spPr>
         <p:txBody>
           <a:bodyPr/>
-          <a:lstStyle/>
-          <a:p>
-            <a:fld id="{9F6DE087-1BC8-4CF9-AAE2-F8D31759417A}" type="datetime1">
+          <a:lstStyle>
+            <a:lvl1pPr>
+              <a:defRPr>
+                <a:latin typeface="Corbel" panose="020B0503020204020204" pitchFamily="34" charset="0"/>
+              </a:defRPr>
+            </a:lvl1pPr>
+          </a:lstStyle>
+          <a:p>
+            <a:fld id="{96C6E376-A1CD-4AE2-BABC-E2F33C5E110D}" type="datetime1">
               <a:rPr lang="fr-FR" smtClean="0"/>
-              <a:t>19/08/2021</a:t>
+              <a:pPr/>
+              <a:t>15/06/2022</a:t>
             </a:fld>
-            <a:endParaRPr lang="fr-FR"/>
+            <a:endParaRPr lang="fr-FR" dirty="0"/>
           </a:p>
         </p:txBody>
       </p:sp>
@@ -2348,7 +2731,7 @@
           <a:p>
             <a:r>
               <a:rPr lang="fr-FR" smtClean="0"/>
-              <a:t>F. Flamerie - Le libre accès en bref - 2021-05-11</a:t>
+              <a:t>F. Flamerie - Le libre accès en bref - 2022-05-17</a:t>
             </a:r>
             <a:endParaRPr lang="fr-FR"/>
           </a:p>
@@ -2700,13 +3083,20 @@
         </p:spPr>
         <p:txBody>
           <a:bodyPr/>
-          <a:lstStyle/>
-          <a:p>
-            <a:fld id="{D5B14B75-5242-412B-B795-300076ACD495}" type="datetime1">
+          <a:lstStyle>
+            <a:lvl1pPr>
+              <a:defRPr>
+                <a:latin typeface="Corbel" panose="020B0503020204020204" pitchFamily="34" charset="0"/>
+              </a:defRPr>
+            </a:lvl1pPr>
+          </a:lstStyle>
+          <a:p>
+            <a:fld id="{202E6FE8-963C-4B2C-BEA8-163270049D67}" type="datetime1">
               <a:rPr lang="fr-FR" smtClean="0"/>
-              <a:t>19/08/2021</a:t>
+              <a:pPr/>
+              <a:t>15/06/2022</a:t>
             </a:fld>
-            <a:endParaRPr lang="fr-FR"/>
+            <a:endParaRPr lang="fr-FR" dirty="0"/>
           </a:p>
         </p:txBody>
       </p:sp>
@@ -2727,7 +3117,7 @@
           <a:p>
             <a:r>
               <a:rPr lang="fr-FR" smtClean="0"/>
-              <a:t>F. Flamerie - Le libre accès en bref - 2021-05-11</a:t>
+              <a:t>F. Flamerie - Le libre accès en bref - 2022-05-17</a:t>
             </a:r>
             <a:endParaRPr lang="fr-FR"/>
           </a:p>
@@ -2830,13 +3220,20 @@
         </p:spPr>
         <p:txBody>
           <a:bodyPr/>
-          <a:lstStyle/>
-          <a:p>
-            <a:fld id="{A8610485-8825-4A30-8866-BFAA8AF15BBF}" type="datetime1">
+          <a:lstStyle>
+            <a:lvl1pPr>
+              <a:defRPr>
+                <a:latin typeface="Corbel" panose="020B0503020204020204" pitchFamily="34" charset="0"/>
+              </a:defRPr>
+            </a:lvl1pPr>
+          </a:lstStyle>
+          <a:p>
+            <a:fld id="{1342E9CA-4D6C-437A-A7A7-155BD848DD4C}" type="datetime1">
               <a:rPr lang="fr-FR" smtClean="0"/>
-              <a:t>19/08/2021</a:t>
+              <a:pPr/>
+              <a:t>15/06/2022</a:t>
             </a:fld>
-            <a:endParaRPr lang="fr-FR"/>
+            <a:endParaRPr lang="fr-FR" dirty="0"/>
           </a:p>
         </p:txBody>
       </p:sp>
@@ -2857,7 +3254,7 @@
           <a:p>
             <a:r>
               <a:rPr lang="fr-FR" smtClean="0"/>
-              <a:t>F. Flamerie - Le libre accès en bref - 2021-05-11</a:t>
+              <a:t>F. Flamerie - Le libre accès en bref - 2022-05-17</a:t>
             </a:r>
             <a:endParaRPr lang="fr-FR"/>
           </a:p>
@@ -2937,13 +3334,20 @@
         </p:spPr>
         <p:txBody>
           <a:bodyPr/>
-          <a:lstStyle/>
-          <a:p>
-            <a:fld id="{70C4952C-7CEA-47BA-9ADA-E30BA23D2977}" type="datetime1">
+          <a:lstStyle>
+            <a:lvl1pPr>
+              <a:defRPr>
+                <a:latin typeface="Corbel" panose="020B0503020204020204" pitchFamily="34" charset="0"/>
+              </a:defRPr>
+            </a:lvl1pPr>
+          </a:lstStyle>
+          <a:p>
+            <a:fld id="{3D557309-9703-484D-9FCF-EF1537A6AB66}" type="datetime1">
               <a:rPr lang="fr-FR" smtClean="0"/>
-              <a:t>19/08/2021</a:t>
+              <a:pPr/>
+              <a:t>15/06/2022</a:t>
             </a:fld>
-            <a:endParaRPr lang="fr-FR"/>
+            <a:endParaRPr lang="fr-FR" dirty="0"/>
           </a:p>
         </p:txBody>
       </p:sp>
@@ -2964,7 +3368,7 @@
           <a:p>
             <a:r>
               <a:rPr lang="fr-FR" smtClean="0"/>
-              <a:t>F. Flamerie - Le libre accès en bref - 2021-05-11</a:t>
+              <a:t>F. Flamerie - Le libre accès en bref - 2022-05-17</a:t>
             </a:r>
             <a:endParaRPr lang="fr-FR"/>
           </a:p>
@@ -3226,13 +3630,20 @@
         </p:spPr>
         <p:txBody>
           <a:bodyPr/>
-          <a:lstStyle/>
-          <a:p>
-            <a:fld id="{0E4FC7C7-A4F7-4C44-82C5-6AE17EA4542F}" type="datetime1">
+          <a:lstStyle>
+            <a:lvl1pPr>
+              <a:defRPr>
+                <a:latin typeface="Corbel" panose="020B0503020204020204" pitchFamily="34" charset="0"/>
+              </a:defRPr>
+            </a:lvl1pPr>
+          </a:lstStyle>
+          <a:p>
+            <a:fld id="{03592A12-DCC0-4A76-AF73-A4247601BE51}" type="datetime1">
               <a:rPr lang="fr-FR" smtClean="0"/>
-              <a:t>19/08/2021</a:t>
+              <a:pPr/>
+              <a:t>15/06/2022</a:t>
             </a:fld>
-            <a:endParaRPr lang="fr-FR"/>
+            <a:endParaRPr lang="fr-FR" dirty="0"/>
           </a:p>
         </p:txBody>
       </p:sp>
@@ -3253,7 +3664,7 @@
           <a:p>
             <a:r>
               <a:rPr lang="fr-FR" smtClean="0"/>
-              <a:t>F. Flamerie - Le libre accès en bref - 2021-05-11</a:t>
+              <a:t>F. Flamerie - Le libre accès en bref - 2022-05-17</a:t>
             </a:r>
             <a:endParaRPr lang="fr-FR"/>
           </a:p>
@@ -3491,13 +3902,20 @@
         </p:spPr>
         <p:txBody>
           <a:bodyPr/>
-          <a:lstStyle/>
-          <a:p>
-            <a:fld id="{25265922-989E-4939-BCD6-91C4035EA45B}" type="datetime1">
+          <a:lstStyle>
+            <a:lvl1pPr>
+              <a:defRPr>
+                <a:latin typeface="Corbel" panose="020B0503020204020204" pitchFamily="34" charset="0"/>
+              </a:defRPr>
+            </a:lvl1pPr>
+          </a:lstStyle>
+          <a:p>
+            <a:fld id="{F5D95BDE-ED66-4EF8-ACED-D2AB23DA1BEB}" type="datetime1">
               <a:rPr lang="fr-FR" smtClean="0"/>
-              <a:t>19/08/2021</a:t>
+              <a:pPr/>
+              <a:t>15/06/2022</a:t>
             </a:fld>
-            <a:endParaRPr lang="fr-FR"/>
+            <a:endParaRPr lang="fr-FR" dirty="0"/>
           </a:p>
         </p:txBody>
       </p:sp>
@@ -3518,7 +3936,7 @@
           <a:p>
             <a:r>
               <a:rPr lang="fr-FR" smtClean="0"/>
-              <a:t>F. Flamerie - Le libre accès en bref - 2021-05-11</a:t>
+              <a:t>F. Flamerie - Le libre accès en bref - 2022-05-17</a:t>
             </a:r>
             <a:endParaRPr lang="fr-FR"/>
           </a:p>
@@ -3642,38 +4060,38 @@
           <a:p>
             <a:pPr lvl="0"/>
             <a:r>
-              <a:rPr lang="fr-FR" smtClean="0"/>
+              <a:rPr lang="fr-FR" dirty="0" smtClean="0"/>
               <a:t>Modifiez les styles du texte du masque</a:t>
             </a:r>
           </a:p>
           <a:p>
             <a:pPr lvl="1"/>
             <a:r>
-              <a:rPr lang="fr-FR" smtClean="0"/>
+              <a:rPr lang="fr-FR" dirty="0" smtClean="0"/>
               <a:t>Deuxième niveau</a:t>
             </a:r>
           </a:p>
           <a:p>
             <a:pPr lvl="2"/>
             <a:r>
-              <a:rPr lang="fr-FR" smtClean="0"/>
+              <a:rPr lang="fr-FR" dirty="0" smtClean="0"/>
               <a:t>Troisième niveau</a:t>
             </a:r>
           </a:p>
           <a:p>
             <a:pPr lvl="3"/>
             <a:r>
-              <a:rPr lang="fr-FR" smtClean="0"/>
+              <a:rPr lang="fr-FR" dirty="0" smtClean="0"/>
               <a:t>Quatrième niveau</a:t>
             </a:r>
           </a:p>
           <a:p>
             <a:pPr lvl="4"/>
             <a:r>
-              <a:rPr lang="fr-FR" smtClean="0"/>
+              <a:rPr lang="fr-FR" dirty="0" smtClean="0"/>
               <a:t>Cinquième niveau</a:t>
             </a:r>
-            <a:endParaRPr lang="fr-FR"/>
+            <a:endParaRPr lang="fr-FR" dirty="0"/>
           </a:p>
         </p:txBody>
       </p:sp>
@@ -3706,15 +4124,16 @@
                     <a:tint val="75000"/>
                   </a:schemeClr>
                 </a:solidFill>
+                <a:latin typeface="Corbel" panose="020B0503020204020204" pitchFamily="34" charset="0"/>
               </a:defRPr>
             </a:lvl1pPr>
           </a:lstStyle>
           <a:p>
             <a:r>
-              <a:rPr lang="fr-FR" smtClean="0"/>
-              <a:t>F. Flamerie - Le libre accès en bref - 2021-05-11</a:t>
-            </a:r>
-            <a:endParaRPr lang="fr-FR"/>
+              <a:rPr lang="fr-FR" dirty="0" smtClean="0"/>
+              <a:t>F. Flamerie - Le libre accès en bref - 2022-05-17</a:t>
+            </a:r>
+            <a:endParaRPr lang="fr-FR" dirty="0"/>
           </a:p>
         </p:txBody>
       </p:sp>
@@ -3747,15 +4166,17 @@
                     <a:tint val="75000"/>
                   </a:schemeClr>
                 </a:solidFill>
+                <a:latin typeface="Corbel" panose="020B0503020204020204" pitchFamily="34" charset="0"/>
               </a:defRPr>
             </a:lvl1pPr>
           </a:lstStyle>
           <a:p>
             <a:fld id="{99E13252-68E5-4994-B57B-B03F39B52C7D}" type="slidenum">
               <a:rPr lang="fr-FR" smtClean="0"/>
+              <a:pPr/>
               <a:t>‹N°›</a:t>
             </a:fld>
-            <a:endParaRPr lang="fr-FR"/>
+            <a:endParaRPr lang="fr-FR" dirty="0"/>
           </a:p>
         </p:txBody>
       </p:sp>
@@ -3815,7 +4236,7 @@
           <a:solidFill>
             <a:schemeClr val="tx1"/>
           </a:solidFill>
-          <a:latin typeface="+mn-lt"/>
+          <a:latin typeface="Corbel" panose="020B0503020204020204" pitchFamily="34" charset="0"/>
           <a:ea typeface="+mn-ea"/>
           <a:cs typeface="+mn-cs"/>
         </a:defRPr>
@@ -3833,7 +4254,7 @@
           <a:solidFill>
             <a:schemeClr val="tx1"/>
           </a:solidFill>
-          <a:latin typeface="+mn-lt"/>
+          <a:latin typeface="Corbel" panose="020B0503020204020204" pitchFamily="34" charset="0"/>
           <a:ea typeface="+mn-ea"/>
           <a:cs typeface="+mn-cs"/>
         </a:defRPr>
@@ -3851,7 +4272,7 @@
           <a:solidFill>
             <a:schemeClr val="tx1"/>
           </a:solidFill>
-          <a:latin typeface="+mn-lt"/>
+          <a:latin typeface="Corbel" panose="020B0503020204020204" pitchFamily="34" charset="0"/>
           <a:ea typeface="+mn-ea"/>
           <a:cs typeface="+mn-cs"/>
         </a:defRPr>
@@ -3869,7 +4290,7 @@
           <a:solidFill>
             <a:schemeClr val="tx1"/>
           </a:solidFill>
-          <a:latin typeface="+mn-lt"/>
+          <a:latin typeface="Corbel" panose="020B0503020204020204" pitchFamily="34" charset="0"/>
           <a:ea typeface="+mn-ea"/>
           <a:cs typeface="+mn-cs"/>
         </a:defRPr>
@@ -3887,7 +4308,7 @@
           <a:solidFill>
             <a:schemeClr val="tx1"/>
           </a:solidFill>
-          <a:latin typeface="+mn-lt"/>
+          <a:latin typeface="Corbel" panose="020B0503020204020204" pitchFamily="34" charset="0"/>
           <a:ea typeface="+mn-ea"/>
           <a:cs typeface="+mn-cs"/>
         </a:defRPr>
@@ -4151,8 +4572,8 @@
         </p:nvSpPr>
         <p:spPr bwMode="auto">
           <a:xfrm>
-            <a:off x="953729" y="-228600"/>
-            <a:ext cx="12192000" cy="457200"/>
+            <a:off x="953729" y="-184666"/>
+            <a:ext cx="184731" cy="369332"/>
           </a:xfrm>
           <a:prstGeom prst="rect">
             <a:avLst/>
@@ -4200,7 +4621,9 @@
           </a:bodyPr>
           <a:lstStyle/>
           <a:p>
-            <a:endParaRPr lang="fr-FR"/>
+            <a:endParaRPr lang="fr-FR" dirty="0">
+              <a:latin typeface="Corbel" panose="020B0503020204020204" pitchFamily="34" charset="0"/>
+            </a:endParaRPr>
           </a:p>
         </p:txBody>
       </p:sp>
@@ -4327,13 +4750,6 @@
   <p:clrMapOvr>
     <a:masterClrMapping/>
   </p:clrMapOvr>
-  <p:timing>
-    <p:tnLst>
-      <p:par>
-        <p:cTn id="1" dur="indefinite" restart="never" nodeType="tmRoot"/>
-      </p:par>
-    </p:tnLst>
-  </p:timing>
 </p:sld>
 </file>
 
@@ -4399,7 +4815,7 @@
           <a:p>
             <a:r>
               <a:rPr lang="fr-FR" smtClean="0"/>
-              <a:t>F. Flamerie - Le libre accès en bref - 2021-05-11</a:t>
+              <a:t>F. Flamerie - Le libre accès en bref - 2022-05-17</a:t>
             </a:r>
             <a:endParaRPr lang="fr-FR"/>
           </a:p>
@@ -4437,7 +4853,7 @@
         <p:spPr>
           <a:xfrm>
             <a:off x="350647" y="4156919"/>
-            <a:ext cx="3411124" cy="2031325"/>
+            <a:ext cx="3457424" cy="2031325"/>
           </a:xfrm>
           <a:prstGeom prst="rect">
             <a:avLst/>
@@ -4461,12 +4877,23 @@
             <a:r>
               <a:rPr lang="fr-FR" altLang="fr-FR" dirty="0">
                 <a:latin typeface="Corbel" panose="020B0503020204020204" pitchFamily="34" charset="0"/>
-              </a:rPr>
-              <a:t>https://hal.sorbonne-universite.fr/hal-02888482 </a:t>
-            </a:r>
-            <a:endParaRPr lang="fr-FR" altLang="fr-FR" dirty="0" smtClean="0">
-              <a:latin typeface="Corbel" panose="020B0503020204020204" pitchFamily="34" charset="0"/>
-            </a:endParaRPr>
+                <a:hlinkClick r:id="rId2"/>
+              </a:rPr>
+              <a:t>https://</a:t>
+            </a:r>
+            <a:r>
+              <a:rPr lang="fr-FR" altLang="fr-FR" dirty="0" smtClean="0">
+                <a:latin typeface="Corbel" panose="020B0503020204020204" pitchFamily="34" charset="0"/>
+                <a:hlinkClick r:id="rId2"/>
+              </a:rPr>
+              <a:t>hal.sorbonne-universite.fr/hal-02888482</a:t>
+            </a:r>
+            <a:r>
+              <a:rPr lang="fr-FR" altLang="fr-FR" dirty="0" smtClean="0">
+                <a:latin typeface="Corbel" panose="020B0503020204020204" pitchFamily="34" charset="0"/>
+              </a:rPr>
+              <a:t>  </a:t>
+            </a:r>
           </a:p>
           <a:p>
             <a:endParaRPr lang="fr-FR" dirty="0">
@@ -4485,14 +4912,22 @@
             <a:r>
               <a:rPr lang="fr-FR" dirty="0">
                 <a:latin typeface="Corbel" panose="020B0503020204020204" pitchFamily="34" charset="0"/>
+                <a:hlinkClick r:id="rId3"/>
               </a:rPr>
               <a:t>https</a:t>
             </a:r>
             <a:r>
               <a:rPr lang="fr-FR" dirty="0" smtClean="0">
                 <a:latin typeface="Corbel" panose="020B0503020204020204" pitchFamily="34" charset="0"/>
-              </a:rPr>
-              <a:t>://doi.org/10.1111/jcpp.13270 </a:t>
+                <a:hlinkClick r:id="rId3"/>
+              </a:rPr>
+              <a:t>://doi.org/10.1111/jcpp.13270</a:t>
+            </a:r>
+            <a:r>
+              <a:rPr lang="fr-FR" dirty="0" smtClean="0">
+                <a:latin typeface="Corbel" panose="020B0503020204020204" pitchFamily="34" charset="0"/>
+              </a:rPr>
+              <a:t>  </a:t>
             </a:r>
             <a:endParaRPr lang="fr-FR" dirty="0">
               <a:latin typeface="Corbel" panose="020B0503020204020204" pitchFamily="34" charset="0"/>
@@ -4511,7 +4946,7 @@
           </p:nvPr>
         </p:nvPicPr>
         <p:blipFill>
-          <a:blip r:embed="rId2">
+          <a:blip r:embed="rId4">
             <a:extLst>
               <a:ext uri="{28A0092B-C50C-407E-A947-70E740481C1C}">
                 <a14:useLocalDpi xmlns:a14="http://schemas.microsoft.com/office/drawing/2010/main" val="0"/>
@@ -4539,13 +4974,6 @@
   <p:clrMapOvr>
     <a:masterClrMapping/>
   </p:clrMapOvr>
-  <p:timing>
-    <p:tnLst>
-      <p:par>
-        <p:cTn id="1" dur="indefinite" restart="never" nodeType="tmRoot"/>
-      </p:par>
-    </p:tnLst>
-  </p:timing>
 </p:sld>
 </file>
 
@@ -4607,7 +5035,7 @@
         <p:spPr>
           <a:xfrm>
             <a:off x="231140" y="1230133"/>
-            <a:ext cx="3883660" cy="4351338"/>
+            <a:ext cx="4107180" cy="4351338"/>
           </a:xfrm>
         </p:spPr>
         <p:txBody>
@@ -4876,7 +5304,7 @@
           <a:p>
             <a:r>
               <a:rPr lang="fr-FR" smtClean="0"/>
-              <a:t>F. Flamerie - Le libre accès en bref - 2021-05-11</a:t>
+              <a:t>F. Flamerie - Le libre accès en bref - 2022-05-17</a:t>
             </a:r>
             <a:endParaRPr lang="fr-FR"/>
           </a:p>
@@ -4963,77 +5391,111 @@
           <a:lstStyle/>
           <a:p>
             <a:r>
-              <a:rPr lang="en-US" sz="1200" dirty="0" err="1" smtClean="0"/>
+              <a:rPr lang="en-US" sz="1200" dirty="0" err="1" smtClean="0">
+                <a:latin typeface="Corbel" panose="020B0503020204020204" pitchFamily="34" charset="0"/>
+              </a:rPr>
               <a:t>Voir</a:t>
             </a:r>
             <a:r>
-              <a:rPr lang="en-US" sz="1200" dirty="0" smtClean="0"/>
+              <a:rPr lang="en-US" sz="1200" dirty="0" smtClean="0">
+                <a:latin typeface="Corbel" panose="020B0503020204020204" pitchFamily="34" charset="0"/>
+              </a:rPr>
               <a:t> : </a:t>
             </a:r>
             <a:r>
-              <a:rPr lang="en-US" sz="1200" dirty="0" err="1" smtClean="0"/>
+              <a:rPr lang="en-US" sz="1200" dirty="0" err="1" smtClean="0">
+                <a:latin typeface="Corbel" panose="020B0503020204020204" pitchFamily="34" charset="0"/>
+              </a:rPr>
               <a:t>Piwowar</a:t>
             </a:r>
             <a:r>
-              <a:rPr lang="en-US" sz="1200" dirty="0"/>
+              <a:rPr lang="en-US" sz="1200" dirty="0">
+                <a:latin typeface="Corbel" panose="020B0503020204020204" pitchFamily="34" charset="0"/>
+              </a:rPr>
               <a:t>, H., </a:t>
             </a:r>
             <a:r>
-              <a:rPr lang="en-US" sz="1200" dirty="0" err="1"/>
+              <a:rPr lang="en-US" sz="1200" dirty="0" err="1">
+                <a:latin typeface="Corbel" panose="020B0503020204020204" pitchFamily="34" charset="0"/>
+              </a:rPr>
               <a:t>Priem</a:t>
             </a:r>
             <a:r>
-              <a:rPr lang="en-US" sz="1200" dirty="0"/>
+              <a:rPr lang="en-US" sz="1200" dirty="0">
+                <a:latin typeface="Corbel" panose="020B0503020204020204" pitchFamily="34" charset="0"/>
+              </a:rPr>
               <a:t>, J., </a:t>
             </a:r>
             <a:r>
-              <a:rPr lang="en-US" sz="1200" dirty="0" err="1"/>
+              <a:rPr lang="en-US" sz="1200" dirty="0" err="1">
+                <a:latin typeface="Corbel" panose="020B0503020204020204" pitchFamily="34" charset="0"/>
+              </a:rPr>
               <a:t>Larivière</a:t>
             </a:r>
             <a:r>
-              <a:rPr lang="en-US" sz="1200" dirty="0"/>
+              <a:rPr lang="en-US" sz="1200" dirty="0">
+                <a:latin typeface="Corbel" panose="020B0503020204020204" pitchFamily="34" charset="0"/>
+              </a:rPr>
               <a:t>, V., </a:t>
             </a:r>
             <a:r>
-              <a:rPr lang="en-US" sz="1200" dirty="0" err="1"/>
+              <a:rPr lang="en-US" sz="1200" dirty="0" err="1">
+                <a:latin typeface="Corbel" panose="020B0503020204020204" pitchFamily="34" charset="0"/>
+              </a:rPr>
               <a:t>Alperin</a:t>
             </a:r>
             <a:r>
-              <a:rPr lang="en-US" sz="1200" dirty="0"/>
+              <a:rPr lang="en-US" sz="1200" dirty="0">
+                <a:latin typeface="Corbel" panose="020B0503020204020204" pitchFamily="34" charset="0"/>
+              </a:rPr>
               <a:t>, J. P., Matthias, L., Norlander, B., Farley, A., West, J., &amp; </a:t>
             </a:r>
             <a:r>
-              <a:rPr lang="en-US" sz="1200" dirty="0" err="1"/>
+              <a:rPr lang="en-US" sz="1200" dirty="0" err="1">
+                <a:latin typeface="Corbel" panose="020B0503020204020204" pitchFamily="34" charset="0"/>
+              </a:rPr>
               <a:t>Haustein</a:t>
             </a:r>
             <a:r>
-              <a:rPr lang="en-US" sz="1200" dirty="0"/>
+              <a:rPr lang="en-US" sz="1200" dirty="0">
+                <a:latin typeface="Corbel" panose="020B0503020204020204" pitchFamily="34" charset="0"/>
+              </a:rPr>
               <a:t>, S. (2018). The state of OA : A large-scale analysis of the prevalence and impact of Open Access articles. </a:t>
             </a:r>
             <a:r>
-              <a:rPr lang="en-US" sz="1200" i="1" dirty="0" err="1"/>
+              <a:rPr lang="en-US" sz="1200" i="1" dirty="0" err="1">
+                <a:latin typeface="Corbel" panose="020B0503020204020204" pitchFamily="34" charset="0"/>
+              </a:rPr>
               <a:t>PeerJ</a:t>
             </a:r>
             <a:r>
-              <a:rPr lang="en-US" sz="1200" dirty="0"/>
+              <a:rPr lang="en-US" sz="1200" dirty="0">
+                <a:latin typeface="Corbel" panose="020B0503020204020204" pitchFamily="34" charset="0"/>
+              </a:rPr>
               <a:t>, </a:t>
             </a:r>
             <a:r>
-              <a:rPr lang="en-US" sz="1200" i="1" dirty="0"/>
+              <a:rPr lang="en-US" sz="1200" i="1" dirty="0">
+                <a:latin typeface="Corbel" panose="020B0503020204020204" pitchFamily="34" charset="0"/>
+              </a:rPr>
               <a:t>6</a:t>
             </a:r>
             <a:r>
-              <a:rPr lang="en-US" sz="1200" dirty="0"/>
+              <a:rPr lang="en-US" sz="1200" dirty="0">
+                <a:latin typeface="Corbel" panose="020B0503020204020204" pitchFamily="34" charset="0"/>
+              </a:rPr>
               <a:t>, e4375. </a:t>
             </a:r>
             <a:r>
               <a:rPr lang="en-US" sz="1200" dirty="0">
+                <a:latin typeface="Corbel" panose="020B0503020204020204" pitchFamily="34" charset="0"/>
                 <a:hlinkClick r:id="rId2"/>
               </a:rPr>
               <a:t>https://doi.org/10.7717/peerj.4375</a:t>
             </a:r>
             <a:endParaRPr lang="en-US" sz="1200" dirty="0">
               <a:effectLst/>
+              <a:latin typeface="Corbel" panose="020B0503020204020204" pitchFamily="34" charset="0"/>
             </a:endParaRPr>
           </a:p>
         </p:txBody>
@@ -5196,7 +5658,7 @@
           <a:p>
             <a:r>
               <a:rPr lang="fr-FR" smtClean="0"/>
-              <a:t>F. Flamerie - Le libre accès en bref - 2021-05-11</a:t>
+              <a:t>F. Flamerie - Le libre accès en bref - 2022-05-17</a:t>
             </a:r>
             <a:endParaRPr lang="fr-FR"/>
           </a:p>
@@ -5298,7 +5760,27 @@
               <a:rPr lang="pt-BR" sz="1600" dirty="0">
                 <a:latin typeface="Corbel" panose="020B0503020204020204" pitchFamily="34" charset="0"/>
               </a:rPr>
-              <a:t>. http://asapbio.org/licensing-faq/licensing-diagram-2018-10-04.</a:t>
+              <a:t>. </a:t>
+            </a:r>
+            <a:r>
+              <a:rPr lang="pt-BR" sz="1600" dirty="0">
+                <a:latin typeface="Corbel" panose="020B0503020204020204" pitchFamily="34" charset="0"/>
+                <a:hlinkClick r:id="rId3"/>
+              </a:rPr>
+              <a:t>http://</a:t>
+            </a:r>
+            <a:r>
+              <a:rPr lang="pt-BR" sz="1600" dirty="0" smtClean="0">
+                <a:latin typeface="Corbel" panose="020B0503020204020204" pitchFamily="34" charset="0"/>
+                <a:hlinkClick r:id="rId3"/>
+              </a:rPr>
+              <a:t>asapbio.org/licensing-faq/licensing-diagram-2018-10-04</a:t>
+            </a:r>
+            <a:r>
+              <a:rPr lang="pt-BR" sz="1600" dirty="0" smtClean="0">
+                <a:latin typeface="Corbel" panose="020B0503020204020204" pitchFamily="34" charset="0"/>
+              </a:rPr>
+              <a:t>.</a:t>
             </a:r>
             <a:endParaRPr lang="fr-FR" sz="1600" dirty="0">
               <a:latin typeface="Corbel" panose="020B0503020204020204" pitchFamily="34" charset="0"/>
@@ -5389,7 +5871,7 @@
                 <a:tabLst/>
                 <a:defRPr/>
               </a:pPr>
-              <a:endParaRPr kumimoji="0" lang="fr-FR" sz="1800" b="0" i="0" u="none" strike="noStrike" kern="1200" cap="none" spc="0" normalizeH="0" baseline="0" noProof="0">
+              <a:endParaRPr kumimoji="0" lang="fr-FR" sz="1800" b="0" i="0" u="none" strike="noStrike" kern="1200" cap="none" spc="0" normalizeH="0" baseline="0" noProof="0" dirty="0">
                 <a:ln>
                   <a:noFill/>
                 </a:ln>
@@ -5401,7 +5883,7 @@
                 <a:effectLst/>
                 <a:uLnTx/>
                 <a:uFillTx/>
-                <a:latin typeface="Calibri" panose="020F0502020204030204"/>
+                <a:latin typeface="Corbel" panose="020B0503020204020204" pitchFamily="34" charset="0"/>
                 <a:ea typeface="+mn-ea"/>
                 <a:cs typeface="+mn-cs"/>
               </a:endParaRPr>
@@ -5470,7 +5952,7 @@
                 <a:tabLst/>
                 <a:defRPr/>
               </a:pPr>
-              <a:endParaRPr kumimoji="0" lang="fr-FR" sz="1800" b="0" i="0" u="none" strike="noStrike" kern="1200" cap="none" spc="0" normalizeH="0" baseline="0" noProof="0">
+              <a:endParaRPr kumimoji="0" lang="fr-FR" sz="1800" b="0" i="0" u="none" strike="noStrike" kern="1200" cap="none" spc="0" normalizeH="0" baseline="0" noProof="0" dirty="0">
                 <a:ln>
                   <a:noFill/>
                 </a:ln>
@@ -5482,7 +5964,7 @@
                 <a:effectLst/>
                 <a:uLnTx/>
                 <a:uFillTx/>
-                <a:latin typeface="Calibri" panose="020F0502020204030204"/>
+                <a:latin typeface="Corbel" panose="020B0503020204020204" pitchFamily="34" charset="0"/>
                 <a:ea typeface="+mn-ea"/>
                 <a:cs typeface="+mn-cs"/>
               </a:endParaRPr>
@@ -5500,13 +5982,6 @@
   <p:clrMapOvr>
     <a:masterClrMapping/>
   </p:clrMapOvr>
-  <p:timing>
-    <p:tnLst>
-      <p:par>
-        <p:cTn id="1" dur="indefinite" restart="never" nodeType="tmRoot"/>
-      </p:par>
-    </p:tnLst>
-  </p:timing>
 </p:sld>
 </file>
 
@@ -5575,6 +6050,7 @@
               <a:solidFill>
                 <a:srgbClr val="FFFFFF"/>
               </a:solidFill>
+              <a:latin typeface="Corbel" panose="020B0503020204020204" pitchFamily="34" charset="0"/>
             </a:endParaRPr>
           </a:p>
         </p:txBody>
@@ -6115,7 +6591,9 @@
           <a:lstStyle/>
           <a:p>
             <a:pPr algn="ctr"/>
-            <a:endParaRPr lang="fr-FR"/>
+            <a:endParaRPr lang="fr-FR" dirty="0">
+              <a:latin typeface="Corbel" panose="020B0503020204020204" pitchFamily="34" charset="0"/>
+            </a:endParaRPr>
           </a:p>
         </p:txBody>
       </p:sp>
@@ -6162,25 +6640,25 @@
               <a:t>APC </a:t>
             </a:r>
             <a:r>
-              <a:rPr lang="en-US" sz="3600" dirty="0" err="1">
+              <a:rPr lang="en-US" sz="3600" dirty="0" err="1" smtClean="0">
                 <a:solidFill>
                   <a:srgbClr val="FFFFFF"/>
                 </a:solidFill>
                 <a:latin typeface="Corbel" panose="020B0503020204020204" pitchFamily="34" charset="0"/>
               </a:rPr>
-              <a:t>médian</a:t>
-            </a:r>
-            <a:r>
-              <a:rPr lang="en-US" sz="3600" dirty="0">
+              <a:t>moyen</a:t>
+            </a:r>
+            <a:r>
+              <a:rPr lang="en-US" sz="3600" dirty="0" smtClean="0">
                 <a:solidFill>
                   <a:srgbClr val="FFFFFF"/>
                 </a:solidFill>
                 <a:latin typeface="Corbel" panose="020B0503020204020204" pitchFamily="34" charset="0"/>
               </a:rPr>
-              <a:t> 1407</a:t>
-            </a:r>
-            <a:r>
-              <a:rPr lang="fr-FR" sz="3600" dirty="0">
+              <a:t> 2200</a:t>
+            </a:r>
+            <a:r>
+              <a:rPr lang="fr-FR" sz="3600" dirty="0" smtClean="0">
                 <a:solidFill>
                   <a:srgbClr val="FFFFFF"/>
                 </a:solidFill>
@@ -6188,6 +6666,12 @@
               </a:rPr>
               <a:t>€</a:t>
             </a:r>
+            <a:endParaRPr lang="fr-FR" sz="3600" dirty="0">
+              <a:solidFill>
+                <a:srgbClr val="FFFFFF"/>
+              </a:solidFill>
+              <a:latin typeface="Corbel" panose="020B0503020204020204" pitchFamily="34" charset="0"/>
+            </a:endParaRPr>
           </a:p>
           <a:p>
             <a:endParaRPr lang="fr-FR" sz="4400" dirty="0">
@@ -6325,7 +6809,7 @@
               <a:t>APC </a:t>
             </a:r>
             <a:r>
-              <a:rPr lang="en-US" sz="3600" dirty="0" err="1">
+              <a:rPr lang="en-US" sz="3600" dirty="0" err="1" smtClean="0">
                 <a:solidFill>
                   <a:schemeClr val="bg1">
                     <a:lumMod val="50000"/>
@@ -6333,10 +6817,10 @@
                 </a:solidFill>
                 <a:latin typeface="Corbel" panose="020B0503020204020204" pitchFamily="34" charset="0"/>
               </a:rPr>
-              <a:t>médian</a:t>
-            </a:r>
-            <a:r>
-              <a:rPr lang="en-US" sz="3600" dirty="0">
+              <a:t>moyen</a:t>
+            </a:r>
+            <a:r>
+              <a:rPr lang="en-US" sz="3600" dirty="0" smtClean="0">
                 <a:solidFill>
                   <a:schemeClr val="bg1">
                     <a:lumMod val="50000"/>
@@ -6344,10 +6828,10 @@
                 </a:solidFill>
                 <a:latin typeface="Corbel" panose="020B0503020204020204" pitchFamily="34" charset="0"/>
               </a:rPr>
-              <a:t> 2443</a:t>
-            </a:r>
-            <a:r>
-              <a:rPr lang="fr-FR" sz="3600" dirty="0">
+              <a:t> 2600</a:t>
+            </a:r>
+            <a:r>
+              <a:rPr lang="fr-FR" sz="3600" dirty="0" smtClean="0">
                 <a:solidFill>
                   <a:schemeClr val="bg1">
                     <a:lumMod val="50000"/>
@@ -6357,6 +6841,14 @@
               </a:rPr>
               <a:t>€</a:t>
             </a:r>
+            <a:endParaRPr lang="fr-FR" sz="3600" dirty="0">
+              <a:solidFill>
+                <a:schemeClr val="bg1">
+                  <a:lumMod val="50000"/>
+                </a:schemeClr>
+              </a:solidFill>
+              <a:latin typeface="Corbel" panose="020B0503020204020204" pitchFamily="34" charset="0"/>
+            </a:endParaRPr>
           </a:p>
         </p:txBody>
       </p:sp>
@@ -6427,8 +6919,8 @@
         </p:nvSpPr>
         <p:spPr>
           <a:xfrm>
-            <a:off x="717343" y="2723489"/>
-            <a:ext cx="3317388" cy="1569660"/>
+            <a:off x="826971" y="2444011"/>
+            <a:ext cx="3317388" cy="1631216"/>
           </a:xfrm>
           <a:prstGeom prst="rect">
             <a:avLst/>
@@ -6442,24 +6934,24 @@
           <a:lstStyle/>
           <a:p>
             <a:r>
-              <a:rPr lang="fr-FR" sz="2400" dirty="0" smtClean="0">
+              <a:rPr lang="fr-FR" sz="2000" dirty="0" smtClean="0">
                 <a:latin typeface="Corbel" panose="020B0503020204020204" pitchFamily="34" charset="0"/>
               </a:rPr>
               <a:t>Module </a:t>
             </a:r>
             <a:r>
-              <a:rPr lang="fr-FR" sz="2400" dirty="0">
+              <a:rPr lang="fr-FR" sz="2000" dirty="0">
                 <a:latin typeface="Corbel" panose="020B0503020204020204" pitchFamily="34" charset="0"/>
               </a:rPr>
               <a:t>3.2 : Focus sur les revues en libre accès : enjeux économiques, juridiques et </a:t>
             </a:r>
             <a:r>
-              <a:rPr lang="fr-FR" sz="2400" dirty="0" smtClean="0">
-                <a:latin typeface="Corbel" panose="020B0503020204020204" pitchFamily="34" charset="0"/>
-              </a:rPr>
-              <a:t>éditoriaux</a:t>
-            </a:r>
-            <a:endParaRPr lang="fr-FR" sz="2400" dirty="0">
+              <a:rPr lang="fr-FR" sz="2000" dirty="0" smtClean="0">
+                <a:latin typeface="Corbel" panose="020B0503020204020204" pitchFamily="34" charset="0"/>
+              </a:rPr>
+              <a:t>éditoriaux le 31 mai 11h30-12h15</a:t>
+            </a:r>
+            <a:endParaRPr lang="fr-FR" sz="2000" dirty="0">
               <a:latin typeface="Corbel" panose="020B0503020204020204" pitchFamily="34" charset="0"/>
             </a:endParaRPr>
           </a:p>
@@ -6473,8 +6965,8 @@
         </p:nvSpPr>
         <p:spPr>
           <a:xfrm>
-            <a:off x="0" y="6333478"/>
-            <a:ext cx="12192000" cy="646331"/>
+            <a:off x="147923" y="5126106"/>
+            <a:ext cx="3886318" cy="1200329"/>
           </a:xfrm>
           <a:prstGeom prst="rect">
             <a:avLst/>
@@ -6490,102 +6982,54 @@
               <a:rPr lang="fr-FR" sz="1200" dirty="0">
                 <a:latin typeface="Corbel" panose="020B0503020204020204" pitchFamily="34" charset="0"/>
               </a:rPr>
-              <a:t>Les données proviennent du </a:t>
-            </a:r>
-            <a:r>
-              <a:rPr lang="fr-FR" sz="1200" dirty="0">
+              <a:t>Les données </a:t>
+            </a:r>
+            <a:r>
+              <a:rPr lang="fr-FR" sz="1200" dirty="0" smtClean="0">
+                <a:latin typeface="Corbel" panose="020B0503020204020204" pitchFamily="34" charset="0"/>
+              </a:rPr>
+              <a:t>concernent 86’767 articles en libre accès financés au titre du programme Horizon 2020 (2017-2021). </a:t>
+            </a:r>
+          </a:p>
+          <a:p>
+            <a:r>
+              <a:rPr lang="fr-FR" sz="1200" dirty="0" smtClean="0">
+                <a:latin typeface="Corbel" panose="020B0503020204020204" pitchFamily="34" charset="0"/>
+              </a:rPr>
+              <a:t>Source : </a:t>
+            </a:r>
+            <a:r>
+              <a:rPr lang="en-US" sz="1200" dirty="0">
+                <a:latin typeface="Corbel" panose="020B0503020204020204" pitchFamily="34" charset="0"/>
+              </a:rPr>
+              <a:t>European Commission, Directorate-General for Research and Innovation. (2021). </a:t>
+            </a:r>
+            <a:r>
+              <a:rPr lang="en-US" sz="1200" i="1" dirty="0">
+                <a:latin typeface="Corbel" panose="020B0503020204020204" pitchFamily="34" charset="0"/>
+              </a:rPr>
+              <a:t>Monitoring the open access policy of Horizon 2020 : Final report</a:t>
+            </a:r>
+            <a:r>
+              <a:rPr lang="en-US" sz="1200" dirty="0">
+                <a:latin typeface="Corbel" panose="020B0503020204020204" pitchFamily="34" charset="0"/>
+              </a:rPr>
+              <a:t>. European Union. </a:t>
+            </a:r>
+            <a:r>
+              <a:rPr lang="en-US" sz="1200" dirty="0">
                 <a:latin typeface="Corbel" panose="020B0503020204020204" pitchFamily="34" charset="0"/>
                 <a:hlinkClick r:id="rId2"/>
               </a:rPr>
-              <a:t>projet </a:t>
-            </a:r>
-            <a:r>
-              <a:rPr lang="fr-FR" sz="1200" dirty="0" smtClean="0">
+              <a:t>https://</a:t>
+            </a:r>
+            <a:r>
+              <a:rPr lang="en-US" sz="1200" dirty="0" smtClean="0">
                 <a:latin typeface="Corbel" panose="020B0503020204020204" pitchFamily="34" charset="0"/>
                 <a:hlinkClick r:id="rId2"/>
               </a:rPr>
-              <a:t>Open APC </a:t>
-            </a:r>
-            <a:r>
-              <a:rPr lang="fr-FR" sz="1200" dirty="0" smtClean="0">
-                <a:latin typeface="Corbel" panose="020B0503020204020204" pitchFamily="34" charset="0"/>
-              </a:rPr>
-              <a:t>et couvrent </a:t>
-            </a:r>
-            <a:r>
-              <a:rPr lang="fr-FR" sz="1200" dirty="0">
-                <a:latin typeface="Corbel" panose="020B0503020204020204" pitchFamily="34" charset="0"/>
-              </a:rPr>
-              <a:t>les années 2005-2018, pour 158 organismes de recherche</a:t>
-            </a:r>
-            <a:r>
-              <a:rPr lang="fr-FR" sz="1200" dirty="0" smtClean="0">
-                <a:latin typeface="Corbel" panose="020B0503020204020204" pitchFamily="34" charset="0"/>
-              </a:rPr>
-              <a:t>. </a:t>
-            </a:r>
-          </a:p>
-          <a:p>
-            <a:r>
-              <a:rPr lang="fr-FR" sz="1200" dirty="0" smtClean="0">
-                <a:latin typeface="Corbel" panose="020B0503020204020204" pitchFamily="34" charset="0"/>
-              </a:rPr>
-              <a:t>Source : </a:t>
-            </a:r>
-            <a:r>
-              <a:rPr lang="en-US" sz="1200" dirty="0">
-                <a:latin typeface="Corbel" panose="020B0503020204020204" pitchFamily="34" charset="0"/>
-              </a:rPr>
-              <a:t>Ross-</a:t>
-            </a:r>
-            <a:r>
-              <a:rPr lang="en-US" sz="1200" dirty="0" err="1">
-                <a:latin typeface="Corbel" panose="020B0503020204020204" pitchFamily="34" charset="0"/>
-              </a:rPr>
-              <a:t>Hellauer</a:t>
-            </a:r>
-            <a:r>
-              <a:rPr lang="en-US" sz="1200" dirty="0">
-                <a:latin typeface="Corbel" panose="020B0503020204020204" pitchFamily="34" charset="0"/>
-              </a:rPr>
-              <a:t>, T., Schmidt, B., &amp; Kramer, B. (2018). Are Funder Open Access Platforms a Good Idea?: </a:t>
-            </a:r>
-            <a:r>
-              <a:rPr lang="en-US" sz="1200" i="1" dirty="0">
-                <a:latin typeface="Corbel" panose="020B0503020204020204" pitchFamily="34" charset="0"/>
-              </a:rPr>
-              <a:t>SAGE Open</a:t>
-            </a:r>
-            <a:r>
-              <a:rPr lang="en-US" sz="1200" dirty="0">
-                <a:latin typeface="Corbel" panose="020B0503020204020204" pitchFamily="34" charset="0"/>
-              </a:rPr>
-              <a:t>, </a:t>
-            </a:r>
-            <a:r>
-              <a:rPr lang="en-US" sz="1200" i="1" dirty="0">
-                <a:latin typeface="Corbel" panose="020B0503020204020204" pitchFamily="34" charset="0"/>
-              </a:rPr>
-              <a:t>8</a:t>
-            </a:r>
-            <a:r>
-              <a:rPr lang="en-US" sz="1200" dirty="0">
-                <a:latin typeface="Corbel" panose="020B0503020204020204" pitchFamily="34" charset="0"/>
-              </a:rPr>
-              <a:t>(4), 1‑16. </a:t>
-            </a:r>
-            <a:r>
-              <a:rPr lang="en-US" sz="1200" dirty="0">
-                <a:latin typeface="Corbel" panose="020B0503020204020204" pitchFamily="34" charset="0"/>
-                <a:hlinkClick r:id="rId3"/>
-              </a:rPr>
-              <a:t>https://doi.org/10.1177/2158244018816717</a:t>
-            </a:r>
-            <a:endParaRPr lang="en-US" sz="1200" dirty="0">
-              <a:latin typeface="Corbel" panose="020B0503020204020204" pitchFamily="34" charset="0"/>
-            </a:endParaRPr>
-          </a:p>
-          <a:p>
+              <a:t>doi.org/10.2777/268348</a:t>
+            </a:r>
             <a:endParaRPr lang="fr-FR" sz="1200" dirty="0">
               <a:latin typeface="Corbel" panose="020B0503020204020204" pitchFamily="34" charset="0"/>
             </a:endParaRPr>
@@ -6636,7 +7080,7 @@
         </p:nvGrpSpPr>
         <p:grpSpPr>
           <a:xfrm>
-            <a:off x="149726" y="2840607"/>
+            <a:off x="301832" y="2534092"/>
             <a:ext cx="404457" cy="351782"/>
             <a:chOff x="1412032" y="2732632"/>
             <a:chExt cx="1016496" cy="884112"/>
@@ -6709,7 +7153,7 @@
                 <a:tabLst/>
                 <a:defRPr/>
               </a:pPr>
-              <a:endParaRPr kumimoji="0" lang="fr-FR" sz="1800" b="0" i="0" u="none" strike="noStrike" kern="1200" cap="none" spc="0" normalizeH="0" baseline="0" noProof="0">
+              <a:endParaRPr kumimoji="0" lang="fr-FR" sz="1800" b="0" i="0" u="none" strike="noStrike" kern="1200" cap="none" spc="0" normalizeH="0" baseline="0" noProof="0" dirty="0">
                 <a:ln>
                   <a:noFill/>
                 </a:ln>
@@ -6721,7 +7165,7 @@
                 <a:effectLst/>
                 <a:uLnTx/>
                 <a:uFillTx/>
-                <a:latin typeface="Calibri" panose="020F0502020204030204"/>
+                <a:latin typeface="Corbel" panose="020B0503020204020204" pitchFamily="34" charset="0"/>
                 <a:ea typeface="+mn-ea"/>
                 <a:cs typeface="+mn-cs"/>
               </a:endParaRPr>
@@ -6790,7 +7234,7 @@
                 <a:tabLst/>
                 <a:defRPr/>
               </a:pPr>
-              <a:endParaRPr kumimoji="0" lang="fr-FR" sz="1800" b="0" i="0" u="none" strike="noStrike" kern="1200" cap="none" spc="0" normalizeH="0" baseline="0" noProof="0">
+              <a:endParaRPr kumimoji="0" lang="fr-FR" sz="1800" b="0" i="0" u="none" strike="noStrike" kern="1200" cap="none" spc="0" normalizeH="0" baseline="0" noProof="0" dirty="0">
                 <a:ln>
                   <a:noFill/>
                 </a:ln>
@@ -6802,7 +7246,7 @@
                 <a:effectLst/>
                 <a:uLnTx/>
                 <a:uFillTx/>
-                <a:latin typeface="Calibri" panose="020F0502020204030204"/>
+                <a:latin typeface="Corbel" panose="020B0503020204020204" pitchFamily="34" charset="0"/>
                 <a:ea typeface="+mn-ea"/>
                 <a:cs typeface="+mn-cs"/>
               </a:endParaRPr>
@@ -6810,6 +7254,53 @@
           </p:txBody>
         </p:sp>
       </p:grpSp>
+      <p:sp>
+        <p:nvSpPr>
+          <p:cNvPr id="2" name="Espace réservé du pied de page 1"/>
+          <p:cNvSpPr>
+            <a:spLocks noGrp="1"/>
+          </p:cNvSpPr>
+          <p:nvPr>
+            <p:ph type="ftr" sz="quarter" idx="11"/>
+          </p:nvPr>
+        </p:nvSpPr>
+        <p:spPr/>
+        <p:txBody>
+          <a:bodyPr/>
+          <a:lstStyle/>
+          <a:p>
+            <a:r>
+              <a:rPr lang="fr-FR" smtClean="0"/>
+              <a:t>F. Flamerie - Le libre accès en bref - 2022-05-17</a:t>
+            </a:r>
+            <a:endParaRPr lang="fr-FR" dirty="0"/>
+          </a:p>
+        </p:txBody>
+      </p:sp>
+      <p:sp>
+        <p:nvSpPr>
+          <p:cNvPr id="4" name="Espace réservé du numéro de diapositive 3"/>
+          <p:cNvSpPr>
+            <a:spLocks noGrp="1"/>
+          </p:cNvSpPr>
+          <p:nvPr>
+            <p:ph type="sldNum" sz="quarter" idx="12"/>
+          </p:nvPr>
+        </p:nvSpPr>
+        <p:spPr/>
+        <p:txBody>
+          <a:bodyPr/>
+          <a:lstStyle/>
+          <a:p>
+            <a:fld id="{99E13252-68E5-4994-B57B-B03F39B52C7D}" type="slidenum">
+              <a:rPr lang="fr-FR" smtClean="0"/>
+              <a:pPr/>
+              <a:t>13</a:t>
+            </a:fld>
+            <a:endParaRPr lang="fr-FR" dirty="0"/>
+          </a:p>
+        </p:txBody>
+      </p:sp>
     </p:spTree>
     <p:extLst>
       <p:ext uri="{BB962C8B-B14F-4D97-AF65-F5344CB8AC3E}">
@@ -6855,8 +7346,8 @@
         </p:nvSpPr>
         <p:spPr>
           <a:xfrm>
-            <a:off x="118552" y="6313547"/>
-            <a:ext cx="11626200" cy="646331"/>
+            <a:off x="354933" y="5340687"/>
+            <a:ext cx="4846987" cy="1015663"/>
           </a:xfrm>
           <a:prstGeom prst="rect">
             <a:avLst/>
@@ -6881,40 +7372,57 @@
               <a:t>Source : </a:t>
             </a:r>
             <a:r>
-              <a:rPr lang="en-US" sz="1200" dirty="0"/>
+              <a:rPr lang="en-US" sz="1200" dirty="0">
+                <a:latin typeface="Corbel" panose="020B0503020204020204" pitchFamily="34" charset="0"/>
+              </a:rPr>
               <a:t>Fortney, K., &amp; </a:t>
             </a:r>
             <a:r>
-              <a:rPr lang="en-US" sz="1200" dirty="0" err="1"/>
+              <a:rPr lang="en-US" sz="1200" dirty="0" err="1">
+                <a:latin typeface="Corbel" panose="020B0503020204020204" pitchFamily="34" charset="0"/>
+              </a:rPr>
               <a:t>Gonder</a:t>
             </a:r>
             <a:r>
-              <a:rPr lang="en-US" sz="1200" dirty="0"/>
+              <a:rPr lang="en-US" sz="1200" dirty="0">
+                <a:latin typeface="Corbel" panose="020B0503020204020204" pitchFamily="34" charset="0"/>
+              </a:rPr>
               <a:t>, J. (2015, </a:t>
             </a:r>
             <a:r>
-              <a:rPr lang="en-US" sz="1200" dirty="0" err="1"/>
+              <a:rPr lang="en-US" sz="1200" dirty="0" err="1">
+                <a:latin typeface="Corbel" panose="020B0503020204020204" pitchFamily="34" charset="0"/>
+              </a:rPr>
               <a:t>décembre</a:t>
             </a:r>
             <a:r>
-              <a:rPr lang="en-US" sz="1200" dirty="0"/>
+              <a:rPr lang="en-US" sz="1200" dirty="0">
+                <a:latin typeface="Corbel" panose="020B0503020204020204" pitchFamily="34" charset="0"/>
+              </a:rPr>
               <a:t> 1). A social networking site is not an open access repository. </a:t>
             </a:r>
             <a:r>
-              <a:rPr lang="en-US" sz="1200" i="1" dirty="0"/>
+              <a:rPr lang="en-US" sz="1200" i="1" dirty="0">
+                <a:latin typeface="Corbel" panose="020B0503020204020204" pitchFamily="34" charset="0"/>
+              </a:rPr>
               <a:t>Office of Scholarly Communication - University of California</a:t>
             </a:r>
             <a:r>
-              <a:rPr lang="en-US" sz="1200" dirty="0"/>
+              <a:rPr lang="en-US" sz="1200" dirty="0">
+                <a:latin typeface="Corbel" panose="020B0503020204020204" pitchFamily="34" charset="0"/>
+              </a:rPr>
               <a:t>. </a:t>
             </a:r>
             <a:r>
               <a:rPr lang="en-US" sz="1200" dirty="0">
+                <a:latin typeface="Corbel" panose="020B0503020204020204" pitchFamily="34" charset="0"/>
                 <a:hlinkClick r:id="rId3"/>
               </a:rPr>
               <a:t>http://osc.universityofcalifornia.edu/2015/12/a-social-networking-site-is-not-an-open-access-repository/</a:t>
             </a:r>
-            <a:endParaRPr lang="en-US" sz="1200" dirty="0"/>
+            <a:endParaRPr lang="en-US" sz="1200" dirty="0">
+              <a:latin typeface="Corbel" panose="020B0503020204020204" pitchFamily="34" charset="0"/>
+            </a:endParaRPr>
           </a:p>
           <a:p>
             <a:endParaRPr lang="fr-FR" sz="1200" dirty="0">
@@ -6992,6 +7500,53 @@
               <a:rPr lang="fr-FR" dirty="0" smtClean="0"/>
               <a:t> : réseaux sociaux académiques</a:t>
             </a:r>
+            <a:endParaRPr lang="fr-FR" dirty="0"/>
+          </a:p>
+        </p:txBody>
+      </p:sp>
+      <p:sp>
+        <p:nvSpPr>
+          <p:cNvPr id="4" name="Espace réservé du pied de page 3"/>
+          <p:cNvSpPr>
+            <a:spLocks noGrp="1"/>
+          </p:cNvSpPr>
+          <p:nvPr>
+            <p:ph type="ftr" sz="quarter" idx="11"/>
+          </p:nvPr>
+        </p:nvSpPr>
+        <p:spPr/>
+        <p:txBody>
+          <a:bodyPr/>
+          <a:lstStyle/>
+          <a:p>
+            <a:r>
+              <a:rPr lang="fr-FR" smtClean="0"/>
+              <a:t>F. Flamerie - Le libre accès en bref - 2022-05-17</a:t>
+            </a:r>
+            <a:endParaRPr lang="fr-FR" dirty="0"/>
+          </a:p>
+        </p:txBody>
+      </p:sp>
+      <p:sp>
+        <p:nvSpPr>
+          <p:cNvPr id="6" name="Espace réservé du numéro de diapositive 5"/>
+          <p:cNvSpPr>
+            <a:spLocks noGrp="1"/>
+          </p:cNvSpPr>
+          <p:nvPr>
+            <p:ph type="sldNum" sz="quarter" idx="12"/>
+          </p:nvPr>
+        </p:nvSpPr>
+        <p:spPr/>
+        <p:txBody>
+          <a:bodyPr/>
+          <a:lstStyle/>
+          <a:p>
+            <a:fld id="{99E13252-68E5-4994-B57B-B03F39B52C7D}" type="slidenum">
+              <a:rPr lang="fr-FR" smtClean="0"/>
+              <a:pPr/>
+              <a:t>14</a:t>
+            </a:fld>
             <a:endParaRPr lang="fr-FR" dirty="0"/>
           </a:p>
         </p:txBody>
@@ -7156,7 +7711,7 @@
           <a:p>
             <a:r>
               <a:rPr lang="fr-FR" smtClean="0"/>
-              <a:t>F. Flamerie - Le libre accès en bref - 2021-05-11</a:t>
+              <a:t>F. Flamerie - Le libre accès en bref - 2022-05-17</a:t>
             </a:r>
             <a:endParaRPr lang="fr-FR"/>
           </a:p>
@@ -7195,13 +7750,6 @@
   <p:clrMapOvr>
     <a:masterClrMapping/>
   </p:clrMapOvr>
-  <p:timing>
-    <p:tnLst>
-      <p:par>
-        <p:cTn id="1" dur="indefinite" restart="never" nodeType="tmRoot"/>
-      </p:par>
-    </p:tnLst>
-  </p:timing>
 </p:sld>
 </file>
 
@@ -7243,8 +7791,12 @@
           <a:lstStyle/>
           <a:p>
             <a:r>
+              <a:rPr lang="fr-FR" dirty="0"/>
+              <a:t>Qu’avez-vous le droit de </a:t>
+            </a:r>
+            <a:r>
               <a:rPr lang="fr-FR" dirty="0" smtClean="0"/>
-              <a:t>Qu’avez-vous le droit de faire?</a:t>
+              <a:t>faire?</a:t>
             </a:r>
             <a:endParaRPr lang="fr-FR" dirty="0"/>
           </a:p>
@@ -7259,7 +7811,7 @@
           <p:nvPr/>
         </p:nvPicPr>
         <p:blipFill>
-          <a:blip r:embed="rId2">
+          <a:blip r:embed="rId3">
             <a:extLst>
               <a:ext uri="{28A0092B-C50C-407E-A947-70E740481C1C}">
                 <a14:useLocalDpi xmlns:a14="http://schemas.microsoft.com/office/drawing/2010/main" val="0"/>
@@ -7272,8 +7824,8 @@
         </p:blipFill>
         <p:spPr>
           <a:xfrm>
-            <a:off x="793547" y="1492225"/>
-            <a:ext cx="2257425" cy="2857500"/>
+            <a:off x="746760" y="1645330"/>
+            <a:ext cx="1419813" cy="1797232"/>
           </a:xfrm>
           <a:prstGeom prst="rect">
             <a:avLst/>
@@ -7282,14 +7834,14 @@
       </p:pic>
       <p:sp>
         <p:nvSpPr>
-          <p:cNvPr id="14" name="Rectangle 13"/>
+          <p:cNvPr id="15" name="Rectangle 14"/>
           <p:cNvSpPr/>
           <p:nvPr/>
         </p:nvSpPr>
         <p:spPr>
           <a:xfrm>
-            <a:off x="746760" y="6149573"/>
-            <a:ext cx="8532440" cy="461665"/>
+            <a:off x="2873762" y="1492225"/>
+            <a:ext cx="8831140" cy="4401205"/>
           </a:xfrm>
           <a:prstGeom prst="rect">
             <a:avLst/>
@@ -7302,66 +7854,10 @@
           <a:lstStyle/>
           <a:p>
             <a:r>
-              <a:rPr lang="fr-FR" sz="1200" dirty="0">
-                <a:latin typeface="Corbel" panose="020B0503020204020204" pitchFamily="34" charset="0"/>
-              </a:rPr>
-              <a:t>Source image : </a:t>
-            </a:r>
-            <a:r>
-              <a:rPr lang="fr-FR" sz="1200" dirty="0" err="1"/>
-              <a:t>Magron</a:t>
-            </a:r>
-            <a:r>
-              <a:rPr lang="fr-FR" sz="1200" dirty="0"/>
-              <a:t>, A. (2016, octobre 19). Vos dépôts dans HAL : ce qui change avec la loi pour une République Numérique. </a:t>
-            </a:r>
-            <a:r>
-              <a:rPr lang="fr-FR" sz="1200" i="1" dirty="0"/>
-              <a:t>CCSD</a:t>
-            </a:r>
-            <a:r>
-              <a:rPr lang="fr-FR" sz="1200" dirty="0"/>
-              <a:t>. </a:t>
-            </a:r>
-            <a:r>
-              <a:rPr lang="fr-FR" sz="1200" dirty="0">
-                <a:hlinkClick r:id="rId3"/>
-              </a:rPr>
-              <a:t>https://www.ccsd.cnrs.fr/2016/10/vos-depots-dans-hal-ce-qui-change-avec-la-loi-pour-une-republique-numerique/</a:t>
-            </a:r>
-            <a:endParaRPr lang="fr-FR" sz="1200" dirty="0">
-              <a:effectLst/>
-            </a:endParaRPr>
-          </a:p>
-        </p:txBody>
-      </p:sp>
-      <p:sp>
-        <p:nvSpPr>
-          <p:cNvPr id="15" name="Rectangle 14"/>
-          <p:cNvSpPr/>
-          <p:nvPr/>
-        </p:nvSpPr>
-        <p:spPr>
-          <a:xfrm>
-            <a:off x="3150973" y="1360084"/>
-            <a:ext cx="9041027" cy="4524315"/>
-          </a:xfrm>
-          <a:prstGeom prst="rect">
-            <a:avLst/>
-          </a:prstGeom>
-        </p:spPr>
-        <p:txBody>
-          <a:bodyPr wrap="square">
-            <a:spAutoFit/>
-          </a:bodyPr>
-          <a:lstStyle/>
-          <a:p>
-            <a:pPr marL="342900" indent="-342900">
-              <a:buFont typeface="Calibri" panose="020F0502020204030204" pitchFamily="34" charset="0"/>
-              <a:buChar char="→"/>
-            </a:pPr>
-            <a:r>
-              <a:rPr lang="fr-FR" sz="2400" dirty="0">
+              <a:rPr lang="fr-FR" sz="2800" dirty="0">
+                <a:solidFill>
+                  <a:prstClr val="black"/>
+                </a:solidFill>
                 <a:latin typeface="Corbel" panose="020B0503020204020204" pitchFamily="34" charset="0"/>
               </a:rPr>
               <a:t>La loi pour une République numérique promulguée le 8 octobre 2016 comporte un article dédié au libre accès aux articles scientifiques, l’article 30.</a:t>
@@ -7369,7 +7865,10 @@
           </a:p>
           <a:p>
             <a:r>
-              <a:rPr lang="fr-FR" sz="2400" dirty="0">
+              <a:rPr lang="fr-FR" sz="2800" dirty="0">
+                <a:solidFill>
+                  <a:prstClr val="black"/>
+                </a:solidFill>
                 <a:latin typeface="Corbel" panose="020B0503020204020204" pitchFamily="34" charset="0"/>
               </a:rPr>
               <a:t>En bref, tous les articles scientifiques issus de la recherche publique peuvent désormais être déposés dans une archive ouverte:</a:t>
@@ -7384,19 +7883,19 @@
               <a:buChar char="›"/>
             </a:pPr>
             <a:r>
-              <a:rPr lang="fr-FR" sz="2400" dirty="0">
+              <a:rPr lang="fr-FR" sz="2800" dirty="0">
                 <a:latin typeface="Corbel" panose="020B0503020204020204" pitchFamily="34" charset="0"/>
               </a:rPr>
               <a:t>dans leur version </a:t>
             </a:r>
             <a:r>
-              <a:rPr lang="fr-FR" sz="2400" b="1" dirty="0">
+              <a:rPr lang="fr-FR" sz="2800" b="1" dirty="0">
                 <a:latin typeface="Corbel" panose="020B0503020204020204" pitchFamily="34" charset="0"/>
               </a:rPr>
               <a:t>manuscrit accepté</a:t>
             </a:r>
             <a:r>
-              <a:rPr lang="fr-FR" sz="2400" dirty="0">
+              <a:rPr lang="fr-FR" sz="2800" dirty="0">
                 <a:latin typeface="Corbel" panose="020B0503020204020204" pitchFamily="34" charset="0"/>
               </a:rPr>
               <a:t>,</a:t>
@@ -7411,81 +7910,49 @@
               <a:buChar char="›"/>
             </a:pPr>
             <a:r>
-              <a:rPr lang="fr-FR" sz="2400" dirty="0">
-                <a:latin typeface="Corbel" panose="020B0503020204020204" pitchFamily="34" charset="0"/>
-              </a:rPr>
-              <a:t>avec un </a:t>
-            </a:r>
-            <a:r>
-              <a:rPr lang="fr-FR" sz="2400" b="1" dirty="0">
-                <a:latin typeface="Corbel" panose="020B0503020204020204" pitchFamily="34" charset="0"/>
-              </a:rPr>
-              <a:t>embargo maximum de 6 mois (sciences et médecine)/12 mois (SHS</a:t>
-            </a:r>
-            <a:r>
-              <a:rPr lang="fr-FR" sz="2400" b="1" dirty="0" smtClean="0">
-                <a:latin typeface="Corbel" panose="020B0503020204020204" pitchFamily="34" charset="0"/>
-              </a:rPr>
-              <a:t>)</a:t>
-            </a:r>
-            <a:r>
-              <a:rPr lang="fr-FR" sz="2400" dirty="0" smtClean="0">
+              <a:rPr lang="fr-FR" sz="2800" dirty="0">
+                <a:latin typeface="Corbel" panose="020B0503020204020204" pitchFamily="34" charset="0"/>
+              </a:rPr>
+              <a:t>a</a:t>
+            </a:r>
+            <a:r>
+              <a:rPr lang="fr-FR" sz="2800" dirty="0">
+                <a:solidFill>
+                  <a:prstClr val="black"/>
+                </a:solidFill>
+                <a:latin typeface="Corbel" panose="020B0503020204020204" pitchFamily="34" charset="0"/>
+              </a:rPr>
+              <a:t>vec un </a:t>
+            </a:r>
+            <a:r>
+              <a:rPr lang="fr-FR" sz="2800" b="1" dirty="0">
+                <a:solidFill>
+                  <a:prstClr val="black"/>
+                </a:solidFill>
+                <a:latin typeface="Corbel" panose="020B0503020204020204" pitchFamily="34" charset="0"/>
+              </a:rPr>
+              <a:t>embargo maximum de 6 mois (sciences et médecine)/12 mois (SHS)</a:t>
+            </a:r>
+            <a:r>
+              <a:rPr lang="fr-FR" sz="2800" dirty="0">
+                <a:solidFill>
+                  <a:prstClr val="black"/>
+                </a:solidFill>
                 <a:latin typeface="Corbel" panose="020B0503020204020204" pitchFamily="34" charset="0"/>
               </a:rPr>
               <a:t>,</a:t>
             </a:r>
-            <a:endParaRPr lang="fr-FR" sz="2400" dirty="0">
-              <a:latin typeface="Corbel" panose="020B0503020204020204" pitchFamily="34" charset="0"/>
-            </a:endParaRPr>
-          </a:p>
-          <a:p>
-            <a:r>
-              <a:rPr lang="fr-FR" sz="2400" dirty="0">
-                <a:latin typeface="Corbel" panose="020B0503020204020204" pitchFamily="34" charset="0"/>
-              </a:rPr>
-              <a:t>quelle que soit la politique de libre accès de l’éditeur</a:t>
-            </a:r>
-            <a:r>
-              <a:rPr lang="fr-FR" sz="2400" dirty="0" smtClean="0">
-                <a:latin typeface="Corbel" panose="020B0503020204020204" pitchFamily="34" charset="0"/>
-              </a:rPr>
-              <a:t>.</a:t>
-            </a:r>
-          </a:p>
-          <a:p>
-            <a:pPr marL="342900" indent="-342900">
-              <a:buFont typeface="Calibri" panose="020F0502020204030204" pitchFamily="34" charset="0"/>
-              <a:buChar char="→"/>
-            </a:pPr>
-            <a:r>
-              <a:rPr lang="fr-FR" sz="2400" dirty="0" smtClean="0">
-                <a:latin typeface="Corbel" panose="020B0503020204020204" pitchFamily="34" charset="0"/>
-              </a:rPr>
-              <a:t>Certaines revues accordent même davantage de permissions : voir le service </a:t>
-            </a:r>
-            <a:r>
-              <a:rPr lang="fr-FR" sz="2400" dirty="0" smtClean="0">
-                <a:latin typeface="Corbel" panose="020B0503020204020204" pitchFamily="34" charset="0"/>
-                <a:hlinkClick r:id="rId4"/>
-              </a:rPr>
-              <a:t>Sherpa-Romeo</a:t>
-            </a:r>
-            <a:r>
-              <a:rPr lang="fr-FR" sz="2400" dirty="0" smtClean="0">
-                <a:latin typeface="Corbel" panose="020B0503020204020204" pitchFamily="34" charset="0"/>
-              </a:rPr>
-              <a:t> - ex: </a:t>
-            </a:r>
-            <a:r>
-              <a:rPr lang="fr-FR" sz="2400" dirty="0" smtClean="0">
-                <a:latin typeface="Corbel" panose="020B0503020204020204" pitchFamily="34" charset="0"/>
-                <a:hlinkClick r:id="rId5"/>
-              </a:rPr>
-              <a:t>fiche Sherpa-Romeo de la revue Perspectives Psy</a:t>
-            </a:r>
-            <a:endParaRPr lang="fr-FR" sz="2400" dirty="0">
-              <a:latin typeface="Corbel" panose="020B0503020204020204" pitchFamily="34" charset="0"/>
-            </a:endParaRPr>
+          </a:p>
+          <a:p>
+            <a:r>
+              <a:rPr lang="fr-FR" sz="2800" dirty="0">
+                <a:solidFill>
+                  <a:prstClr val="black"/>
+                </a:solidFill>
+                <a:latin typeface="Corbel" panose="020B0503020204020204" pitchFamily="34" charset="0"/>
+              </a:rPr>
+              <a:t>quelle que soit la politique de libre accès de l’éditeur.</a:t>
+            </a:r>
           </a:p>
         </p:txBody>
       </p:sp>
@@ -7497,8 +7964,8 @@
         </p:nvSpPr>
         <p:spPr>
           <a:xfrm>
-            <a:off x="793547" y="4401159"/>
-            <a:ext cx="2135280" cy="1077218"/>
+            <a:off x="679535" y="3595667"/>
+            <a:ext cx="1356235" cy="938719"/>
           </a:xfrm>
           <a:prstGeom prst="rect">
             <a:avLst/>
@@ -7511,53 +7978,160 @@
           <a:lstStyle/>
           <a:p>
             <a:r>
-              <a:rPr lang="fr-FR" sz="1600" dirty="0">
+              <a:rPr lang="fr-FR" sz="1100" dirty="0">
                 <a:solidFill>
-                  <a:schemeClr val="tx1">
+                  <a:prstClr val="black">
                     <a:lumMod val="75000"/>
                     <a:lumOff val="25000"/>
-                  </a:schemeClr>
+                  </a:prstClr>
                 </a:solidFill>
                 <a:latin typeface="Corbel" panose="020B0503020204020204" pitchFamily="34" charset="0"/>
-                <a:hlinkClick r:id="rId6"/>
+                <a:hlinkClick r:id="rId4"/>
               </a:rPr>
               <a:t>Article 30</a:t>
             </a:r>
             <a:r>
-              <a:rPr lang="fr-FR" sz="1600" dirty="0">
+              <a:rPr lang="fr-FR" sz="1100" dirty="0">
                 <a:solidFill>
-                  <a:schemeClr val="tx1">
+                  <a:prstClr val="black">
                     <a:lumMod val="75000"/>
                     <a:lumOff val="25000"/>
-                  </a:schemeClr>
+                  </a:prstClr>
                 </a:solidFill>
                 <a:latin typeface="Corbel" panose="020B0503020204020204" pitchFamily="34" charset="0"/>
               </a:rPr>
               <a:t> de la loi pour une République numérique sur </a:t>
             </a:r>
             <a:r>
-              <a:rPr lang="fr-FR" sz="1600" dirty="0" err="1">
+              <a:rPr lang="fr-FR" sz="1100" dirty="0" err="1">
                 <a:solidFill>
-                  <a:schemeClr val="tx1">
+                  <a:prstClr val="black">
                     <a:lumMod val="75000"/>
                     <a:lumOff val="25000"/>
-                  </a:schemeClr>
+                  </a:prstClr>
                 </a:solidFill>
                 <a:latin typeface="Corbel" panose="020B0503020204020204" pitchFamily="34" charset="0"/>
               </a:rPr>
               <a:t>Legifrance</a:t>
             </a:r>
             <a:r>
-              <a:rPr lang="fr-FR" sz="1600" dirty="0">
+              <a:rPr lang="fr-FR" sz="1100" dirty="0">
                 <a:solidFill>
-                  <a:schemeClr val="tx1">
+                  <a:prstClr val="black">
                     <a:lumMod val="75000"/>
                     <a:lumOff val="25000"/>
-                  </a:schemeClr>
+                  </a:prstClr>
                 </a:solidFill>
                 <a:latin typeface="Corbel" panose="020B0503020204020204" pitchFamily="34" charset="0"/>
               </a:rPr>
               <a:t> </a:t>
+            </a:r>
+          </a:p>
+        </p:txBody>
+      </p:sp>
+      <p:sp>
+        <p:nvSpPr>
+          <p:cNvPr id="3" name="Espace réservé du pied de page 2"/>
+          <p:cNvSpPr>
+            <a:spLocks noGrp="1"/>
+          </p:cNvSpPr>
+          <p:nvPr>
+            <p:ph type="ftr" sz="quarter" idx="11"/>
+          </p:nvPr>
+        </p:nvSpPr>
+        <p:spPr>
+          <a:xfrm>
+            <a:off x="3896360" y="6563127"/>
+            <a:ext cx="6009640" cy="365125"/>
+          </a:xfrm>
+        </p:spPr>
+        <p:txBody>
+          <a:bodyPr/>
+          <a:lstStyle/>
+          <a:p>
+            <a:r>
+              <a:rPr lang="fr-FR" smtClean="0">
+                <a:solidFill>
+                  <a:prstClr val="black">
+                    <a:tint val="75000"/>
+                  </a:prstClr>
+                </a:solidFill>
+              </a:rPr>
+              <a:t>F. Flamerie - Le libre accès en bref - 2022-05-17</a:t>
+            </a:r>
+            <a:endParaRPr lang="fr-FR" dirty="0">
+              <a:solidFill>
+                <a:prstClr val="black">
+                  <a:tint val="75000"/>
+                </a:prstClr>
+              </a:solidFill>
+            </a:endParaRPr>
+          </a:p>
+        </p:txBody>
+      </p:sp>
+      <p:sp>
+        <p:nvSpPr>
+          <p:cNvPr id="4" name="Espace réservé du numéro de diapositive 3"/>
+          <p:cNvSpPr>
+            <a:spLocks noGrp="1"/>
+          </p:cNvSpPr>
+          <p:nvPr>
+            <p:ph type="sldNum" sz="quarter" idx="12"/>
+          </p:nvPr>
+        </p:nvSpPr>
+        <p:spPr/>
+        <p:txBody>
+          <a:bodyPr/>
+          <a:lstStyle/>
+          <a:p>
+            <a:fld id="{99E13252-68E5-4994-B57B-B03F39B52C7D}" type="slidenum">
+              <a:rPr lang="fr-FR" smtClean="0">
+                <a:solidFill>
+                  <a:prstClr val="black">
+                    <a:tint val="75000"/>
+                  </a:prstClr>
+                </a:solidFill>
+              </a:rPr>
+              <a:pPr/>
+              <a:t>16</a:t>
+            </a:fld>
+            <a:endParaRPr lang="fr-FR">
+              <a:solidFill>
+                <a:prstClr val="black">
+                  <a:tint val="75000"/>
+                </a:prstClr>
+              </a:solidFill>
+            </a:endParaRPr>
+          </a:p>
+        </p:txBody>
+      </p:sp>
+      <p:sp>
+        <p:nvSpPr>
+          <p:cNvPr id="5" name="ZoneTexte 4"/>
+          <p:cNvSpPr txBox="1"/>
+          <p:nvPr/>
+        </p:nvSpPr>
+        <p:spPr>
+          <a:xfrm>
+            <a:off x="2768987" y="4272776"/>
+            <a:ext cx="604715" cy="523220"/>
+          </a:xfrm>
+          <a:prstGeom prst="rect">
+            <a:avLst/>
+          </a:prstGeom>
+          <a:noFill/>
+        </p:spPr>
+        <p:txBody>
+          <a:bodyPr wrap="square" rtlCol="0">
+            <a:spAutoFit/>
+          </a:bodyPr>
+          <a:lstStyle/>
+          <a:p>
+            <a:r>
+              <a:rPr lang="fr-FR" sz="2800" b="1" dirty="0">
+                <a:latin typeface="Corbel" panose="020B0503020204020204" pitchFamily="34" charset="0"/>
+              </a:rPr>
+              <a:t>ET</a:t>
             </a:r>
           </a:p>
         </p:txBody>
@@ -7565,7 +8139,7 @@
     </p:spTree>
     <p:extLst>
       <p:ext uri="{BB962C8B-B14F-4D97-AF65-F5344CB8AC3E}">
-        <p14:creationId xmlns:p14="http://schemas.microsoft.com/office/powerpoint/2010/main" val="3098788730"/>
+        <p14:creationId xmlns:p14="http://schemas.microsoft.com/office/powerpoint/2010/main" val="3362348442"/>
       </p:ext>
     </p:extLst>
   </p:cSld>
@@ -7575,13 +8149,6 @@
   <p:transition spd="slow">
     <p:wipe/>
   </p:transition>
-  <p:timing>
-    <p:tnLst>
-      <p:par>
-        <p:cTn id="1" dur="indefinite" restart="never" nodeType="tmRoot"/>
-      </p:par>
-    </p:tnLst>
-  </p:timing>
 </p:sld>
 </file>
 
@@ -7602,141 +8169,16 @@
           <a:chExt cx="0" cy="0"/>
         </a:xfrm>
       </p:grpSpPr>
-      <p:sp>
-        <p:nvSpPr>
-          <p:cNvPr id="2" name="Titre 1"/>
-          <p:cNvSpPr>
-            <a:spLocks noGrp="1"/>
-          </p:cNvSpPr>
-          <p:nvPr>
-            <p:ph type="title"/>
-          </p:nvPr>
-        </p:nvSpPr>
-        <p:spPr>
-          <a:xfrm>
-            <a:off x="746760" y="166662"/>
-            <a:ext cx="10515600" cy="1325563"/>
-          </a:xfrm>
-        </p:spPr>
-        <p:txBody>
-          <a:bodyPr/>
-          <a:lstStyle/>
-          <a:p>
-            <a:r>
-              <a:rPr lang="fr-FR" dirty="0" smtClean="0"/>
-              <a:t>Embargo?</a:t>
-            </a:r>
-            <a:endParaRPr lang="fr-FR" dirty="0"/>
-          </a:p>
-        </p:txBody>
-      </p:sp>
-      <p:sp>
-        <p:nvSpPr>
-          <p:cNvPr id="15" name="Rectangle 14"/>
-          <p:cNvSpPr/>
-          <p:nvPr/>
-        </p:nvSpPr>
-        <p:spPr>
-          <a:xfrm>
-            <a:off x="746759" y="1252508"/>
-            <a:ext cx="11023899" cy="1631216"/>
-          </a:xfrm>
-          <a:prstGeom prst="rect">
-            <a:avLst/>
-          </a:prstGeom>
-        </p:spPr>
-        <p:txBody>
-          <a:bodyPr wrap="square">
-            <a:spAutoFit/>
-          </a:bodyPr>
-          <a:lstStyle/>
-          <a:p>
-            <a:pPr marL="342900" indent="-342900">
-              <a:buFont typeface="Calibri" panose="020F0502020204030204" pitchFamily="34" charset="0"/>
-              <a:buChar char="→"/>
-            </a:pPr>
-            <a:r>
-              <a:rPr lang="fr-FR" sz="2000" dirty="0" smtClean="0">
-                <a:latin typeface="Corbel" panose="020B0503020204020204" pitchFamily="34" charset="0"/>
-              </a:rPr>
-              <a:t>L’embargo correspond à la </a:t>
-            </a:r>
-            <a:r>
-              <a:rPr lang="fr-FR" sz="2000" b="1" dirty="0" smtClean="0">
-                <a:latin typeface="Corbel" panose="020B0503020204020204" pitchFamily="34" charset="0"/>
-              </a:rPr>
-              <a:t>période d’exclusivité de la diffusion </a:t>
-            </a:r>
-            <a:r>
-              <a:rPr lang="fr-FR" sz="2000" dirty="0" smtClean="0">
-                <a:latin typeface="Corbel" panose="020B0503020204020204" pitchFamily="34" charset="0"/>
-              </a:rPr>
-              <a:t>que se réserve un éditeur.</a:t>
-            </a:r>
-          </a:p>
-          <a:p>
-            <a:pPr marL="342900" indent="-342900">
-              <a:buFont typeface="Calibri" panose="020F0502020204030204" pitchFamily="34" charset="0"/>
-              <a:buChar char="→"/>
-            </a:pPr>
-            <a:r>
-              <a:rPr lang="fr-FR" sz="2000" dirty="0" smtClean="0">
-                <a:latin typeface="Corbel" panose="020B0503020204020204" pitchFamily="34" charset="0"/>
-              </a:rPr>
-              <a:t>Pendant cette période, le texte intégral déposé dans une archive ouverte ne peut pas être en libre </a:t>
-            </a:r>
-            <a:r>
-              <a:rPr lang="fr-FR" sz="2000" dirty="0">
-                <a:latin typeface="Corbel" panose="020B0503020204020204" pitchFamily="34" charset="0"/>
-              </a:rPr>
-              <a:t>accès. Les archives ouvertes permettent de paramétrer cet embargo pour que </a:t>
-            </a:r>
-            <a:r>
-              <a:rPr lang="fr-FR" sz="2000" dirty="0" smtClean="0">
-                <a:latin typeface="Corbel" panose="020B0503020204020204" pitchFamily="34" charset="0"/>
-              </a:rPr>
-              <a:t>:</a:t>
-            </a:r>
-          </a:p>
-          <a:p>
-            <a:pPr marL="800100" lvl="1" indent="-342900">
-              <a:buFont typeface="Corbel" panose="020B0503020204020204" pitchFamily="34" charset="0"/>
-              <a:buChar char="›"/>
-            </a:pPr>
-            <a:r>
-              <a:rPr lang="fr-FR" sz="2000" dirty="0" smtClean="0">
-                <a:latin typeface="Corbel" panose="020B0503020204020204" pitchFamily="34" charset="0"/>
-              </a:rPr>
-              <a:t>le fichier devienne automatiquement visible à une date donnée, </a:t>
-            </a:r>
-          </a:p>
-          <a:p>
-            <a:pPr marL="800100" lvl="1" indent="-342900">
-              <a:buFont typeface="Corbel" panose="020B0503020204020204" pitchFamily="34" charset="0"/>
-              <a:buChar char="›"/>
-            </a:pPr>
-            <a:r>
-              <a:rPr lang="fr-FR" sz="2000" dirty="0" smtClean="0">
-                <a:latin typeface="Corbel" panose="020B0503020204020204" pitchFamily="34" charset="0"/>
-              </a:rPr>
-              <a:t>il puisse être demandé sous forme de tiré à part pendant la période d’embargo.</a:t>
-            </a:r>
-            <a:endParaRPr lang="fr-FR" sz="2000" dirty="0">
-              <a:latin typeface="Corbel" panose="020B0503020204020204" pitchFamily="34" charset="0"/>
-            </a:endParaRPr>
-          </a:p>
-        </p:txBody>
-      </p:sp>
       <p:pic>
         <p:nvPicPr>
-          <p:cNvPr id="3" name="Image 2"/>
+          <p:cNvPr id="10" name="Image 9"/>
           <p:cNvPicPr>
             <a:picLocks noChangeAspect="1"/>
           </p:cNvPicPr>
           <p:nvPr/>
         </p:nvPicPr>
         <p:blipFill>
-          <a:blip r:embed="rId2">
+          <a:blip r:embed="rId3">
             <a:extLst>
               <a:ext uri="{28A0092B-C50C-407E-A947-70E740481C1C}">
                 <a14:useLocalDpi xmlns:a14="http://schemas.microsoft.com/office/drawing/2010/main" val="0"/>
@@ -7749,8 +8191,526 @@
         </p:blipFill>
         <p:spPr>
           <a:xfrm>
-            <a:off x="746759" y="3062905"/>
-            <a:ext cx="10058400" cy="3148764"/>
+            <a:off x="4371992" y="1059416"/>
+            <a:ext cx="7567316" cy="5563082"/>
+          </a:xfrm>
+          <a:prstGeom prst="rect">
+            <a:avLst/>
+          </a:prstGeom>
+        </p:spPr>
+      </p:pic>
+      <p:sp>
+        <p:nvSpPr>
+          <p:cNvPr id="2" name="Titre 1"/>
+          <p:cNvSpPr>
+            <a:spLocks noGrp="1"/>
+          </p:cNvSpPr>
+          <p:nvPr>
+            <p:ph type="title"/>
+          </p:nvPr>
+        </p:nvSpPr>
+        <p:spPr>
+          <a:xfrm>
+            <a:off x="303224" y="0"/>
+            <a:ext cx="10515600" cy="1325563"/>
+          </a:xfrm>
+        </p:spPr>
+        <p:txBody>
+          <a:bodyPr/>
+          <a:lstStyle/>
+          <a:p>
+            <a:r>
+              <a:rPr lang="fr-FR" dirty="0"/>
+              <a:t>Qu’avez-vous le droit de </a:t>
+            </a:r>
+            <a:r>
+              <a:rPr lang="fr-FR" dirty="0" smtClean="0"/>
+              <a:t>faire?</a:t>
+            </a:r>
+            <a:endParaRPr lang="fr-FR" dirty="0"/>
+          </a:p>
+        </p:txBody>
+      </p:sp>
+      <p:sp>
+        <p:nvSpPr>
+          <p:cNvPr id="15" name="Rectangle 14"/>
+          <p:cNvSpPr/>
+          <p:nvPr/>
+        </p:nvSpPr>
+        <p:spPr>
+          <a:xfrm>
+            <a:off x="303224" y="1225689"/>
+            <a:ext cx="3913176" cy="4755148"/>
+          </a:xfrm>
+          <a:prstGeom prst="rect">
+            <a:avLst/>
+          </a:prstGeom>
+        </p:spPr>
+        <p:txBody>
+          <a:bodyPr wrap="square">
+            <a:spAutoFit/>
+          </a:bodyPr>
+          <a:lstStyle/>
+          <a:p>
+            <a:pPr marL="342900" indent="-342900">
+              <a:buFont typeface="Calibri" panose="020F0502020204030204" pitchFamily="34" charset="0"/>
+              <a:buChar char="→"/>
+            </a:pPr>
+            <a:r>
+              <a:rPr lang="fr-FR" sz="2400" dirty="0">
+                <a:solidFill>
+                  <a:prstClr val="black"/>
+                </a:solidFill>
+                <a:latin typeface="Corbel" panose="020B0503020204020204" pitchFamily="34" charset="0"/>
+              </a:rPr>
+              <a:t>Certaines revues accordent même davantage de permissions, voir le service </a:t>
+            </a:r>
+            <a:r>
+              <a:rPr lang="fr-FR" sz="2400" dirty="0">
+                <a:solidFill>
+                  <a:prstClr val="black"/>
+                </a:solidFill>
+                <a:latin typeface="Corbel" panose="020B0503020204020204" pitchFamily="34" charset="0"/>
+                <a:hlinkClick r:id="rId4"/>
+              </a:rPr>
+              <a:t>Sherpa-Romeo</a:t>
+            </a:r>
+            <a:r>
+              <a:rPr lang="fr-FR" sz="2400" dirty="0">
+                <a:solidFill>
+                  <a:prstClr val="black"/>
+                </a:solidFill>
+                <a:latin typeface="Corbel" panose="020B0503020204020204" pitchFamily="34" charset="0"/>
+              </a:rPr>
+              <a:t> - ex: </a:t>
+            </a:r>
+            <a:r>
+              <a:rPr lang="fr-FR" sz="2400" dirty="0">
+                <a:solidFill>
+                  <a:prstClr val="black"/>
+                </a:solidFill>
+                <a:latin typeface="Corbel" panose="020B0503020204020204" pitchFamily="34" charset="0"/>
+                <a:hlinkClick r:id="rId5"/>
+              </a:rPr>
+              <a:t>fiche </a:t>
+            </a:r>
+            <a:r>
+              <a:rPr lang="fr-FR" sz="2400" dirty="0" err="1">
+                <a:solidFill>
+                  <a:prstClr val="black"/>
+                </a:solidFill>
+                <a:latin typeface="Corbel" panose="020B0503020204020204" pitchFamily="34" charset="0"/>
+                <a:hlinkClick r:id="rId5"/>
+              </a:rPr>
+              <a:t>Annals</a:t>
+            </a:r>
+            <a:r>
+              <a:rPr lang="fr-FR" sz="2400" dirty="0">
+                <a:solidFill>
+                  <a:prstClr val="black"/>
+                </a:solidFill>
+                <a:latin typeface="Corbel" panose="020B0503020204020204" pitchFamily="34" charset="0"/>
+                <a:hlinkClick r:id="rId5"/>
+              </a:rPr>
+              <a:t> of </a:t>
+            </a:r>
+            <a:r>
+              <a:rPr lang="fr-FR" sz="2400" dirty="0" err="1">
+                <a:solidFill>
+                  <a:prstClr val="black"/>
+                </a:solidFill>
+                <a:latin typeface="Corbel" panose="020B0503020204020204" pitchFamily="34" charset="0"/>
+                <a:hlinkClick r:id="rId5"/>
+              </a:rPr>
+              <a:t>Applied</a:t>
+            </a:r>
+            <a:r>
+              <a:rPr lang="fr-FR" sz="2400" dirty="0">
+                <a:solidFill>
+                  <a:prstClr val="black"/>
+                </a:solidFill>
+                <a:latin typeface="Corbel" panose="020B0503020204020204" pitchFamily="34" charset="0"/>
+                <a:hlinkClick r:id="rId5"/>
+              </a:rPr>
+              <a:t> </a:t>
+            </a:r>
+            <a:r>
+              <a:rPr lang="fr-FR" sz="2400" dirty="0" err="1">
+                <a:solidFill>
+                  <a:prstClr val="black"/>
+                </a:solidFill>
+                <a:latin typeface="Corbel" panose="020B0503020204020204" pitchFamily="34" charset="0"/>
+                <a:hlinkClick r:id="rId5"/>
+              </a:rPr>
+              <a:t>Probability</a:t>
+            </a:r>
+            <a:endParaRPr lang="fr-FR" sz="2400" dirty="0">
+              <a:solidFill>
+                <a:prstClr val="black"/>
+              </a:solidFill>
+              <a:latin typeface="Corbel" panose="020B0503020204020204" pitchFamily="34" charset="0"/>
+            </a:endParaRPr>
+          </a:p>
+          <a:p>
+            <a:pPr marL="342900" indent="-342900">
+              <a:spcBef>
+                <a:spcPts val="1800"/>
+              </a:spcBef>
+              <a:buFont typeface="Calibri" panose="020F0502020204030204" pitchFamily="34" charset="0"/>
+              <a:buChar char="→"/>
+            </a:pPr>
+            <a:r>
+              <a:rPr lang="fr-FR" sz="2400" dirty="0">
+                <a:solidFill>
+                  <a:prstClr val="black"/>
+                </a:solidFill>
+                <a:latin typeface="Corbel" panose="020B0503020204020204" pitchFamily="34" charset="0"/>
+              </a:rPr>
+              <a:t>Connaître les droits de partage via </a:t>
+            </a:r>
+            <a:r>
+              <a:rPr lang="fr-FR" sz="2400" dirty="0" err="1">
+                <a:solidFill>
+                  <a:prstClr val="black"/>
+                </a:solidFill>
+                <a:latin typeface="Corbel" panose="020B0503020204020204" pitchFamily="34" charset="0"/>
+              </a:rPr>
+              <a:t>ResearchGate</a:t>
+            </a:r>
+            <a:r>
+              <a:rPr lang="fr-FR" sz="2400" dirty="0">
+                <a:solidFill>
+                  <a:prstClr val="black"/>
+                </a:solidFill>
+                <a:latin typeface="Corbel" panose="020B0503020204020204" pitchFamily="34" charset="0"/>
+              </a:rPr>
+              <a:t>, Oskar, etc. d’un article à partir de son DOI : </a:t>
+            </a:r>
+            <a:r>
+              <a:rPr lang="fr-FR" sz="2400" dirty="0">
+                <a:solidFill>
+                  <a:prstClr val="black"/>
+                </a:solidFill>
+                <a:latin typeface="Corbel" panose="020B0503020204020204" pitchFamily="34" charset="0"/>
+                <a:hlinkClick r:id="rId6"/>
+              </a:rPr>
+              <a:t>https://www.howcanishareit.com/</a:t>
+            </a:r>
+            <a:endParaRPr lang="fr-FR" sz="2400" dirty="0">
+              <a:solidFill>
+                <a:prstClr val="black"/>
+              </a:solidFill>
+              <a:latin typeface="Corbel" panose="020B0503020204020204" pitchFamily="34" charset="0"/>
+            </a:endParaRPr>
+          </a:p>
+        </p:txBody>
+      </p:sp>
+      <p:sp>
+        <p:nvSpPr>
+          <p:cNvPr id="3" name="Espace réservé du pied de page 2"/>
+          <p:cNvSpPr>
+            <a:spLocks noGrp="1"/>
+          </p:cNvSpPr>
+          <p:nvPr>
+            <p:ph type="ftr" sz="quarter" idx="11"/>
+          </p:nvPr>
+        </p:nvSpPr>
+        <p:spPr>
+          <a:xfrm>
+            <a:off x="3896360" y="6563127"/>
+            <a:ext cx="6009640" cy="365125"/>
+          </a:xfrm>
+        </p:spPr>
+        <p:txBody>
+          <a:bodyPr/>
+          <a:lstStyle/>
+          <a:p>
+            <a:r>
+              <a:rPr lang="fr-FR" smtClean="0">
+                <a:solidFill>
+                  <a:prstClr val="black">
+                    <a:tint val="75000"/>
+                  </a:prstClr>
+                </a:solidFill>
+              </a:rPr>
+              <a:t>F. Flamerie - Le libre accès en bref - 2022-05-17</a:t>
+            </a:r>
+            <a:endParaRPr lang="fr-FR" dirty="0">
+              <a:solidFill>
+                <a:prstClr val="black">
+                  <a:tint val="75000"/>
+                </a:prstClr>
+              </a:solidFill>
+            </a:endParaRPr>
+          </a:p>
+        </p:txBody>
+      </p:sp>
+      <p:sp>
+        <p:nvSpPr>
+          <p:cNvPr id="4" name="Espace réservé du numéro de diapositive 3"/>
+          <p:cNvSpPr>
+            <a:spLocks noGrp="1"/>
+          </p:cNvSpPr>
+          <p:nvPr>
+            <p:ph type="sldNum" sz="quarter" idx="12"/>
+          </p:nvPr>
+        </p:nvSpPr>
+        <p:spPr/>
+        <p:txBody>
+          <a:bodyPr/>
+          <a:lstStyle/>
+          <a:p>
+            <a:fld id="{99E13252-68E5-4994-B57B-B03F39B52C7D}" type="slidenum">
+              <a:rPr lang="fr-FR" smtClean="0">
+                <a:solidFill>
+                  <a:prstClr val="black">
+                    <a:tint val="75000"/>
+                  </a:prstClr>
+                </a:solidFill>
+              </a:rPr>
+              <a:pPr/>
+              <a:t>17</a:t>
+            </a:fld>
+            <a:endParaRPr lang="fr-FR">
+              <a:solidFill>
+                <a:prstClr val="black">
+                  <a:tint val="75000"/>
+                </a:prstClr>
+              </a:solidFill>
+            </a:endParaRPr>
+          </a:p>
+        </p:txBody>
+      </p:sp>
+      <p:sp>
+        <p:nvSpPr>
+          <p:cNvPr id="9" name="Rectangle 8"/>
+          <p:cNvSpPr/>
+          <p:nvPr/>
+        </p:nvSpPr>
+        <p:spPr>
+          <a:xfrm>
+            <a:off x="4879565" y="5763872"/>
+            <a:ext cx="7059743" cy="785006"/>
+          </a:xfrm>
+          <a:prstGeom prst="rect">
+            <a:avLst/>
+          </a:prstGeom>
+          <a:noFill/>
+          <a:ln w="31750">
+            <a:solidFill>
+              <a:schemeClr val="accent2"/>
+            </a:solidFill>
+          </a:ln>
+        </p:spPr>
+        <p:style>
+          <a:lnRef idx="2">
+            <a:schemeClr val="accent1">
+              <a:shade val="50000"/>
+            </a:schemeClr>
+          </a:lnRef>
+          <a:fillRef idx="1">
+            <a:schemeClr val="accent1"/>
+          </a:fillRef>
+          <a:effectRef idx="0">
+            <a:schemeClr val="accent1"/>
+          </a:effectRef>
+          <a:fontRef idx="minor">
+            <a:schemeClr val="lt1"/>
+          </a:fontRef>
+        </p:style>
+        <p:txBody>
+          <a:bodyPr rtlCol="0" anchor="ctr"/>
+          <a:lstStyle/>
+          <a:p>
+            <a:pPr algn="ctr"/>
+            <a:endParaRPr lang="fr-FR" dirty="0">
+              <a:latin typeface="Corbel" panose="020B0503020204020204" pitchFamily="34" charset="0"/>
+            </a:endParaRPr>
+          </a:p>
+        </p:txBody>
+      </p:sp>
+    </p:spTree>
+    <p:extLst>
+      <p:ext uri="{BB962C8B-B14F-4D97-AF65-F5344CB8AC3E}">
+        <p14:creationId xmlns:p14="http://schemas.microsoft.com/office/powerpoint/2010/main" val="1636048112"/>
+      </p:ext>
+    </p:extLst>
+  </p:cSld>
+  <p:clrMapOvr>
+    <a:masterClrMapping/>
+  </p:clrMapOvr>
+  <p:transition spd="slow">
+    <p:wipe/>
+  </p:transition>
+</p:sld>
+</file>
+
+<file path=ppt/slides/slide18.xml><?xml version="1.0" encoding="utf-8"?>
+<p:sld xmlns:a="http://schemas.openxmlformats.org/drawingml/2006/main" xmlns:r="http://schemas.openxmlformats.org/officeDocument/2006/relationships" xmlns:p="http://schemas.openxmlformats.org/presentationml/2006/main">
+  <p:cSld>
+    <p:spTree>
+      <p:nvGrpSpPr>
+        <p:cNvPr id="1" name=""/>
+        <p:cNvGrpSpPr/>
+        <p:nvPr/>
+      </p:nvGrpSpPr>
+      <p:grpSpPr>
+        <a:xfrm>
+          <a:off x="0" y="0"/>
+          <a:ext cx="0" cy="0"/>
+          <a:chOff x="0" y="0"/>
+          <a:chExt cx="0" cy="0"/>
+        </a:xfrm>
+      </p:grpSpPr>
+      <p:sp>
+        <p:nvSpPr>
+          <p:cNvPr id="2" name="Titre 1"/>
+          <p:cNvSpPr>
+            <a:spLocks noGrp="1"/>
+          </p:cNvSpPr>
+          <p:nvPr>
+            <p:ph type="title"/>
+          </p:nvPr>
+        </p:nvSpPr>
+        <p:spPr>
+          <a:xfrm>
+            <a:off x="746759" y="114707"/>
+            <a:ext cx="10515600" cy="1325563"/>
+          </a:xfrm>
+        </p:spPr>
+        <p:txBody>
+          <a:bodyPr/>
+          <a:lstStyle/>
+          <a:p>
+            <a:r>
+              <a:rPr lang="fr-FR" dirty="0" smtClean="0"/>
+              <a:t>Embargo?</a:t>
+            </a:r>
+            <a:endParaRPr lang="fr-FR" dirty="0"/>
+          </a:p>
+        </p:txBody>
+      </p:sp>
+      <p:sp>
+        <p:nvSpPr>
+          <p:cNvPr id="15" name="Rectangle 14"/>
+          <p:cNvSpPr/>
+          <p:nvPr/>
+        </p:nvSpPr>
+        <p:spPr>
+          <a:xfrm>
+            <a:off x="746759" y="1131103"/>
+            <a:ext cx="11023899" cy="1631216"/>
+          </a:xfrm>
+          <a:prstGeom prst="rect">
+            <a:avLst/>
+          </a:prstGeom>
+        </p:spPr>
+        <p:txBody>
+          <a:bodyPr wrap="square">
+            <a:spAutoFit/>
+          </a:bodyPr>
+          <a:lstStyle/>
+          <a:p>
+            <a:pPr marL="342900" indent="-342900">
+              <a:buFont typeface="Calibri" panose="020F0502020204030204" pitchFamily="34" charset="0"/>
+              <a:buChar char="→"/>
+            </a:pPr>
+            <a:r>
+              <a:rPr lang="fr-FR" sz="2000" dirty="0" smtClean="0">
+                <a:latin typeface="Corbel" panose="020B0503020204020204" pitchFamily="34" charset="0"/>
+              </a:rPr>
+              <a:t>L’embargo correspond à la </a:t>
+            </a:r>
+            <a:r>
+              <a:rPr lang="fr-FR" sz="2000" b="1" dirty="0" smtClean="0">
+                <a:latin typeface="Corbel" panose="020B0503020204020204" pitchFamily="34" charset="0"/>
+              </a:rPr>
+              <a:t>période d’exclusivité de la diffusion </a:t>
+            </a:r>
+            <a:r>
+              <a:rPr lang="fr-FR" sz="2000" dirty="0" smtClean="0">
+                <a:latin typeface="Corbel" panose="020B0503020204020204" pitchFamily="34" charset="0"/>
+              </a:rPr>
+              <a:t>que se réserve un éditeur.</a:t>
+            </a:r>
+          </a:p>
+          <a:p>
+            <a:pPr marL="342900" indent="-342900">
+              <a:buFont typeface="Calibri" panose="020F0502020204030204" pitchFamily="34" charset="0"/>
+              <a:buChar char="→"/>
+            </a:pPr>
+            <a:r>
+              <a:rPr lang="fr-FR" sz="2000" dirty="0" smtClean="0">
+                <a:latin typeface="Corbel" panose="020B0503020204020204" pitchFamily="34" charset="0"/>
+              </a:rPr>
+              <a:t>Pendant cette période, le texte intégral déposé dans une archive ouverte ne peut pas être en libre </a:t>
+            </a:r>
+            <a:r>
+              <a:rPr lang="fr-FR" sz="2000" dirty="0">
+                <a:latin typeface="Corbel" panose="020B0503020204020204" pitchFamily="34" charset="0"/>
+              </a:rPr>
+              <a:t>accès. Les archives ouvertes permettent de paramétrer cet embargo pour que </a:t>
+            </a:r>
+            <a:r>
+              <a:rPr lang="fr-FR" sz="2000" dirty="0" smtClean="0">
+                <a:latin typeface="Corbel" panose="020B0503020204020204" pitchFamily="34" charset="0"/>
+              </a:rPr>
+              <a:t>:</a:t>
+            </a:r>
+          </a:p>
+          <a:p>
+            <a:pPr marL="800100" lvl="1" indent="-342900">
+              <a:buFont typeface="Corbel" panose="020B0503020204020204" pitchFamily="34" charset="0"/>
+              <a:buChar char="›"/>
+            </a:pPr>
+            <a:r>
+              <a:rPr lang="fr-FR" sz="2000" dirty="0" smtClean="0">
+                <a:latin typeface="Corbel" panose="020B0503020204020204" pitchFamily="34" charset="0"/>
+              </a:rPr>
+              <a:t>le fichier devienne automatiquement visible à une date donnée, </a:t>
+            </a:r>
+          </a:p>
+          <a:p>
+            <a:pPr marL="800100" lvl="1" indent="-342900">
+              <a:buFont typeface="Corbel" panose="020B0503020204020204" pitchFamily="34" charset="0"/>
+              <a:buChar char="›"/>
+            </a:pPr>
+            <a:r>
+              <a:rPr lang="fr-FR" sz="2000" dirty="0" smtClean="0">
+                <a:latin typeface="Corbel" panose="020B0503020204020204" pitchFamily="34" charset="0"/>
+              </a:rPr>
+              <a:t>il puisse être demandé sous forme de tiré à part pendant la période d’embargo.</a:t>
+            </a:r>
+            <a:endParaRPr lang="fr-FR" sz="2000" dirty="0">
+              <a:latin typeface="Corbel" panose="020B0503020204020204" pitchFamily="34" charset="0"/>
+            </a:endParaRPr>
+          </a:p>
+        </p:txBody>
+      </p:sp>
+      <p:pic>
+        <p:nvPicPr>
+          <p:cNvPr id="6" name="Image 5"/>
+          <p:cNvPicPr>
+            <a:picLocks noChangeAspect="1"/>
+          </p:cNvPicPr>
+          <p:nvPr/>
+        </p:nvPicPr>
+        <p:blipFill>
+          <a:blip r:embed="rId3">
+            <a:extLst>
+              <a:ext uri="{28A0092B-C50C-407E-A947-70E740481C1C}">
+                <a14:useLocalDpi xmlns:a14="http://schemas.microsoft.com/office/drawing/2010/main" val="0"/>
+              </a:ext>
+            </a:extLst>
+          </a:blip>
+          <a:stretch>
+            <a:fillRect/>
+          </a:stretch>
+        </p:blipFill>
+        <p:spPr>
+          <a:xfrm>
+            <a:off x="746759" y="2820028"/>
+            <a:ext cx="11013531" cy="3550694"/>
           </a:xfrm>
           <a:prstGeom prst="rect">
             <a:avLst/>
@@ -7764,18 +8724,67 @@
       </p:pic>
       <p:sp>
         <p:nvSpPr>
+          <p:cNvPr id="7" name="Espace réservé du pied de page 6"/>
+          <p:cNvSpPr>
+            <a:spLocks noGrp="1"/>
+          </p:cNvSpPr>
+          <p:nvPr>
+            <p:ph type="ftr" sz="quarter" idx="11"/>
+          </p:nvPr>
+        </p:nvSpPr>
+        <p:spPr/>
+        <p:txBody>
+          <a:bodyPr/>
+          <a:lstStyle/>
+          <a:p>
+            <a:r>
+              <a:rPr lang="fr-FR" dirty="0" smtClean="0"/>
+              <a:t>F. Flamerie - Le libre accès en bref - 2022-05-17</a:t>
+            </a:r>
+            <a:endParaRPr lang="fr-FR" dirty="0"/>
+          </a:p>
+        </p:txBody>
+      </p:sp>
+      <p:sp>
+        <p:nvSpPr>
+          <p:cNvPr id="8" name="Espace réservé du numéro de diapositive 7"/>
+          <p:cNvSpPr>
+            <a:spLocks noGrp="1"/>
+          </p:cNvSpPr>
+          <p:nvPr>
+            <p:ph type="sldNum" sz="quarter" idx="12"/>
+          </p:nvPr>
+        </p:nvSpPr>
+        <p:spPr/>
+        <p:txBody>
+          <a:bodyPr/>
+          <a:lstStyle/>
+          <a:p>
+            <a:fld id="{99E13252-68E5-4994-B57B-B03F39B52C7D}" type="slidenum">
+              <a:rPr lang="fr-FR" smtClean="0"/>
+              <a:t>18</a:t>
+            </a:fld>
+            <a:endParaRPr lang="fr-FR"/>
+          </a:p>
+        </p:txBody>
+      </p:sp>
+      <p:sp>
+        <p:nvSpPr>
           <p:cNvPr id="4" name="Rectangle 3"/>
           <p:cNvSpPr/>
           <p:nvPr/>
         </p:nvSpPr>
         <p:spPr>
           <a:xfrm>
-            <a:off x="746759" y="6384599"/>
+            <a:off x="746759" y="6405447"/>
             <a:ext cx="11155680" cy="369332"/>
           </a:xfrm>
           <a:prstGeom prst="rect">
             <a:avLst/>
           </a:prstGeom>
+          <a:solidFill>
+            <a:schemeClr val="bg1"/>
+          </a:solidFill>
         </p:spPr>
         <p:txBody>
           <a:bodyPr wrap="square">
@@ -7790,17 +8799,28 @@
               <a:t>Afficher cet article dans HAL : </a:t>
             </a:r>
             <a:r>
+              <a:rPr lang="fr-FR" altLang="fr-FR" dirty="0">
+                <a:latin typeface="Corbel" panose="020B0503020204020204" pitchFamily="34" charset="0"/>
+                <a:hlinkClick r:id="rId4"/>
+              </a:rPr>
+              <a:t>https://</a:t>
+            </a:r>
+            <a:r>
               <a:rPr lang="fr-FR" altLang="fr-FR" dirty="0" smtClean="0">
                 <a:latin typeface="Corbel" panose="020B0503020204020204" pitchFamily="34" charset="0"/>
-              </a:rPr>
-              <a:t>https</a:t>
-            </a:r>
-            <a:r>
-              <a:rPr lang="fr-FR" altLang="fr-FR" dirty="0">
-                <a:latin typeface="Corbel" panose="020B0503020204020204" pitchFamily="34" charset="0"/>
-              </a:rPr>
-              <a:t>://hal.sorbonne-universite.fr/hal-02888482 </a:t>
-            </a:r>
+                <a:hlinkClick r:id="rId4"/>
+              </a:rPr>
+              <a:t>www.hal.inserm.fr/inserm-03593970</a:t>
+            </a:r>
+            <a:r>
+              <a:rPr lang="fr-FR" altLang="fr-FR" dirty="0" smtClean="0">
+                <a:latin typeface="Corbel" panose="020B0503020204020204" pitchFamily="34" charset="0"/>
+              </a:rPr>
+              <a:t> </a:t>
+            </a:r>
+            <a:endParaRPr lang="fr-FR" altLang="fr-FR" dirty="0">
+              <a:latin typeface="Corbel" panose="020B0503020204020204" pitchFamily="34" charset="0"/>
+            </a:endParaRPr>
           </a:p>
         </p:txBody>
       </p:sp>
@@ -7827,7 +8847,7 @@
 </p:sld>
 </file>
 
-<file path=ppt/slides/slide18.xml><?xml version="1.0" encoding="utf-8"?>
+<file path=ppt/slides/slide19.xml><?xml version="1.0" encoding="utf-8"?>
 <p:sld xmlns:a="http://schemas.openxmlformats.org/drawingml/2006/main" xmlns:r="http://schemas.openxmlformats.org/officeDocument/2006/relationships" xmlns:p="http://schemas.openxmlformats.org/presentationml/2006/main">
   <p:cSld>
     <p:spTree>
@@ -7891,11 +8911,7 @@
           <a:p>
             <a:r>
               <a:rPr lang="fr-FR" dirty="0" smtClean="0"/>
-              <a:t>Inserm, Université de Bordeaux, </a:t>
-            </a:r>
-            <a:r>
-              <a:rPr lang="fr-FR" dirty="0" smtClean="0"/>
-              <a:t>CNRS</a:t>
+              <a:t>Inserm, Université de Bordeaux, CNRS</a:t>
             </a:r>
           </a:p>
           <a:p>
@@ -7903,52 +8919,51 @@
               <a:buNone/>
             </a:pPr>
             <a:r>
+              <a:rPr lang="fr-FR" dirty="0" smtClean="0"/>
+              <a:t>Dépôt de toutes vos publications </a:t>
+            </a:r>
+            <a:r>
+              <a:rPr lang="fr-FR" b="1" dirty="0" smtClean="0"/>
+              <a:t>en texte intégral </a:t>
+            </a:r>
+            <a:r>
+              <a:rPr lang="fr-FR" dirty="0" smtClean="0"/>
+              <a:t>dans l’archive ouverte de votre institution, en respectant les politiques des éditeurs -&gt; voir le Guide de publication de la cellule QI</a:t>
+            </a:r>
+          </a:p>
+          <a:p>
+            <a:r>
+              <a:rPr lang="fr-FR" dirty="0" smtClean="0"/>
+              <a:t> Choix BPH = Oskar Bordeaux, avec transfert automatique des dépôts dans HAL</a:t>
+            </a:r>
+          </a:p>
+          <a:p>
+            <a:pPr lvl="1"/>
+            <a:r>
               <a:rPr lang="fr-FR" dirty="0"/>
-              <a:t>Dépôt de toutes vos publications </a:t>
-            </a:r>
-            <a:r>
-              <a:rPr lang="fr-FR" b="1" dirty="0"/>
-              <a:t>en texte intégral </a:t>
-            </a:r>
-            <a:r>
-              <a:rPr lang="fr-FR" dirty="0"/>
-              <a:t>dans l’archive ouverte de votre institution, en respectant les politiques des éditeurs -&gt; voir le Guide de </a:t>
+              <a:t>Module 3.3 : Déposer un article dans l'archive ouverte de l'université de Bordeaux : Oskar Bordeaux le </a:t>
             </a:r>
             <a:r>
               <a:rPr lang="fr-FR" dirty="0" smtClean="0"/>
-              <a:t>publication</a:t>
-            </a:r>
-            <a:endParaRPr lang="fr-FR" dirty="0" smtClean="0"/>
-          </a:p>
-          <a:p>
-            <a:r>
-              <a:rPr lang="fr-FR" dirty="0"/>
+              <a:t>14 juin 11h30-12h15</a:t>
+            </a:r>
+          </a:p>
+          <a:p>
+            <a:pPr lvl="1"/>
+            <a:r>
+              <a:rPr lang="fr-FR" dirty="0" smtClean="0"/>
+              <a:t>Support doc : </a:t>
+            </a:r>
+            <a:r>
+              <a:rPr lang="fr-FR" dirty="0" smtClean="0">
+                <a:hlinkClick r:id="rId2"/>
+              </a:rPr>
+              <a:t>doc.isped@u-bordeaux.fr</a:t>
+            </a:r>
+            <a:r>
+              <a:rPr lang="fr-FR" dirty="0" smtClean="0"/>
               <a:t> </a:t>
             </a:r>
-            <a:r>
-              <a:rPr lang="fr-FR" dirty="0" smtClean="0"/>
-              <a:t>Choix centre de recherche = </a:t>
-            </a:r>
-            <a:r>
-              <a:rPr lang="fr-FR" dirty="0" smtClean="0"/>
-              <a:t>Oskar </a:t>
-            </a:r>
-            <a:r>
-              <a:rPr lang="fr-FR" dirty="0" smtClean="0"/>
-              <a:t>Bordeaux, avec transfert automatique des dépôts dans HAL</a:t>
-            </a:r>
-          </a:p>
-          <a:p>
-            <a:pPr lvl="1"/>
-            <a:r>
-              <a:rPr lang="fr-FR" dirty="0"/>
-              <a:t>Module 3.3 : Déposer un article dans l'archive ouverte de l'université de Bordeaux : Oskar </a:t>
-            </a:r>
-            <a:r>
-              <a:rPr lang="fr-FR" dirty="0" smtClean="0"/>
-              <a:t>Bordeaux</a:t>
-            </a:r>
-            <a:endParaRPr lang="fr-FR" dirty="0" smtClean="0"/>
           </a:p>
         </p:txBody>
       </p:sp>
@@ -7968,8 +8983,8 @@
           <a:lstStyle/>
           <a:p>
             <a:r>
-              <a:rPr lang="fr-FR" dirty="0" smtClean="0"/>
-              <a:t>F. Flamerie - Le libre accès en bref - 2021-05-11</a:t>
+              <a:rPr lang="fr-FR" smtClean="0"/>
+              <a:t>F. Flamerie - Le libre accès en bref - 2022-05-17</a:t>
             </a:r>
             <a:endParaRPr lang="fr-FR" dirty="0"/>
           </a:p>
@@ -7992,7 +9007,7 @@
           <a:p>
             <a:fld id="{99E13252-68E5-4994-B57B-B03F39B52C7D}" type="slidenum">
               <a:rPr lang="fr-FR" smtClean="0"/>
-              <a:t>18</a:t>
+              <a:t>19</a:t>
             </a:fld>
             <a:endParaRPr lang="fr-FR"/>
           </a:p>
@@ -8007,7 +9022,7 @@
           <p:nvPr/>
         </p:nvPicPr>
         <p:blipFill>
-          <a:blip r:embed="rId2" cstate="print">
+          <a:blip r:embed="rId3" cstate="print">
             <a:extLst>
               <a:ext uri="{28A0092B-C50C-407E-A947-70E740481C1C}">
                 <a14:useLocalDpi xmlns:a14="http://schemas.microsoft.com/office/drawing/2010/main" val="0"/>
@@ -8037,7 +9052,7 @@
           <p:nvPr/>
         </p:nvPicPr>
         <p:blipFill>
-          <a:blip r:embed="rId3"/>
+          <a:blip r:embed="rId4"/>
           <a:stretch>
             <a:fillRect/>
           </a:stretch>
@@ -8131,7 +9146,7 @@
                 <a:tabLst/>
                 <a:defRPr/>
               </a:pPr>
-              <a:endParaRPr kumimoji="0" lang="fr-FR" sz="1800" b="0" i="0" u="none" strike="noStrike" kern="1200" cap="none" spc="0" normalizeH="0" baseline="0" noProof="0">
+              <a:endParaRPr kumimoji="0" lang="fr-FR" sz="1800" b="0" i="0" u="none" strike="noStrike" kern="1200" cap="none" spc="0" normalizeH="0" baseline="0" noProof="0" dirty="0">
                 <a:ln>
                   <a:noFill/>
                 </a:ln>
@@ -8141,7 +9156,7 @@
                 <a:effectLst/>
                 <a:uLnTx/>
                 <a:uFillTx/>
-                <a:latin typeface="Calibri" panose="020F0502020204030204"/>
+                <a:latin typeface="Corbel" panose="020B0503020204020204" pitchFamily="34" charset="0"/>
                 <a:ea typeface="+mn-ea"/>
                 <a:cs typeface="+mn-cs"/>
               </a:endParaRPr>
@@ -8206,7 +9221,7 @@
                 <a:tabLst/>
                 <a:defRPr/>
               </a:pPr>
-              <a:endParaRPr kumimoji="0" lang="fr-FR" sz="1800" b="0" i="0" u="none" strike="noStrike" kern="1200" cap="none" spc="0" normalizeH="0" baseline="0" noProof="0">
+              <a:endParaRPr kumimoji="0" lang="fr-FR" sz="1800" b="0" i="0" u="none" strike="noStrike" kern="1200" cap="none" spc="0" normalizeH="0" baseline="0" noProof="0" dirty="0">
                 <a:ln>
                   <a:noFill/>
                 </a:ln>
@@ -8216,7 +9231,7 @@
                 <a:effectLst/>
                 <a:uLnTx/>
                 <a:uFillTx/>
-                <a:latin typeface="Calibri" panose="020F0502020204030204"/>
+                <a:latin typeface="Corbel" panose="020B0503020204020204" pitchFamily="34" charset="0"/>
                 <a:ea typeface="+mn-ea"/>
                 <a:cs typeface="+mn-cs"/>
               </a:endParaRPr>
@@ -8234,270 +9249,6 @@
   <p:clrMapOvr>
     <a:masterClrMapping/>
   </p:clrMapOvr>
-  <p:timing>
-    <p:tnLst>
-      <p:par>
-        <p:cTn id="1" dur="indefinite" restart="never" nodeType="tmRoot"/>
-      </p:par>
-    </p:tnLst>
-  </p:timing>
-</p:sld>
-</file>
-
-<file path=ppt/slides/slide19.xml><?xml version="1.0" encoding="utf-8"?>
-<p:sld xmlns:a="http://schemas.openxmlformats.org/drawingml/2006/main" xmlns:r="http://schemas.openxmlformats.org/officeDocument/2006/relationships" xmlns:p="http://schemas.openxmlformats.org/presentationml/2006/main">
-  <p:cSld>
-    <p:spTree>
-      <p:nvGrpSpPr>
-        <p:cNvPr id="1" name=""/>
-        <p:cNvGrpSpPr/>
-        <p:nvPr/>
-      </p:nvGrpSpPr>
-      <p:grpSpPr>
-        <a:xfrm>
-          <a:off x="0" y="0"/>
-          <a:ext cx="0" cy="0"/>
-          <a:chOff x="0" y="0"/>
-          <a:chExt cx="0" cy="0"/>
-        </a:xfrm>
-      </p:grpSpPr>
-      <p:sp>
-        <p:nvSpPr>
-          <p:cNvPr id="2" name="Titre 1"/>
-          <p:cNvSpPr>
-            <a:spLocks noGrp="1"/>
-          </p:cNvSpPr>
-          <p:nvPr>
-            <p:ph type="title"/>
-          </p:nvPr>
-        </p:nvSpPr>
-        <p:spPr/>
-        <p:txBody>
-          <a:bodyPr/>
-          <a:lstStyle/>
-          <a:p>
-            <a:r>
-              <a:rPr lang="fr-FR" dirty="0" smtClean="0"/>
-              <a:t>Que devez-vous faire?</a:t>
-            </a:r>
-            <a:endParaRPr lang="fr-FR" dirty="0"/>
-          </a:p>
-        </p:txBody>
-      </p:sp>
-      <p:sp>
-        <p:nvSpPr>
-          <p:cNvPr id="3" name="Espace réservé du contenu 2"/>
-          <p:cNvSpPr>
-            <a:spLocks noGrp="1"/>
-          </p:cNvSpPr>
-          <p:nvPr>
-            <p:ph idx="1"/>
-          </p:nvPr>
-        </p:nvSpPr>
-        <p:spPr/>
-        <p:txBody>
-          <a:bodyPr>
-            <a:normAutofit lnSpcReduction="10000"/>
-          </a:bodyPr>
-          <a:lstStyle/>
-          <a:p>
-            <a:r>
-              <a:rPr lang="fr-FR" dirty="0" smtClean="0"/>
-              <a:t> Les obligations les plus fortes émanent des organismes de financement [Union européenne, ANR]</a:t>
-            </a:r>
-          </a:p>
-          <a:p>
-            <a:pPr lvl="1"/>
-            <a:r>
-              <a:rPr lang="fr-FR" dirty="0"/>
-              <a:t>Publication </a:t>
-            </a:r>
-            <a:r>
-              <a:rPr lang="fr-FR" dirty="0" smtClean="0"/>
-              <a:t>des articles en </a:t>
-            </a:r>
-            <a:r>
-              <a:rPr lang="fr-FR" dirty="0"/>
-              <a:t>libre accès avec embargo maximum de 6/12 mois </a:t>
-            </a:r>
-            <a:r>
-              <a:rPr lang="fr-FR" dirty="0" smtClean="0"/>
-              <a:t>- STM/SHS </a:t>
-            </a:r>
-            <a:endParaRPr lang="fr-FR" dirty="0"/>
-          </a:p>
-          <a:p>
-            <a:pPr lvl="1"/>
-            <a:r>
-              <a:rPr lang="fr-FR" dirty="0"/>
-              <a:t>Dépôt dans une archive ouverte : Union européenne = au choix / ANR = HAL ou </a:t>
-            </a:r>
-            <a:r>
-              <a:rPr lang="fr-FR" dirty="0" smtClean="0"/>
-              <a:t>archive connectée </a:t>
-            </a:r>
-            <a:r>
-              <a:rPr lang="fr-FR" dirty="0"/>
-              <a:t>à </a:t>
-            </a:r>
-            <a:r>
-              <a:rPr lang="fr-FR" dirty="0" smtClean="0"/>
-              <a:t>HAL</a:t>
-            </a:r>
-          </a:p>
-          <a:p>
-            <a:r>
-              <a:rPr lang="fr-FR" dirty="0"/>
-              <a:t> </a:t>
-            </a:r>
-            <a:r>
-              <a:rPr lang="fr-FR" dirty="0" smtClean="0"/>
-              <a:t>A venir [Horizon Europe, ANR 2022] : </a:t>
-            </a:r>
-            <a:r>
-              <a:rPr lang="fr-FR" b="1" dirty="0" err="1" smtClean="0"/>
-              <a:t>cOAlition</a:t>
-            </a:r>
-            <a:r>
-              <a:rPr lang="fr-FR" b="1" dirty="0" smtClean="0"/>
-              <a:t> </a:t>
-            </a:r>
-            <a:r>
-              <a:rPr lang="fr-FR" b="1" dirty="0"/>
-              <a:t>S</a:t>
-            </a:r>
-            <a:r>
-              <a:rPr lang="fr-FR" dirty="0" smtClean="0"/>
-              <a:t> et </a:t>
-            </a:r>
-            <a:r>
-              <a:rPr lang="fr-FR" dirty="0" err="1" smtClean="0"/>
-              <a:t>planS</a:t>
-            </a:r>
-            <a:r>
-              <a:rPr lang="fr-FR" dirty="0" smtClean="0"/>
-              <a:t> : renforcement de la politique de libre accès</a:t>
-            </a:r>
-          </a:p>
-          <a:p>
-            <a:pPr lvl="1"/>
-            <a:r>
-              <a:rPr lang="fr-FR" dirty="0" smtClean="0"/>
-              <a:t>Libre accès </a:t>
-            </a:r>
-            <a:r>
-              <a:rPr lang="fr-FR" b="1" dirty="0" smtClean="0"/>
-              <a:t>immédiat</a:t>
-            </a:r>
-          </a:p>
-          <a:p>
-            <a:pPr lvl="1"/>
-            <a:r>
-              <a:rPr lang="fr-FR" dirty="0" smtClean="0"/>
-              <a:t>Licence </a:t>
-            </a:r>
-            <a:r>
-              <a:rPr lang="fr-FR" b="1" dirty="0" smtClean="0"/>
-              <a:t>CC-BY</a:t>
-            </a:r>
-            <a:r>
-              <a:rPr lang="fr-FR" dirty="0" smtClean="0"/>
-              <a:t> obligatoire : </a:t>
-            </a:r>
-            <a:r>
-              <a:rPr lang="fr-FR" dirty="0" smtClean="0">
-                <a:hlinkClick r:id="rId2"/>
-              </a:rPr>
-              <a:t>stratégie de non-cession des droits</a:t>
-            </a:r>
-            <a:endParaRPr lang="fr-FR" dirty="0" smtClean="0"/>
-          </a:p>
-          <a:p>
-            <a:pPr lvl="1"/>
-            <a:r>
-              <a:rPr lang="fr-FR" dirty="0" smtClean="0"/>
-              <a:t>Frais de publication dans des revues </a:t>
-            </a:r>
-            <a:r>
-              <a:rPr lang="fr-FR" b="1" dirty="0" smtClean="0"/>
-              <a:t>hybrides</a:t>
-            </a:r>
-            <a:r>
-              <a:rPr lang="fr-FR" dirty="0" smtClean="0"/>
-              <a:t> non considérés comme des dépenses éligibles </a:t>
-            </a:r>
-            <a:r>
-              <a:rPr lang="fr-FR" smtClean="0"/>
-              <a:t>[actuel ANR]</a:t>
-            </a:r>
-            <a:endParaRPr lang="fr-FR" dirty="0" smtClean="0"/>
-          </a:p>
-        </p:txBody>
-      </p:sp>
-      <p:sp>
-        <p:nvSpPr>
-          <p:cNvPr id="4" name="Espace réservé du pied de page 3"/>
-          <p:cNvSpPr>
-            <a:spLocks noGrp="1"/>
-          </p:cNvSpPr>
-          <p:nvPr>
-            <p:ph type="ftr" sz="quarter" idx="11"/>
-          </p:nvPr>
-        </p:nvSpPr>
-        <p:spPr/>
-        <p:txBody>
-          <a:bodyPr/>
-          <a:lstStyle/>
-          <a:p>
-            <a:r>
-              <a:rPr lang="fr-FR" dirty="0" smtClean="0"/>
-              <a:t>F. Flamerie - Le libre accès en bref - 2021-05-11</a:t>
-            </a:r>
-            <a:endParaRPr lang="fr-FR" dirty="0"/>
-          </a:p>
-        </p:txBody>
-      </p:sp>
-      <p:sp>
-        <p:nvSpPr>
-          <p:cNvPr id="5" name="Espace réservé du numéro de diapositive 4"/>
-          <p:cNvSpPr>
-            <a:spLocks noGrp="1"/>
-          </p:cNvSpPr>
-          <p:nvPr>
-            <p:ph type="sldNum" sz="quarter" idx="12"/>
-          </p:nvPr>
-        </p:nvSpPr>
-        <p:spPr/>
-        <p:txBody>
-          <a:bodyPr/>
-          <a:lstStyle/>
-          <a:p>
-            <a:fld id="{99E13252-68E5-4994-B57B-B03F39B52C7D}" type="slidenum">
-              <a:rPr lang="fr-FR" smtClean="0"/>
-              <a:pPr/>
-              <a:t>19</a:t>
-            </a:fld>
-            <a:endParaRPr lang="fr-FR" dirty="0"/>
-          </a:p>
-        </p:txBody>
-      </p:sp>
-    </p:spTree>
-    <p:extLst>
-      <p:ext uri="{BB962C8B-B14F-4D97-AF65-F5344CB8AC3E}">
-        <p14:creationId xmlns:p14="http://schemas.microsoft.com/office/powerpoint/2010/main" val="2125981232"/>
-      </p:ext>
-    </p:extLst>
-  </p:cSld>
-  <p:clrMapOvr>
-    <a:masterClrMapping/>
-  </p:clrMapOvr>
-  <p:timing>
-    <p:tnLst>
-      <p:par>
-        <p:cTn id="1" dur="indefinite" restart="never" nodeType="tmRoot"/>
-      </p:par>
-    </p:tnLst>
-  </p:timing>
 </p:sld>
 </file>
 
@@ -8558,17 +9309,20 @@
         </p:nvSpPr>
         <p:spPr>
           <a:xfrm>
-            <a:off x="838200" y="1589149"/>
-            <a:ext cx="10515600" cy="4351338"/>
+            <a:off x="838200" y="1589148"/>
+            <a:ext cx="10515600" cy="4684329"/>
           </a:xfrm>
         </p:spPr>
         <p:txBody>
           <a:bodyPr>
-            <a:normAutofit lnSpcReduction="10000"/>
+            <a:normAutofit fontScale="92500"/>
           </a:bodyPr>
           <a:lstStyle/>
           <a:p>
             <a:pPr marL="0" indent="0">
+              <a:lnSpc>
+                <a:spcPct val="110000"/>
+              </a:lnSpc>
               <a:buNone/>
             </a:pPr>
             <a:r>
@@ -8602,27 +9356,41 @@
           </a:p>
           <a:p>
             <a:pPr marL="0" indent="0">
+              <a:lnSpc>
+                <a:spcPct val="110000"/>
+              </a:lnSpc>
               <a:buNone/>
             </a:pPr>
             <a:endParaRPr lang="fr-FR" sz="2000" i="1" dirty="0" smtClean="0"/>
           </a:p>
           <a:p>
-            <a:r>
-              <a:rPr lang="fr-FR" dirty="0" smtClean="0"/>
-              <a:t> </a:t>
-            </a:r>
+            <a:pPr>
+              <a:lnSpc>
+                <a:spcPct val="110000"/>
+              </a:lnSpc>
+            </a:pPr>
             <a:r>
               <a:rPr lang="fr-FR" sz="3600" dirty="0" smtClean="0"/>
-              <a:t>Les modèles de libre accès : définitions et exemples</a:t>
-            </a:r>
-          </a:p>
-          <a:p>
+              <a:t> Les modèles de libre accès : définitions et exemples </a:t>
+            </a:r>
+          </a:p>
+          <a:p>
+            <a:pPr>
+              <a:lnSpc>
+                <a:spcPct val="110000"/>
+              </a:lnSpc>
+            </a:pPr>
             <a:r>
               <a:rPr lang="fr-FR" sz="3600" dirty="0" smtClean="0"/>
-              <a:t> Droits, recommandations et obligations en matière de libre accès</a:t>
-            </a:r>
-          </a:p>
-          <a:p>
+              <a:t>Droits, recommandations et obligations en matière de libre accès</a:t>
+            </a:r>
+          </a:p>
+          <a:p>
+            <a:pPr>
+              <a:lnSpc>
+                <a:spcPct val="110000"/>
+              </a:lnSpc>
+            </a:pPr>
             <a:r>
               <a:rPr lang="fr-FR" sz="3600" dirty="0"/>
               <a:t> </a:t>
@@ -8650,8 +9418,8 @@
           <a:lstStyle/>
           <a:p>
             <a:r>
-              <a:rPr lang="fr-FR" dirty="0" smtClean="0"/>
-              <a:t>F. Flamerie - Le libre accès en bref - 2021-05-11</a:t>
+              <a:rPr lang="fr-FR" smtClean="0"/>
+              <a:t>F. Flamerie - Le libre accès en bref - 2022-05-17</a:t>
             </a:r>
             <a:endParaRPr lang="fr-FR" dirty="0"/>
           </a:p>
@@ -8690,17 +9458,545 @@
   <p:clrMapOvr>
     <a:masterClrMapping/>
   </p:clrMapOvr>
-  <p:timing>
-    <p:tnLst>
-      <p:par>
-        <p:cTn id="1" dur="indefinite" restart="never" nodeType="tmRoot"/>
-      </p:par>
-    </p:tnLst>
-  </p:timing>
 </p:sld>
 </file>
 
 <file path=ppt/slides/slide20.xml><?xml version="1.0" encoding="utf-8"?>
+<p:sld xmlns:a="http://schemas.openxmlformats.org/drawingml/2006/main" xmlns:r="http://schemas.openxmlformats.org/officeDocument/2006/relationships" xmlns:p="http://schemas.openxmlformats.org/presentationml/2006/main">
+  <p:cSld>
+    <p:spTree>
+      <p:nvGrpSpPr>
+        <p:cNvPr id="1" name=""/>
+        <p:cNvGrpSpPr/>
+        <p:nvPr/>
+      </p:nvGrpSpPr>
+      <p:grpSpPr>
+        <a:xfrm>
+          <a:off x="0" y="0"/>
+          <a:ext cx="0" cy="0"/>
+          <a:chOff x="0" y="0"/>
+          <a:chExt cx="0" cy="0"/>
+        </a:xfrm>
+      </p:grpSpPr>
+      <p:sp>
+        <p:nvSpPr>
+          <p:cNvPr id="2" name="Titre 1"/>
+          <p:cNvSpPr>
+            <a:spLocks noGrp="1"/>
+          </p:cNvSpPr>
+          <p:nvPr>
+            <p:ph type="title"/>
+          </p:nvPr>
+        </p:nvSpPr>
+        <p:spPr>
+          <a:xfrm>
+            <a:off x="479385" y="224823"/>
+            <a:ext cx="10515600" cy="1325563"/>
+          </a:xfrm>
+        </p:spPr>
+        <p:txBody>
+          <a:bodyPr/>
+          <a:lstStyle/>
+          <a:p>
+            <a:r>
+              <a:rPr lang="fr-FR" dirty="0" smtClean="0"/>
+              <a:t>Que devez-vous faire?</a:t>
+            </a:r>
+            <a:endParaRPr lang="fr-FR" dirty="0"/>
+          </a:p>
+        </p:txBody>
+      </p:sp>
+      <p:sp>
+        <p:nvSpPr>
+          <p:cNvPr id="3" name="Espace réservé du contenu 2"/>
+          <p:cNvSpPr>
+            <a:spLocks noGrp="1"/>
+          </p:cNvSpPr>
+          <p:nvPr>
+            <p:ph idx="1"/>
+          </p:nvPr>
+        </p:nvSpPr>
+        <p:spPr>
+          <a:xfrm>
+            <a:off x="479385" y="1478780"/>
+            <a:ext cx="8606742" cy="4915188"/>
+          </a:xfrm>
+        </p:spPr>
+        <p:txBody>
+          <a:bodyPr>
+            <a:normAutofit fontScale="92500"/>
+          </a:bodyPr>
+          <a:lstStyle/>
+          <a:p>
+            <a:pPr>
+              <a:lnSpc>
+                <a:spcPct val="100000"/>
+              </a:lnSpc>
+            </a:pPr>
+            <a:r>
+              <a:rPr lang="fr-FR" dirty="0" smtClean="0"/>
+              <a:t> Les obligations les plus fortes émanent des agences de financement </a:t>
+            </a:r>
+          </a:p>
+          <a:p>
+            <a:pPr lvl="1">
+              <a:lnSpc>
+                <a:spcPct val="100000"/>
+              </a:lnSpc>
+            </a:pPr>
+            <a:r>
+              <a:rPr lang="fr-FR" dirty="0" smtClean="0"/>
+              <a:t>Publication des articles en libre accès avec embargo maximum de 6/12 mois - STM/SHS </a:t>
+            </a:r>
+          </a:p>
+          <a:p>
+            <a:pPr lvl="1">
+              <a:lnSpc>
+                <a:spcPct val="100000"/>
+              </a:lnSpc>
+            </a:pPr>
+            <a:r>
+              <a:rPr lang="fr-FR" dirty="0" smtClean="0"/>
+              <a:t>Dépôt </a:t>
+            </a:r>
+            <a:r>
+              <a:rPr lang="fr-FR" dirty="0"/>
+              <a:t>dans une archive ouverte : Union européenne = au choix / ANR = HAL ou </a:t>
+            </a:r>
+            <a:r>
+              <a:rPr lang="fr-FR" dirty="0" smtClean="0"/>
+              <a:t>archive connectée </a:t>
+            </a:r>
+            <a:r>
+              <a:rPr lang="fr-FR" dirty="0"/>
+              <a:t>à </a:t>
+            </a:r>
+            <a:r>
+              <a:rPr lang="fr-FR" dirty="0" smtClean="0"/>
+              <a:t>HAL</a:t>
+            </a:r>
+          </a:p>
+          <a:p>
+            <a:pPr>
+              <a:lnSpc>
+                <a:spcPct val="100000"/>
+              </a:lnSpc>
+            </a:pPr>
+            <a:r>
+              <a:rPr lang="fr-FR" b="1" dirty="0" smtClean="0"/>
+              <a:t> </a:t>
+            </a:r>
+            <a:r>
+              <a:rPr lang="fr-FR" b="1" dirty="0" err="1" smtClean="0"/>
+              <a:t>cOAlition</a:t>
+            </a:r>
+            <a:r>
+              <a:rPr lang="fr-FR" b="1" dirty="0" smtClean="0"/>
+              <a:t> </a:t>
+            </a:r>
+            <a:r>
+              <a:rPr lang="fr-FR" b="1" dirty="0"/>
+              <a:t>S</a:t>
+            </a:r>
+            <a:r>
+              <a:rPr lang="fr-FR" dirty="0" smtClean="0"/>
+              <a:t> et </a:t>
+            </a:r>
+            <a:r>
+              <a:rPr lang="fr-FR" dirty="0" err="1" smtClean="0"/>
+              <a:t>planS</a:t>
+            </a:r>
+            <a:r>
+              <a:rPr lang="fr-FR" dirty="0" smtClean="0"/>
+              <a:t> : renforcement de la politique de libre accès</a:t>
+            </a:r>
+          </a:p>
+          <a:p>
+            <a:pPr lvl="1">
+              <a:lnSpc>
+                <a:spcPct val="100000"/>
+              </a:lnSpc>
+            </a:pPr>
+            <a:r>
+              <a:rPr lang="fr-FR" dirty="0" smtClean="0"/>
+              <a:t>Libre accès </a:t>
+            </a:r>
+            <a:r>
+              <a:rPr lang="fr-FR" b="1" dirty="0" smtClean="0"/>
+              <a:t>immédiat</a:t>
+            </a:r>
+          </a:p>
+          <a:p>
+            <a:pPr lvl="1">
+              <a:lnSpc>
+                <a:spcPct val="100000"/>
+              </a:lnSpc>
+            </a:pPr>
+            <a:r>
+              <a:rPr lang="fr-FR" dirty="0" smtClean="0"/>
+              <a:t>Licence </a:t>
+            </a:r>
+            <a:r>
+              <a:rPr lang="fr-FR" b="1" dirty="0" smtClean="0"/>
+              <a:t>CC-BY</a:t>
+            </a:r>
+            <a:r>
+              <a:rPr lang="fr-FR" dirty="0" smtClean="0"/>
+              <a:t> obligatoire : </a:t>
+            </a:r>
+            <a:r>
+              <a:rPr lang="fr-FR" dirty="0" smtClean="0">
+                <a:hlinkClick r:id="rId3"/>
+              </a:rPr>
+              <a:t>stratégie de non-cession des droits</a:t>
+            </a:r>
+            <a:endParaRPr lang="fr-FR" dirty="0" smtClean="0"/>
+          </a:p>
+          <a:p>
+            <a:pPr lvl="1">
+              <a:lnSpc>
+                <a:spcPct val="100000"/>
+              </a:lnSpc>
+            </a:pPr>
+            <a:r>
+              <a:rPr lang="fr-FR" dirty="0" smtClean="0"/>
+              <a:t>Frais de publication dans des revues </a:t>
+            </a:r>
+            <a:r>
+              <a:rPr lang="fr-FR" b="1" dirty="0" smtClean="0"/>
+              <a:t>hybrides</a:t>
+            </a:r>
+            <a:r>
+              <a:rPr lang="fr-FR" dirty="0" smtClean="0"/>
+              <a:t> non considérés comme des dépenses éligibles</a:t>
+            </a:r>
+          </a:p>
+        </p:txBody>
+      </p:sp>
+      <p:sp>
+        <p:nvSpPr>
+          <p:cNvPr id="4" name="Espace réservé du pied de page 3"/>
+          <p:cNvSpPr>
+            <a:spLocks noGrp="1"/>
+          </p:cNvSpPr>
+          <p:nvPr>
+            <p:ph type="ftr" sz="quarter" idx="11"/>
+          </p:nvPr>
+        </p:nvSpPr>
+        <p:spPr/>
+        <p:txBody>
+          <a:bodyPr/>
+          <a:lstStyle/>
+          <a:p>
+            <a:r>
+              <a:rPr lang="fr-FR" smtClean="0"/>
+              <a:t>F. Flamerie - Le libre accès en bref - 2022-05-17</a:t>
+            </a:r>
+            <a:endParaRPr lang="fr-FR" dirty="0"/>
+          </a:p>
+        </p:txBody>
+      </p:sp>
+      <p:sp>
+        <p:nvSpPr>
+          <p:cNvPr id="5" name="Espace réservé du numéro de diapositive 4"/>
+          <p:cNvSpPr>
+            <a:spLocks noGrp="1"/>
+          </p:cNvSpPr>
+          <p:nvPr>
+            <p:ph type="sldNum" sz="quarter" idx="12"/>
+          </p:nvPr>
+        </p:nvSpPr>
+        <p:spPr/>
+        <p:txBody>
+          <a:bodyPr/>
+          <a:lstStyle/>
+          <a:p>
+            <a:fld id="{99E13252-68E5-4994-B57B-B03F39B52C7D}" type="slidenum">
+              <a:rPr lang="fr-FR" smtClean="0"/>
+              <a:pPr/>
+              <a:t>20</a:t>
+            </a:fld>
+            <a:endParaRPr lang="fr-FR" dirty="0"/>
+          </a:p>
+        </p:txBody>
+      </p:sp>
+      <p:sp>
+        <p:nvSpPr>
+          <p:cNvPr id="6" name="Parenthèse fermante 5"/>
+          <p:cNvSpPr/>
+          <p:nvPr/>
+        </p:nvSpPr>
+        <p:spPr>
+          <a:xfrm>
+            <a:off x="8817442" y="2333129"/>
+            <a:ext cx="425796" cy="1535225"/>
+          </a:xfrm>
+          <a:prstGeom prst="rightBracket">
+            <a:avLst/>
+          </a:prstGeom>
+          <a:ln w="38100">
+            <a:solidFill>
+              <a:schemeClr val="accent2"/>
+            </a:solidFill>
+          </a:ln>
+        </p:spPr>
+        <p:style>
+          <a:lnRef idx="1">
+            <a:schemeClr val="accent1"/>
+          </a:lnRef>
+          <a:fillRef idx="0">
+            <a:schemeClr val="accent1"/>
+          </a:fillRef>
+          <a:effectRef idx="0">
+            <a:schemeClr val="accent1"/>
+          </a:effectRef>
+          <a:fontRef idx="minor">
+            <a:schemeClr val="tx1"/>
+          </a:fontRef>
+        </p:style>
+        <p:txBody>
+          <a:bodyPr rtlCol="0" anchor="ctr"/>
+          <a:lstStyle/>
+          <a:p>
+            <a:pPr algn="ctr"/>
+            <a:endParaRPr lang="fr-FR" dirty="0">
+              <a:latin typeface="Corbel" panose="020B0503020204020204" pitchFamily="34" charset="0"/>
+            </a:endParaRPr>
+          </a:p>
+        </p:txBody>
+      </p:sp>
+      <p:sp>
+        <p:nvSpPr>
+          <p:cNvPr id="7" name="ZoneTexte 6"/>
+          <p:cNvSpPr txBox="1"/>
+          <p:nvPr/>
+        </p:nvSpPr>
+        <p:spPr>
+          <a:xfrm>
+            <a:off x="9389756" y="2581785"/>
+            <a:ext cx="2205390" cy="707886"/>
+          </a:xfrm>
+          <a:prstGeom prst="rect">
+            <a:avLst/>
+          </a:prstGeom>
+          <a:noFill/>
+        </p:spPr>
+        <p:txBody>
+          <a:bodyPr wrap="square" rtlCol="0">
+            <a:spAutoFit/>
+          </a:bodyPr>
+          <a:lstStyle/>
+          <a:p>
+            <a:r>
+              <a:rPr lang="fr-FR" sz="2000" dirty="0" smtClean="0">
+                <a:latin typeface="Corbel" panose="020B0503020204020204" pitchFamily="34" charset="0"/>
+              </a:rPr>
+              <a:t>Horizon 2020 </a:t>
+            </a:r>
+          </a:p>
+          <a:p>
+            <a:r>
+              <a:rPr lang="fr-FR" sz="2000" dirty="0" smtClean="0">
+                <a:latin typeface="Corbel" panose="020B0503020204020204" pitchFamily="34" charset="0"/>
+              </a:rPr>
+              <a:t>ANR -&gt; 2021</a:t>
+            </a:r>
+            <a:endParaRPr lang="fr-FR" sz="2000" dirty="0">
+              <a:latin typeface="Corbel" panose="020B0503020204020204" pitchFamily="34" charset="0"/>
+            </a:endParaRPr>
+          </a:p>
+        </p:txBody>
+      </p:sp>
+      <p:sp>
+        <p:nvSpPr>
+          <p:cNvPr id="8" name="Parenthèse fermante 7"/>
+          <p:cNvSpPr/>
+          <p:nvPr/>
+        </p:nvSpPr>
+        <p:spPr>
+          <a:xfrm>
+            <a:off x="8819909" y="4659827"/>
+            <a:ext cx="425796" cy="1602744"/>
+          </a:xfrm>
+          <a:prstGeom prst="rightBracket">
+            <a:avLst/>
+          </a:prstGeom>
+          <a:ln w="38100">
+            <a:solidFill>
+              <a:schemeClr val="accent2"/>
+            </a:solidFill>
+          </a:ln>
+        </p:spPr>
+        <p:style>
+          <a:lnRef idx="1">
+            <a:schemeClr val="accent1"/>
+          </a:lnRef>
+          <a:fillRef idx="0">
+            <a:schemeClr val="accent1"/>
+          </a:fillRef>
+          <a:effectRef idx="0">
+            <a:schemeClr val="accent1"/>
+          </a:effectRef>
+          <a:fontRef idx="minor">
+            <a:schemeClr val="tx1"/>
+          </a:fontRef>
+        </p:style>
+        <p:txBody>
+          <a:bodyPr rtlCol="0" anchor="ctr"/>
+          <a:lstStyle/>
+          <a:p>
+            <a:pPr algn="ctr"/>
+            <a:endParaRPr lang="fr-FR" dirty="0">
+              <a:latin typeface="Corbel" panose="020B0503020204020204" pitchFamily="34" charset="0"/>
+            </a:endParaRPr>
+          </a:p>
+        </p:txBody>
+      </p:sp>
+      <p:sp>
+        <p:nvSpPr>
+          <p:cNvPr id="9" name="ZoneTexte 8"/>
+          <p:cNvSpPr txBox="1"/>
+          <p:nvPr/>
+        </p:nvSpPr>
+        <p:spPr>
+          <a:xfrm>
+            <a:off x="9390813" y="4292143"/>
+            <a:ext cx="2507962" cy="2246769"/>
+          </a:xfrm>
+          <a:prstGeom prst="rect">
+            <a:avLst/>
+          </a:prstGeom>
+          <a:noFill/>
+        </p:spPr>
+        <p:txBody>
+          <a:bodyPr wrap="square" rtlCol="0">
+            <a:spAutoFit/>
+          </a:bodyPr>
+          <a:lstStyle/>
+          <a:p>
+            <a:r>
+              <a:rPr lang="fr-FR" sz="2000" dirty="0" smtClean="0">
+                <a:latin typeface="Corbel" panose="020B0503020204020204" pitchFamily="34" charset="0"/>
+              </a:rPr>
+              <a:t>Horizon Europe </a:t>
+            </a:r>
+          </a:p>
+          <a:p>
+            <a:r>
+              <a:rPr lang="fr-FR" sz="2000" dirty="0" smtClean="0">
+                <a:latin typeface="Corbel" panose="020B0503020204020204" pitchFamily="34" charset="0"/>
+              </a:rPr>
+              <a:t>ANR2022</a:t>
+            </a:r>
+          </a:p>
+          <a:p>
+            <a:r>
+              <a:rPr lang="fr-FR" sz="2000" dirty="0" smtClean="0">
+                <a:latin typeface="Corbel" panose="020B0503020204020204" pitchFamily="34" charset="0"/>
+              </a:rPr>
+              <a:t>+ </a:t>
+            </a:r>
+            <a:r>
+              <a:rPr lang="fr-FR" sz="2000" dirty="0" smtClean="0">
+                <a:latin typeface="Corbel" panose="020B0503020204020204" pitchFamily="34" charset="0"/>
+                <a:hlinkClick r:id="rId4"/>
+              </a:rPr>
+              <a:t>réseau des agences de financement françaises </a:t>
+            </a:r>
+            <a:r>
+              <a:rPr lang="fr-FR" sz="2000" dirty="0" smtClean="0">
+                <a:latin typeface="Corbel" panose="020B0503020204020204" pitchFamily="34" charset="0"/>
+              </a:rPr>
+              <a:t>: Anses, </a:t>
+            </a:r>
+            <a:r>
+              <a:rPr lang="fr-FR" sz="2000" dirty="0" err="1" smtClean="0">
+                <a:latin typeface="Corbel" panose="020B0503020204020204" pitchFamily="34" charset="0"/>
+              </a:rPr>
+              <a:t>INCa</a:t>
+            </a:r>
+            <a:r>
+              <a:rPr lang="fr-FR" sz="2000" dirty="0" smtClean="0">
+                <a:latin typeface="Corbel" panose="020B0503020204020204" pitchFamily="34" charset="0"/>
+              </a:rPr>
+              <a:t>, ANRS-MIE, ADEME</a:t>
+            </a:r>
+            <a:endParaRPr lang="fr-FR" sz="2000" dirty="0">
+              <a:latin typeface="Corbel" panose="020B0503020204020204" pitchFamily="34" charset="0"/>
+            </a:endParaRPr>
+          </a:p>
+        </p:txBody>
+      </p:sp>
+      <p:sp>
+        <p:nvSpPr>
+          <p:cNvPr id="10" name="ZoneTexte 9"/>
+          <p:cNvSpPr txBox="1"/>
+          <p:nvPr/>
+        </p:nvSpPr>
+        <p:spPr>
+          <a:xfrm>
+            <a:off x="8819909" y="390376"/>
+            <a:ext cx="3078866" cy="1188938"/>
+          </a:xfrm>
+          <a:prstGeom prst="rect">
+            <a:avLst/>
+          </a:prstGeom>
+          <a:ln w="38100">
+            <a:solidFill>
+              <a:schemeClr val="accent2">
+                <a:alpha val="98000"/>
+              </a:schemeClr>
+            </a:solidFill>
+            <a:prstDash val="dashDot"/>
+          </a:ln>
+        </p:spPr>
+        <p:style>
+          <a:lnRef idx="2">
+            <a:schemeClr val="accent2"/>
+          </a:lnRef>
+          <a:fillRef idx="1">
+            <a:schemeClr val="lt1"/>
+          </a:fillRef>
+          <a:effectRef idx="0">
+            <a:schemeClr val="accent2"/>
+          </a:effectRef>
+          <a:fontRef idx="minor">
+            <a:schemeClr val="dk1"/>
+          </a:fontRef>
+        </p:style>
+        <p:txBody>
+          <a:bodyPr wrap="square" lIns="144000" tIns="144000" rIns="144000" bIns="144000" rtlCol="0">
+            <a:spAutoFit/>
+          </a:bodyPr>
+          <a:lstStyle/>
+          <a:p>
+            <a:r>
+              <a:rPr lang="fr-FR" sz="2800" dirty="0" smtClean="0">
+                <a:latin typeface="Corbel" panose="020B0503020204020204" pitchFamily="34" charset="0"/>
+                <a:hlinkClick r:id="rId3"/>
+              </a:rPr>
+              <a:t>FAQ publications de l’ANR</a:t>
+            </a:r>
+            <a:endParaRPr lang="fr-FR" sz="2800" dirty="0">
+              <a:latin typeface="Corbel" panose="020B0503020204020204" pitchFamily="34" charset="0"/>
+            </a:endParaRPr>
+          </a:p>
+        </p:txBody>
+      </p:sp>
+    </p:spTree>
+    <p:extLst>
+      <p:ext uri="{BB962C8B-B14F-4D97-AF65-F5344CB8AC3E}">
+        <p14:creationId xmlns:p14="http://schemas.microsoft.com/office/powerpoint/2010/main" val="2125981232"/>
+      </p:ext>
+    </p:extLst>
+  </p:cSld>
+  <p:clrMapOvr>
+    <a:masterClrMapping/>
+  </p:clrMapOvr>
+</p:sld>
+</file>
+
+<file path=ppt/slides/slide21.xml><?xml version="1.0" encoding="utf-8"?>
 <p:sld xmlns:a="http://schemas.openxmlformats.org/drawingml/2006/main" xmlns:r="http://schemas.openxmlformats.org/officeDocument/2006/relationships" xmlns:p="http://schemas.openxmlformats.org/presentationml/2006/main">
   <p:cSld>
     <p:spTree>
@@ -8817,10 +10113,10 @@
           <a:lstStyle/>
           <a:p>
             <a:r>
-              <a:rPr lang="fr-FR" smtClean="0"/>
-              <a:t>F. Flamerie - Le libre accès en bref - 2021-05-11</a:t>
-            </a:r>
-            <a:endParaRPr lang="fr-FR"/>
+              <a:rPr lang="fr-FR" dirty="0" smtClean="0"/>
+              <a:t>F. Flamerie - Le libre accès en bref - 2022-05-17</a:t>
+            </a:r>
+            <a:endParaRPr lang="fr-FR" dirty="0"/>
           </a:p>
         </p:txBody>
       </p:sp>
@@ -8841,7 +10137,7 @@
           <a:p>
             <a:fld id="{99E13252-68E5-4994-B57B-B03F39B52C7D}" type="slidenum">
               <a:rPr lang="fr-FR" smtClean="0"/>
-              <a:t>20</a:t>
+              <a:t>21</a:t>
             </a:fld>
             <a:endParaRPr lang="fr-FR"/>
           </a:p>
@@ -8857,17 +10153,10 @@
   <p:clrMapOvr>
     <a:masterClrMapping/>
   </p:clrMapOvr>
-  <p:timing>
-    <p:tnLst>
-      <p:par>
-        <p:cTn id="1" dur="indefinite" restart="never" nodeType="tmRoot"/>
-      </p:par>
-    </p:tnLst>
-  </p:timing>
 </p:sld>
 </file>
 
-<file path=ppt/slides/slide21.xml><?xml version="1.0" encoding="utf-8"?>
+<file path=ppt/slides/slide22.xml><?xml version="1.0" encoding="utf-8"?>
 <p:sld xmlns:a="http://schemas.openxmlformats.org/drawingml/2006/main" xmlns:r="http://schemas.openxmlformats.org/officeDocument/2006/relationships" xmlns:p="http://schemas.openxmlformats.org/presentationml/2006/main">
   <p:cSld>
     <p:spTree>
@@ -8925,15 +10214,20 @@
         <p:spPr>
           <a:xfrm>
             <a:off x="838200" y="1504348"/>
-            <a:ext cx="9228532" cy="5020019"/>
+            <a:ext cx="8779664" cy="5020019"/>
           </a:xfrm>
         </p:spPr>
         <p:txBody>
           <a:bodyPr>
-            <a:normAutofit lnSpcReduction="10000"/>
+            <a:normAutofit fontScale="85000" lnSpcReduction="10000"/>
           </a:bodyPr>
           <a:lstStyle/>
           <a:p>
+            <a:pPr>
+              <a:lnSpc>
+                <a:spcPct val="110000"/>
+              </a:lnSpc>
+            </a:pPr>
             <a:r>
               <a:rPr lang="fr-FR" sz="3200" dirty="0"/>
               <a:t> </a:t>
@@ -8944,13 +10238,22 @@
             </a:r>
           </a:p>
           <a:p>
-            <a:pPr lvl="1"/>
+            <a:pPr lvl="1">
+              <a:lnSpc>
+                <a:spcPct val="110000"/>
+              </a:lnSpc>
+            </a:pPr>
             <a:r>
               <a:rPr lang="fr-FR" sz="3200" b="1" dirty="0" smtClean="0"/>
               <a:t>Oskar Bordeaux</a:t>
             </a:r>
           </a:p>
           <a:p>
+            <a:pPr>
+              <a:lnSpc>
+                <a:spcPct val="110000"/>
+              </a:lnSpc>
+            </a:pPr>
             <a:r>
               <a:rPr lang="fr-FR" sz="3200" dirty="0"/>
               <a:t> </a:t>
@@ -8961,7 +10264,11 @@
             </a:r>
           </a:p>
           <a:p>
-            <a:pPr lvl="1"/>
+            <a:pPr lvl="1">
+              <a:lnSpc>
+                <a:spcPct val="110000"/>
+              </a:lnSpc>
+            </a:pPr>
             <a:r>
               <a:rPr lang="fr-FR" sz="3200" dirty="0" smtClean="0"/>
               <a:t>la </a:t>
@@ -8983,6 +10290,11 @@
             <a:endParaRPr lang="fr-FR" sz="3200" dirty="0" smtClean="0"/>
           </a:p>
           <a:p>
+            <a:pPr>
+              <a:lnSpc>
+                <a:spcPct val="110000"/>
+              </a:lnSpc>
+            </a:pPr>
             <a:r>
               <a:rPr lang="fr-FR" sz="3200" dirty="0"/>
               <a:t> </a:t>
@@ -8993,14 +10305,26 @@
             </a:r>
           </a:p>
           <a:p>
-            <a:pPr lvl="1"/>
+            <a:pPr lvl="1">
+              <a:lnSpc>
+                <a:spcPct val="110000"/>
+              </a:lnSpc>
+            </a:pPr>
             <a:r>
               <a:rPr lang="fr-FR" sz="3200" b="1" dirty="0" err="1" smtClean="0"/>
               <a:t>medRxiv</a:t>
             </a:r>
             <a:r>
+              <a:rPr lang="fr-FR" sz="3200" b="1" dirty="0" smtClean="0"/>
+              <a:t>, </a:t>
+            </a:r>
+            <a:r>
+              <a:rPr lang="fr-FR" sz="3200" b="1" dirty="0" err="1" smtClean="0"/>
+              <a:t>bioRxiv</a:t>
+            </a:r>
+            <a:r>
               <a:rPr lang="fr-FR" sz="3200" dirty="0" smtClean="0"/>
-              <a:t> pour les prépublications en médecine</a:t>
+              <a:t> pour les prépublications en santé</a:t>
             </a:r>
           </a:p>
         </p:txBody>
@@ -9022,7 +10346,7 @@
           <a:p>
             <a:r>
               <a:rPr lang="fr-FR" smtClean="0"/>
-              <a:t>F. Flamerie - Le libre accès en bref - 2021-05-11</a:t>
+              <a:t>F. Flamerie - Le libre accès en bref - 2022-05-17</a:t>
             </a:r>
             <a:endParaRPr lang="fr-FR"/>
           </a:p>
@@ -9045,7 +10369,7 @@
           <a:p>
             <a:fld id="{99E13252-68E5-4994-B57B-B03F39B52C7D}" type="slidenum">
               <a:rPr lang="fr-FR" smtClean="0"/>
-              <a:t>21</a:t>
+              <a:t>22</a:t>
             </a:fld>
             <a:endParaRPr lang="fr-FR"/>
           </a:p>
@@ -9184,7 +10508,7 @@
                 <a:tabLst/>
                 <a:defRPr/>
               </a:pPr>
-              <a:endParaRPr kumimoji="0" lang="fr-FR" sz="1800" b="0" i="0" u="none" strike="noStrike" kern="1200" cap="none" spc="0" normalizeH="0" baseline="0" noProof="0">
+              <a:endParaRPr kumimoji="0" lang="fr-FR" sz="1800" b="0" i="0" u="none" strike="noStrike" kern="1200" cap="none" spc="0" normalizeH="0" baseline="0" noProof="0" dirty="0">
                 <a:ln>
                   <a:noFill/>
                 </a:ln>
@@ -9194,7 +10518,7 @@
                 <a:effectLst/>
                 <a:uLnTx/>
                 <a:uFillTx/>
-                <a:latin typeface="Calibri" panose="020F0502020204030204"/>
+                <a:latin typeface="Corbel" panose="020B0503020204020204" pitchFamily="34" charset="0"/>
                 <a:ea typeface="+mn-ea"/>
                 <a:cs typeface="+mn-cs"/>
               </a:endParaRPr>
@@ -9259,7 +10583,7 @@
                 <a:tabLst/>
                 <a:defRPr/>
               </a:pPr>
-              <a:endParaRPr kumimoji="0" lang="fr-FR" sz="1800" b="0" i="0" u="none" strike="noStrike" kern="1200" cap="none" spc="0" normalizeH="0" baseline="0" noProof="0">
+              <a:endParaRPr kumimoji="0" lang="fr-FR" sz="1800" b="0" i="0" u="none" strike="noStrike" kern="1200" cap="none" spc="0" normalizeH="0" baseline="0" noProof="0" dirty="0">
                 <a:ln>
                   <a:noFill/>
                 </a:ln>
@@ -9269,7 +10593,7 @@
                 <a:effectLst/>
                 <a:uLnTx/>
                 <a:uFillTx/>
-                <a:latin typeface="Calibri" panose="020F0502020204030204"/>
+                <a:latin typeface="Corbel" panose="020B0503020204020204" pitchFamily="34" charset="0"/>
                 <a:ea typeface="+mn-ea"/>
                 <a:cs typeface="+mn-cs"/>
               </a:endParaRPr>
@@ -9287,17 +10611,10 @@
   <p:clrMapOvr>
     <a:masterClrMapping/>
   </p:clrMapOvr>
-  <p:timing>
-    <p:tnLst>
-      <p:par>
-        <p:cTn id="1" dur="indefinite" restart="never" nodeType="tmRoot"/>
-      </p:par>
-    </p:tnLst>
-  </p:timing>
 </p:sld>
 </file>
 
-<file path=ppt/slides/slide22.xml><?xml version="1.0" encoding="utf-8"?>
+<file path=ppt/slides/slide23.xml><?xml version="1.0" encoding="utf-8"?>
 <p:sld xmlns:a="http://schemas.openxmlformats.org/drawingml/2006/main" xmlns:r="http://schemas.openxmlformats.org/officeDocument/2006/relationships" xmlns:p="http://schemas.openxmlformats.org/presentationml/2006/main">
   <p:cSld>
     <p:spTree>
@@ -9314,6 +10631,226 @@
           <a:chExt cx="0" cy="0"/>
         </a:xfrm>
       </p:grpSpPr>
+      <p:pic>
+        <p:nvPicPr>
+          <p:cNvPr id="6" name="Espace réservé du contenu 5"/>
+          <p:cNvPicPr>
+            <a:picLocks noGrp="1" noChangeAspect="1"/>
+          </p:cNvPicPr>
+          <p:nvPr>
+            <p:ph idx="1"/>
+          </p:nvPr>
+        </p:nvPicPr>
+        <p:blipFill>
+          <a:blip r:embed="rId2">
+            <a:extLst>
+              <a:ext uri="{28A0092B-C50C-407E-A947-70E740481C1C}">
+                <a14:useLocalDpi xmlns:a14="http://schemas.microsoft.com/office/drawing/2010/main" val="0"/>
+              </a:ext>
+            </a:extLst>
+          </a:blip>
+          <a:stretch>
+            <a:fillRect/>
+          </a:stretch>
+        </p:blipFill>
+        <p:spPr>
+          <a:xfrm>
+            <a:off x="2867216" y="261112"/>
+            <a:ext cx="9142857" cy="6095238"/>
+          </a:xfrm>
+          <a:ln>
+            <a:solidFill>
+              <a:schemeClr val="accent2"/>
+            </a:solidFill>
+          </a:ln>
+        </p:spPr>
+      </p:pic>
+      <p:sp>
+        <p:nvSpPr>
+          <p:cNvPr id="4" name="Espace réservé du pied de page 3"/>
+          <p:cNvSpPr>
+            <a:spLocks noGrp="1"/>
+          </p:cNvSpPr>
+          <p:nvPr>
+            <p:ph type="ftr" sz="quarter" idx="11"/>
+          </p:nvPr>
+        </p:nvSpPr>
+        <p:spPr/>
+        <p:txBody>
+          <a:bodyPr/>
+          <a:lstStyle/>
+          <a:p>
+            <a:r>
+              <a:rPr lang="fr-FR" smtClean="0"/>
+              <a:t>F. Flamerie - Le libre accès en bref - 2022-05-17</a:t>
+            </a:r>
+            <a:endParaRPr lang="fr-FR" dirty="0"/>
+          </a:p>
+        </p:txBody>
+      </p:sp>
+      <p:sp>
+        <p:nvSpPr>
+          <p:cNvPr id="5" name="Espace réservé du numéro de diapositive 4"/>
+          <p:cNvSpPr>
+            <a:spLocks noGrp="1"/>
+          </p:cNvSpPr>
+          <p:nvPr>
+            <p:ph type="sldNum" sz="quarter" idx="12"/>
+          </p:nvPr>
+        </p:nvSpPr>
+        <p:spPr/>
+        <p:txBody>
+          <a:bodyPr/>
+          <a:lstStyle/>
+          <a:p>
+            <a:fld id="{99E13252-68E5-4994-B57B-B03F39B52C7D}" type="slidenum">
+              <a:rPr lang="fr-FR" smtClean="0"/>
+              <a:pPr/>
+              <a:t>23</a:t>
+            </a:fld>
+            <a:endParaRPr lang="fr-FR" dirty="0"/>
+          </a:p>
+        </p:txBody>
+      </p:sp>
+      <p:sp>
+        <p:nvSpPr>
+          <p:cNvPr id="2" name="Titre 1"/>
+          <p:cNvSpPr>
+            <a:spLocks noGrp="1"/>
+          </p:cNvSpPr>
+          <p:nvPr>
+            <p:ph type="title"/>
+          </p:nvPr>
+        </p:nvSpPr>
+        <p:spPr>
+          <a:xfrm>
+            <a:off x="201589" y="290730"/>
+            <a:ext cx="2530035" cy="1568471"/>
+          </a:xfrm>
+        </p:spPr>
+        <p:txBody>
+          <a:bodyPr>
+            <a:normAutofit fontScale="90000"/>
+          </a:bodyPr>
+          <a:lstStyle/>
+          <a:p>
+            <a:r>
+              <a:rPr lang="fr-FR" dirty="0" smtClean="0"/>
+              <a:t>Les </a:t>
+            </a:r>
+            <a:r>
+              <a:rPr lang="fr-FR" dirty="0" err="1" smtClean="0"/>
+              <a:t>preprints</a:t>
+            </a:r>
+            <a:r>
+              <a:rPr lang="fr-FR" dirty="0" smtClean="0"/>
+              <a:t> à l’Inserm</a:t>
+            </a:r>
+            <a:endParaRPr lang="fr-FR" dirty="0"/>
+          </a:p>
+        </p:txBody>
+      </p:sp>
+      <p:sp>
+        <p:nvSpPr>
+          <p:cNvPr id="7" name="ZoneTexte 6"/>
+          <p:cNvSpPr txBox="1"/>
+          <p:nvPr/>
+        </p:nvSpPr>
+        <p:spPr>
+          <a:xfrm>
+            <a:off x="375209" y="4109581"/>
+            <a:ext cx="2356415" cy="2246769"/>
+          </a:xfrm>
+          <a:prstGeom prst="rect">
+            <a:avLst/>
+          </a:prstGeom>
+          <a:noFill/>
+        </p:spPr>
+        <p:txBody>
+          <a:bodyPr wrap="square" rtlCol="0">
+            <a:spAutoFit/>
+          </a:bodyPr>
+          <a:lstStyle/>
+          <a:p>
+            <a:r>
+              <a:rPr lang="fr-FR" sz="2000" dirty="0" smtClean="0">
+                <a:latin typeface="Corbel" panose="020B0503020204020204" pitchFamily="34" charset="0"/>
+              </a:rPr>
+              <a:t>Nombre </a:t>
+            </a:r>
+            <a:r>
+              <a:rPr lang="fr-FR" sz="2000" dirty="0">
+                <a:latin typeface="Corbel" panose="020B0503020204020204" pitchFamily="34" charset="0"/>
+              </a:rPr>
+              <a:t>de </a:t>
+            </a:r>
+            <a:r>
+              <a:rPr lang="fr-FR" sz="2000" dirty="0" err="1">
+                <a:latin typeface="Corbel" panose="020B0503020204020204" pitchFamily="34" charset="0"/>
+              </a:rPr>
+              <a:t>preprints</a:t>
+            </a:r>
+            <a:r>
+              <a:rPr lang="fr-FR" sz="2000" dirty="0">
+                <a:latin typeface="Corbel" panose="020B0503020204020204" pitchFamily="34" charset="0"/>
+              </a:rPr>
+              <a:t> dont au moins un auteur est affilié à </a:t>
+            </a:r>
+            <a:r>
+              <a:rPr lang="fr-FR" sz="2000" dirty="0" smtClean="0">
+                <a:latin typeface="Corbel" panose="020B0503020204020204" pitchFamily="34" charset="0"/>
+              </a:rPr>
+              <a:t>l’Inserm. Source </a:t>
+            </a:r>
+            <a:r>
+              <a:rPr lang="fr-FR" sz="2000" dirty="0">
+                <a:latin typeface="Corbel" panose="020B0503020204020204" pitchFamily="34" charset="0"/>
+              </a:rPr>
+              <a:t>: </a:t>
+            </a:r>
+            <a:r>
+              <a:rPr lang="fr-FR" sz="2000" dirty="0">
+                <a:latin typeface="Corbel" panose="020B0503020204020204" pitchFamily="34" charset="0"/>
+                <a:hlinkClick r:id="rId3"/>
+              </a:rPr>
+              <a:t>Baromètre Science Ouverte Inserm</a:t>
+            </a:r>
+            <a:endParaRPr lang="fr-FR" sz="2000" dirty="0">
+              <a:latin typeface="Corbel" panose="020B0503020204020204" pitchFamily="34" charset="0"/>
+            </a:endParaRPr>
+          </a:p>
+        </p:txBody>
+      </p:sp>
+    </p:spTree>
+    <p:extLst>
+      <p:ext uri="{BB962C8B-B14F-4D97-AF65-F5344CB8AC3E}">
+        <p14:creationId xmlns:p14="http://schemas.microsoft.com/office/powerpoint/2010/main" val="2953802693"/>
+      </p:ext>
+    </p:extLst>
+  </p:cSld>
+  <p:clrMapOvr>
+    <a:masterClrMapping/>
+  </p:clrMapOvr>
+</p:sld>
+</file>
+
+<file path=ppt/slides/slide24.xml><?xml version="1.0" encoding="utf-8"?>
+<p:sld xmlns:a="http://schemas.openxmlformats.org/drawingml/2006/main" xmlns:r="http://schemas.openxmlformats.org/officeDocument/2006/relationships" xmlns:p="http://schemas.openxmlformats.org/presentationml/2006/main">
+  <p:cSld>
+    <p:spTree>
+      <p:nvGrpSpPr>
+        <p:cNvPr id="1" name=""/>
+        <p:cNvGrpSpPr/>
+        <p:nvPr/>
+      </p:nvGrpSpPr>
+      <p:grpSpPr>
+        <a:xfrm>
+          <a:off x="0" y="0"/>
+          <a:ext cx="0" cy="0"/>
+          <a:chOff x="0" y="0"/>
+          <a:chExt cx="0" cy="0"/>
+        </a:xfrm>
+      </p:grpSpPr>
       <p:sp>
         <p:nvSpPr>
           <p:cNvPr id="6" name="Titre 5"/>
@@ -9364,13 +10901,28 @@
           </a:bodyPr>
           <a:lstStyle/>
           <a:p>
+            <a:pPr>
+              <a:lnSpc>
+                <a:spcPct val="100000"/>
+              </a:lnSpc>
+              <a:spcBef>
+                <a:spcPts val="0"/>
+              </a:spcBef>
+            </a:pPr>
             <a:r>
               <a:rPr lang="fr-FR" sz="3200" dirty="0" smtClean="0"/>
               <a:t>Tout déposer dans une même archive</a:t>
             </a:r>
           </a:p>
           <a:p>
-            <a:pPr lvl="1"/>
+            <a:pPr lvl="1">
+              <a:lnSpc>
+                <a:spcPct val="100000"/>
+              </a:lnSpc>
+              <a:spcBef>
+                <a:spcPts val="0"/>
+              </a:spcBef>
+            </a:pPr>
             <a:r>
               <a:rPr lang="fr-FR" sz="3200" b="1" dirty="0" err="1" smtClean="0">
                 <a:hlinkClick r:id="rId2"/>
@@ -9391,6 +10943,14 @@
             </a:r>
           </a:p>
           <a:p>
+            <a:pPr>
+              <a:lnSpc>
+                <a:spcPct val="100000"/>
+              </a:lnSpc>
+              <a:spcBef>
+                <a:spcPts val="0"/>
+              </a:spcBef>
+            </a:pPr>
             <a:r>
               <a:rPr lang="fr-FR" sz="3200" dirty="0"/>
               <a:t> </a:t>
@@ -9417,7 +10977,14 @@
             </a:r>
           </a:p>
           <a:p>
-            <a:pPr lvl="1"/>
+            <a:pPr lvl="1">
+              <a:lnSpc>
+                <a:spcPct val="100000"/>
+              </a:lnSpc>
+              <a:spcBef>
+                <a:spcPts val="0"/>
+              </a:spcBef>
+            </a:pPr>
             <a:r>
               <a:rPr lang="fr-FR" sz="3200" b="1" dirty="0" smtClean="0">
                 <a:hlinkClick r:id="rId3"/>
@@ -9479,7 +11046,7 @@
           <a:p>
             <a:r>
               <a:rPr lang="fr-FR" smtClean="0"/>
-              <a:t>F. Flamerie - Le libre accès en bref - 2021-05-11</a:t>
+              <a:t>F. Flamerie - Le libre accès en bref - 2022-05-17</a:t>
             </a:r>
             <a:endParaRPr lang="fr-FR"/>
           </a:p>
@@ -9502,7 +11069,7 @@
           <a:p>
             <a:fld id="{99E13252-68E5-4994-B57B-B03F39B52C7D}" type="slidenum">
               <a:rPr lang="fr-FR" smtClean="0"/>
-              <a:t>22</a:t>
+              <a:t>24</a:t>
             </a:fld>
             <a:endParaRPr lang="fr-FR"/>
           </a:p>
@@ -9530,7 +11097,7 @@
         </p:blipFill>
         <p:spPr>
           <a:xfrm>
-            <a:off x="9895703" y="2067911"/>
+            <a:off x="9895702" y="1690688"/>
             <a:ext cx="1905000" cy="762000"/>
           </a:xfrm>
           <a:prstGeom prst="rect">
@@ -9548,17 +11115,10 @@
   <p:clrMapOvr>
     <a:masterClrMapping/>
   </p:clrMapOvr>
-  <p:timing>
-    <p:tnLst>
-      <p:par>
-        <p:cTn id="1" dur="indefinite" restart="never" nodeType="tmRoot"/>
-      </p:par>
-    </p:tnLst>
-  </p:timing>
 </p:sld>
 </file>
 
-<file path=ppt/slides/slide23.xml><?xml version="1.0" encoding="utf-8"?>
+<file path=ppt/slides/slide25.xml><?xml version="1.0" encoding="utf-8"?>
 <p:sld xmlns:a="http://schemas.openxmlformats.org/drawingml/2006/main" xmlns:r="http://schemas.openxmlformats.org/officeDocument/2006/relationships" xmlns:p="http://schemas.openxmlformats.org/presentationml/2006/main">
   <p:cSld>
     <p:spTree>
@@ -9624,11 +11184,11 @@
               <a:t> </a:t>
             </a:r>
             <a:r>
-              <a:rPr lang="fr-FR" dirty="0" smtClean="0"/>
+              <a:rPr lang="fr-FR" smtClean="0"/>
               <a:t>Contact </a:t>
             </a:r>
             <a:r>
-              <a:rPr lang="fr-FR" dirty="0" smtClean="0"/>
+              <a:rPr lang="fr-FR" smtClean="0"/>
               <a:t>:</a:t>
             </a:r>
             <a:endParaRPr lang="fr-FR" dirty="0" smtClean="0"/>
@@ -9652,7 +11212,7 @@
           <a:p>
             <a:r>
               <a:rPr lang="fr-FR" smtClean="0"/>
-              <a:t>F. Flamerie - Le libre accès en bref - 2021-05-11</a:t>
+              <a:t>F. Flamerie - Le libre accès en bref - 2022-05-17</a:t>
             </a:r>
             <a:endParaRPr lang="fr-FR" dirty="0"/>
           </a:p>
@@ -9676,7 +11236,7 @@
             <a:fld id="{99E13252-68E5-4994-B57B-B03F39B52C7D}" type="slidenum">
               <a:rPr lang="fr-FR" smtClean="0"/>
               <a:pPr/>
-              <a:t>23</a:t>
+              <a:t>25</a:t>
             </a:fld>
             <a:endParaRPr lang="fr-FR" dirty="0"/>
           </a:p>
@@ -9691,7 +11251,7 @@
           <p:nvPr/>
         </p:nvPicPr>
         <p:blipFill>
-          <a:blip r:embed="rId3">
+          <a:blip r:embed="rId2">
             <a:extLst>
               <a:ext uri="{28A0092B-C50C-407E-A947-70E740481C1C}">
                 <a14:useLocalDpi xmlns:a14="http://schemas.microsoft.com/office/drawing/2010/main" val="0"/>
@@ -9722,13 +11282,6 @@
   <p:clrMapOvr>
     <a:masterClrMapping/>
   </p:clrMapOvr>
-  <p:timing>
-    <p:tnLst>
-      <p:par>
-        <p:cTn id="1" dur="indefinite" restart="never" nodeType="tmRoot"/>
-      </p:par>
-    </p:tnLst>
-  </p:timing>
 </p:sld>
 </file>
 
@@ -9761,73 +11314,42 @@
         </p:nvSpPr>
         <p:spPr>
           <a:xfrm>
-            <a:off x="838200" y="76993"/>
-            <a:ext cx="10515600" cy="1325563"/>
-          </a:xfrm>
-        </p:spPr>
+            <a:off x="476254" y="0"/>
+            <a:ext cx="11693976" cy="1325563"/>
+          </a:xfrm>
+        </p:spPr>
+        <p:txBody>
+          <a:bodyPr>
+            <a:normAutofit/>
+          </a:bodyPr>
+          <a:lstStyle/>
+          <a:p>
+            <a:r>
+              <a:rPr lang="fr-FR" dirty="0" smtClean="0"/>
+              <a:t>Part des publications en libre accès ?</a:t>
+            </a:r>
+            <a:endParaRPr lang="fr-FR" dirty="0"/>
+          </a:p>
+        </p:txBody>
+      </p:sp>
+      <p:sp>
+        <p:nvSpPr>
+          <p:cNvPr id="4" name="Espace réservé du pied de page 3"/>
+          <p:cNvSpPr>
+            <a:spLocks noGrp="1"/>
+          </p:cNvSpPr>
+          <p:nvPr>
+            <p:ph type="ftr" sz="quarter" idx="11"/>
+          </p:nvPr>
+        </p:nvSpPr>
+        <p:spPr/>
         <p:txBody>
           <a:bodyPr/>
           <a:lstStyle/>
           <a:p>
             <a:r>
-              <a:rPr lang="fr-FR" dirty="0" smtClean="0"/>
-              <a:t>Libre accès?</a:t>
-            </a:r>
-            <a:endParaRPr lang="fr-FR" dirty="0"/>
-          </a:p>
-        </p:txBody>
-      </p:sp>
-      <p:sp>
-        <p:nvSpPr>
-          <p:cNvPr id="3" name="Espace réservé du contenu 2"/>
-          <p:cNvSpPr>
-            <a:spLocks noGrp="1"/>
-          </p:cNvSpPr>
-          <p:nvPr>
-            <p:ph idx="1"/>
-          </p:nvPr>
-        </p:nvSpPr>
-        <p:spPr>
-          <a:xfrm>
-            <a:off x="909320" y="1096168"/>
-            <a:ext cx="10515600" cy="612775"/>
-          </a:xfrm>
-        </p:spPr>
-        <p:txBody>
-          <a:bodyPr/>
-          <a:lstStyle/>
-          <a:p>
-            <a:pPr marL="0" indent="0">
-              <a:buNone/>
-            </a:pPr>
-            <a:r>
-              <a:rPr lang="fr-FR" dirty="0">
-                <a:hlinkClick r:id="rId2"/>
-              </a:rPr>
-              <a:t>https://doi.org/10.1093/eurheartj/ehaa1040</a:t>
-            </a:r>
-            <a:endParaRPr lang="fr-FR" dirty="0"/>
-          </a:p>
-        </p:txBody>
-      </p:sp>
-      <p:sp>
-        <p:nvSpPr>
-          <p:cNvPr id="4" name="Espace réservé du pied de page 3"/>
-          <p:cNvSpPr>
-            <a:spLocks noGrp="1"/>
-          </p:cNvSpPr>
-          <p:nvPr>
-            <p:ph type="ftr" sz="quarter" idx="11"/>
-          </p:nvPr>
-        </p:nvSpPr>
-        <p:spPr/>
-        <p:txBody>
-          <a:bodyPr/>
-          <a:lstStyle/>
-          <a:p>
-            <a:r>
               <a:rPr lang="fr-FR" smtClean="0"/>
-              <a:t>F. Flamerie - Le libre accès en bref - 2021-05-11</a:t>
+              <a:t>F. Flamerie - Le libre accès en bref - 2022-05-17</a:t>
             </a:r>
             <a:endParaRPr lang="fr-FR" dirty="0"/>
           </a:p>
@@ -9857,36 +11379,447 @@
           </a:p>
         </p:txBody>
       </p:sp>
+      <p:sp>
+        <p:nvSpPr>
+          <p:cNvPr id="7" name="Espace réservé du contenu 6"/>
+          <p:cNvSpPr>
+            <a:spLocks noGrp="1"/>
+          </p:cNvSpPr>
+          <p:nvPr>
+            <p:ph idx="1"/>
+          </p:nvPr>
+        </p:nvSpPr>
+        <p:spPr>
+          <a:xfrm>
+            <a:off x="514109" y="1177442"/>
+            <a:ext cx="5049456" cy="4351338"/>
+          </a:xfrm>
+        </p:spPr>
+        <p:txBody>
+          <a:bodyPr/>
+          <a:lstStyle/>
+          <a:p>
+            <a:pPr marL="0" indent="0">
+              <a:buNone/>
+            </a:pPr>
+            <a:r>
+              <a:rPr lang="fr-FR" sz="3600" dirty="0" smtClean="0"/>
+              <a:t>France</a:t>
+            </a:r>
+          </a:p>
+          <a:p>
+            <a:pPr marL="0" indent="0">
+              <a:buNone/>
+            </a:pPr>
+            <a:endParaRPr lang="fr-FR" dirty="0" smtClean="0"/>
+          </a:p>
+        </p:txBody>
+      </p:sp>
       <p:pic>
         <p:nvPicPr>
-          <p:cNvPr id="8" name="Image 7"/>
+          <p:cNvPr id="9" name="Image 8"/>
           <p:cNvPicPr>
             <a:picLocks noChangeAspect="1"/>
           </p:cNvPicPr>
           <p:nvPr/>
         </p:nvPicPr>
-        <p:blipFill>
-          <a:blip r:embed="rId3">
+        <p:blipFill rotWithShape="1">
+          <a:blip r:embed="rId2">
             <a:extLst>
               <a:ext uri="{28A0092B-C50C-407E-A947-70E740481C1C}">
                 <a14:useLocalDpi xmlns:a14="http://schemas.microsoft.com/office/drawing/2010/main" val="0"/>
               </a:ext>
             </a:extLst>
           </a:blip>
-          <a:stretch>
-            <a:fillRect/>
-          </a:stretch>
+          <a:srcRect t="1" b="1306"/>
+          <a:stretch/>
         </p:blipFill>
         <p:spPr>
           <a:xfrm>
-            <a:off x="873760" y="1708943"/>
-            <a:ext cx="10058400" cy="4514065"/>
+            <a:off x="663480" y="1903699"/>
+            <a:ext cx="4900085" cy="4038866"/>
           </a:xfrm>
           <a:prstGeom prst="rect">
             <a:avLst/>
           </a:prstGeom>
+          <a:ln>
+            <a:solidFill>
+              <a:srgbClr val="F27D38"/>
+            </a:solidFill>
+          </a:ln>
         </p:spPr>
       </p:pic>
+      <p:sp>
+        <p:nvSpPr>
+          <p:cNvPr id="10" name="Espace réservé du contenu 6"/>
+          <p:cNvSpPr txBox="1">
+            <a:spLocks/>
+          </p:cNvSpPr>
+          <p:nvPr/>
+        </p:nvSpPr>
+        <p:spPr>
+          <a:xfrm>
+            <a:off x="6546958" y="1177442"/>
+            <a:ext cx="5074024" cy="4351338"/>
+          </a:xfrm>
+          <a:prstGeom prst="rect">
+            <a:avLst/>
+          </a:prstGeom>
+        </p:spPr>
+        <p:txBody>
+          <a:bodyPr vert="horz" lIns="91440" tIns="45720" rIns="91440" bIns="45720" rtlCol="0">
+            <a:normAutofit/>
+          </a:bodyPr>
+          <a:lstStyle>
+            <a:lvl1pPr marL="228600" indent="-228600" algn="l" defTabSz="914400" rtl="0" eaLnBrk="1" latinLnBrk="0" hangingPunct="1">
+              <a:lnSpc>
+                <a:spcPct val="90000"/>
+              </a:lnSpc>
+              <a:spcBef>
+                <a:spcPts val="1000"/>
+              </a:spcBef>
+              <a:buFont typeface="Calibri" panose="020F0502020204030204" pitchFamily="34" charset="0"/>
+              <a:buChar char="→"/>
+              <a:defRPr sz="2800" kern="1200">
+                <a:solidFill>
+                  <a:schemeClr val="tx1"/>
+                </a:solidFill>
+                <a:latin typeface="Corbel" panose="020B0503020204020204" pitchFamily="34" charset="0"/>
+                <a:ea typeface="+mn-ea"/>
+                <a:cs typeface="+mn-cs"/>
+              </a:defRPr>
+            </a:lvl1pPr>
+            <a:lvl2pPr marL="685800" indent="-228600" algn="l" defTabSz="914400" rtl="0" eaLnBrk="1" latinLnBrk="0" hangingPunct="1">
+              <a:lnSpc>
+                <a:spcPct val="90000"/>
+              </a:lnSpc>
+              <a:spcBef>
+                <a:spcPts val="500"/>
+              </a:spcBef>
+              <a:buFont typeface="Corbel" panose="020B0503020204020204" pitchFamily="34" charset="0"/>
+              <a:buChar char="›"/>
+              <a:defRPr sz="2400" kern="1200">
+                <a:solidFill>
+                  <a:schemeClr val="tx1"/>
+                </a:solidFill>
+                <a:latin typeface="Corbel" panose="020B0503020204020204" pitchFamily="34" charset="0"/>
+                <a:ea typeface="+mn-ea"/>
+                <a:cs typeface="+mn-cs"/>
+              </a:defRPr>
+            </a:lvl2pPr>
+            <a:lvl3pPr marL="1143000" indent="-228600" algn="l" defTabSz="914400" rtl="0" eaLnBrk="1" latinLnBrk="0" hangingPunct="1">
+              <a:lnSpc>
+                <a:spcPct val="90000"/>
+              </a:lnSpc>
+              <a:spcBef>
+                <a:spcPts val="500"/>
+              </a:spcBef>
+              <a:buFont typeface="Arial" panose="020B0604020202020204" pitchFamily="34" charset="0"/>
+              <a:buChar char="•"/>
+              <a:defRPr sz="2000" kern="1200">
+                <a:solidFill>
+                  <a:schemeClr val="tx1"/>
+                </a:solidFill>
+                <a:latin typeface="Corbel" panose="020B0503020204020204" pitchFamily="34" charset="0"/>
+                <a:ea typeface="+mn-ea"/>
+                <a:cs typeface="+mn-cs"/>
+              </a:defRPr>
+            </a:lvl3pPr>
+            <a:lvl4pPr marL="1600200" indent="-228600" algn="l" defTabSz="914400" rtl="0" eaLnBrk="1" latinLnBrk="0" hangingPunct="1">
+              <a:lnSpc>
+                <a:spcPct val="90000"/>
+              </a:lnSpc>
+              <a:spcBef>
+                <a:spcPts val="500"/>
+              </a:spcBef>
+              <a:buFont typeface="Arial" panose="020B0604020202020204" pitchFamily="34" charset="0"/>
+              <a:buChar char="•"/>
+              <a:defRPr sz="1800" kern="1200">
+                <a:solidFill>
+                  <a:schemeClr val="tx1"/>
+                </a:solidFill>
+                <a:latin typeface="Corbel" panose="020B0503020204020204" pitchFamily="34" charset="0"/>
+                <a:ea typeface="+mn-ea"/>
+                <a:cs typeface="+mn-cs"/>
+              </a:defRPr>
+            </a:lvl4pPr>
+            <a:lvl5pPr marL="2057400" indent="-228600" algn="l" defTabSz="914400" rtl="0" eaLnBrk="1" latinLnBrk="0" hangingPunct="1">
+              <a:lnSpc>
+                <a:spcPct val="90000"/>
+              </a:lnSpc>
+              <a:spcBef>
+                <a:spcPts val="500"/>
+              </a:spcBef>
+              <a:buFont typeface="Arial" panose="020B0604020202020204" pitchFamily="34" charset="0"/>
+              <a:buChar char="•"/>
+              <a:defRPr sz="1800" kern="1200">
+                <a:solidFill>
+                  <a:schemeClr val="tx1"/>
+                </a:solidFill>
+                <a:latin typeface="Corbel" panose="020B0503020204020204" pitchFamily="34" charset="0"/>
+                <a:ea typeface="+mn-ea"/>
+                <a:cs typeface="+mn-cs"/>
+              </a:defRPr>
+            </a:lvl5pPr>
+            <a:lvl6pPr marL="2514600" indent="-228600" algn="l" defTabSz="914400" rtl="0" eaLnBrk="1" latinLnBrk="0" hangingPunct="1">
+              <a:lnSpc>
+                <a:spcPct val="90000"/>
+              </a:lnSpc>
+              <a:spcBef>
+                <a:spcPts val="500"/>
+              </a:spcBef>
+              <a:buFont typeface="Arial" panose="020B0604020202020204" pitchFamily="34" charset="0"/>
+              <a:buChar char="•"/>
+              <a:defRPr sz="1800" kern="1200">
+                <a:solidFill>
+                  <a:schemeClr val="tx1"/>
+                </a:solidFill>
+                <a:latin typeface="+mn-lt"/>
+                <a:ea typeface="+mn-ea"/>
+                <a:cs typeface="+mn-cs"/>
+              </a:defRPr>
+            </a:lvl6pPr>
+            <a:lvl7pPr marL="2971800" indent="-228600" algn="l" defTabSz="914400" rtl="0" eaLnBrk="1" latinLnBrk="0" hangingPunct="1">
+              <a:lnSpc>
+                <a:spcPct val="90000"/>
+              </a:lnSpc>
+              <a:spcBef>
+                <a:spcPts val="500"/>
+              </a:spcBef>
+              <a:buFont typeface="Arial" panose="020B0604020202020204" pitchFamily="34" charset="0"/>
+              <a:buChar char="•"/>
+              <a:defRPr sz="1800" kern="1200">
+                <a:solidFill>
+                  <a:schemeClr val="tx1"/>
+                </a:solidFill>
+                <a:latin typeface="+mn-lt"/>
+                <a:ea typeface="+mn-ea"/>
+                <a:cs typeface="+mn-cs"/>
+              </a:defRPr>
+            </a:lvl7pPr>
+            <a:lvl8pPr marL="3429000" indent="-228600" algn="l" defTabSz="914400" rtl="0" eaLnBrk="1" latinLnBrk="0" hangingPunct="1">
+              <a:lnSpc>
+                <a:spcPct val="90000"/>
+              </a:lnSpc>
+              <a:spcBef>
+                <a:spcPts val="500"/>
+              </a:spcBef>
+              <a:buFont typeface="Arial" panose="020B0604020202020204" pitchFamily="34" charset="0"/>
+              <a:buChar char="•"/>
+              <a:defRPr sz="1800" kern="1200">
+                <a:solidFill>
+                  <a:schemeClr val="tx1"/>
+                </a:solidFill>
+                <a:latin typeface="+mn-lt"/>
+                <a:ea typeface="+mn-ea"/>
+                <a:cs typeface="+mn-cs"/>
+              </a:defRPr>
+            </a:lvl8pPr>
+            <a:lvl9pPr marL="3886200" indent="-228600" algn="l" defTabSz="914400" rtl="0" eaLnBrk="1" latinLnBrk="0" hangingPunct="1">
+              <a:lnSpc>
+                <a:spcPct val="90000"/>
+              </a:lnSpc>
+              <a:spcBef>
+                <a:spcPts val="500"/>
+              </a:spcBef>
+              <a:buFont typeface="Arial" panose="020B0604020202020204" pitchFamily="34" charset="0"/>
+              <a:buChar char="•"/>
+              <a:defRPr sz="1800" kern="1200">
+                <a:solidFill>
+                  <a:schemeClr val="tx1"/>
+                </a:solidFill>
+                <a:latin typeface="+mn-lt"/>
+                <a:ea typeface="+mn-ea"/>
+                <a:cs typeface="+mn-cs"/>
+              </a:defRPr>
+            </a:lvl9pPr>
+          </a:lstStyle>
+          <a:p>
+            <a:pPr marL="0" indent="0">
+              <a:buFont typeface="Calibri" panose="020F0502020204030204" pitchFamily="34" charset="0"/>
+              <a:buNone/>
+            </a:pPr>
+            <a:r>
+              <a:rPr lang="fr-FR" sz="3600" dirty="0" smtClean="0"/>
+              <a:t>France/Europe</a:t>
+            </a:r>
+          </a:p>
+          <a:p>
+            <a:pPr marL="0" indent="0">
+              <a:buNone/>
+            </a:pPr>
+            <a:r>
+              <a:rPr lang="fr-FR" dirty="0" smtClean="0">
+                <a:solidFill>
+                  <a:schemeClr val="bg1">
+                    <a:lumMod val="50000"/>
+                  </a:schemeClr>
+                </a:solidFill>
+              </a:rPr>
+              <a:t>« […] alors </a:t>
+            </a:r>
+            <a:r>
+              <a:rPr lang="fr-FR" dirty="0">
+                <a:solidFill>
+                  <a:schemeClr val="bg1">
+                    <a:lumMod val="50000"/>
+                  </a:schemeClr>
+                </a:solidFill>
+              </a:rPr>
+              <a:t>que plus de 52% des publications britanniques et suisses sont librement accessibles pour la période 2009 - 2018, la France et l'Allemagne accusent un retard important avec des taux d'ouverture de seulement 41,8% et 40,4% </a:t>
+            </a:r>
+            <a:r>
+              <a:rPr lang="fr-FR" dirty="0" smtClean="0">
+                <a:solidFill>
+                  <a:schemeClr val="bg1">
+                    <a:lumMod val="50000"/>
+                  </a:schemeClr>
+                </a:solidFill>
+              </a:rPr>
+              <a:t>respectivement. »</a:t>
+            </a:r>
+            <a:endParaRPr lang="fr-FR" dirty="0">
+              <a:solidFill>
+                <a:schemeClr val="bg1">
+                  <a:lumMod val="50000"/>
+                </a:schemeClr>
+              </a:solidFill>
+            </a:endParaRPr>
+          </a:p>
+          <a:p>
+            <a:pPr marL="0" indent="0">
+              <a:buNone/>
+            </a:pPr>
+            <a:endParaRPr lang="fr-FR" dirty="0" smtClean="0"/>
+          </a:p>
+        </p:txBody>
+      </p:sp>
+      <p:sp>
+        <p:nvSpPr>
+          <p:cNvPr id="11" name="ZoneTexte 10"/>
+          <p:cNvSpPr txBox="1"/>
+          <p:nvPr/>
+        </p:nvSpPr>
+        <p:spPr>
+          <a:xfrm>
+            <a:off x="6546958" y="5619399"/>
+            <a:ext cx="5166622" cy="646331"/>
+          </a:xfrm>
+          <a:prstGeom prst="rect">
+            <a:avLst/>
+          </a:prstGeom>
+          <a:noFill/>
+        </p:spPr>
+        <p:txBody>
+          <a:bodyPr wrap="square" rtlCol="0">
+            <a:spAutoFit/>
+          </a:bodyPr>
+          <a:lstStyle/>
+          <a:p>
+            <a:r>
+              <a:rPr lang="fr-FR" sz="1200" dirty="0">
+                <a:latin typeface="Corbel" panose="020B0503020204020204" pitchFamily="34" charset="0"/>
+              </a:rPr>
+              <a:t>Source : Académie des sciences. (2022). Recommandations de l’Académie des sciences pour une mise en pratique des principes de la science </a:t>
+            </a:r>
+            <a:r>
+              <a:rPr lang="fr-FR" sz="1200" dirty="0" smtClean="0">
+                <a:latin typeface="Corbel" panose="020B0503020204020204" pitchFamily="34" charset="0"/>
+              </a:rPr>
+              <a:t>ouverte. </a:t>
+            </a:r>
+            <a:r>
+              <a:rPr lang="fr-FR" sz="1200" dirty="0">
+                <a:latin typeface="Corbel" panose="020B0503020204020204" pitchFamily="34" charset="0"/>
+              </a:rPr>
+              <a:t>https://www.academie-sciences.fr/pdf/rapport/22_01_27_science_ouverte.pdf</a:t>
+            </a:r>
+          </a:p>
+        </p:txBody>
+      </p:sp>
+      <p:cxnSp>
+        <p:nvCxnSpPr>
+          <p:cNvPr id="12" name="Connecteur droit 11"/>
+          <p:cNvCxnSpPr/>
+          <p:nvPr/>
+        </p:nvCxnSpPr>
+        <p:spPr>
+          <a:xfrm flipH="1">
+            <a:off x="6041171" y="1177442"/>
+            <a:ext cx="23965" cy="5126442"/>
+          </a:xfrm>
+          <a:prstGeom prst="line">
+            <a:avLst/>
+          </a:prstGeom>
+          <a:ln w="50800" cmpd="sng">
+            <a:solidFill>
+              <a:schemeClr val="tx1"/>
+            </a:solidFill>
+            <a:prstDash val="dash"/>
+          </a:ln>
+        </p:spPr>
+        <p:style>
+          <a:lnRef idx="1">
+            <a:schemeClr val="accent1"/>
+          </a:lnRef>
+          <a:fillRef idx="0">
+            <a:schemeClr val="accent1"/>
+          </a:fillRef>
+          <a:effectRef idx="0">
+            <a:schemeClr val="accent1"/>
+          </a:effectRef>
+          <a:fontRef idx="minor">
+            <a:schemeClr val="tx1"/>
+          </a:fontRef>
+        </p:style>
+      </p:cxnSp>
+      <p:sp>
+        <p:nvSpPr>
+          <p:cNvPr id="13" name="Rectangle 12"/>
+          <p:cNvSpPr/>
+          <p:nvPr/>
+        </p:nvSpPr>
+        <p:spPr>
+          <a:xfrm>
+            <a:off x="663480" y="6079351"/>
+            <a:ext cx="3861955" cy="276999"/>
+          </a:xfrm>
+          <a:prstGeom prst="rect">
+            <a:avLst/>
+          </a:prstGeom>
+        </p:spPr>
+        <p:txBody>
+          <a:bodyPr wrap="none">
+            <a:spAutoFit/>
+          </a:bodyPr>
+          <a:lstStyle/>
+          <a:p>
+            <a:r>
+              <a:rPr lang="fr-FR" sz="1200" dirty="0" smtClean="0">
+                <a:latin typeface="Corbel" panose="020B0503020204020204" pitchFamily="34" charset="0"/>
+              </a:rPr>
+              <a:t>Source : </a:t>
+            </a:r>
+            <a:r>
+              <a:rPr lang="fr-FR" sz="1200" dirty="0" smtClean="0">
+                <a:latin typeface="Corbel" panose="020B0503020204020204" pitchFamily="34" charset="0"/>
+                <a:hlinkClick r:id="rId3"/>
+              </a:rPr>
+              <a:t>Baromètre </a:t>
+            </a:r>
+            <a:r>
+              <a:rPr lang="fr-FR" sz="1200" dirty="0">
+                <a:latin typeface="Corbel" panose="020B0503020204020204" pitchFamily="34" charset="0"/>
+                <a:hlinkClick r:id="rId3"/>
+              </a:rPr>
+              <a:t>français de la science ouverte en santé</a:t>
+            </a:r>
+            <a:endParaRPr lang="fr-FR" sz="1200" dirty="0">
+              <a:latin typeface="Corbel" panose="020B0503020204020204" pitchFamily="34" charset="0"/>
+            </a:endParaRPr>
+          </a:p>
+        </p:txBody>
+      </p:sp>
     </p:spTree>
     <p:extLst>
       <p:ext uri="{BB962C8B-B14F-4D97-AF65-F5344CB8AC3E}">
@@ -9900,7 +11833,83 @@
   <p:timing>
     <p:tnLst>
       <p:par>
-        <p:cTn id="1" dur="indefinite" restart="never" nodeType="tmRoot"/>
+        <p:cTn id="1" dur="indefinite" restart="never" nodeType="tmRoot">
+          <p:childTnLst>
+            <p:seq concurrent="1" nextAc="seek">
+              <p:cTn id="2" dur="indefinite" nodeType="mainSeq">
+                <p:childTnLst>
+                  <p:par>
+                    <p:cTn id="3" fill="hold">
+                      <p:stCondLst>
+                        <p:cond delay="indefinite"/>
+                      </p:stCondLst>
+                      <p:childTnLst>
+                        <p:par>
+                          <p:cTn id="4" fill="hold">
+                            <p:stCondLst>
+                              <p:cond delay="0"/>
+                            </p:stCondLst>
+                            <p:childTnLst>
+                              <p:par>
+                                <p:cTn id="5" presetID="3" presetClass="entr" presetSubtype="10" fill="hold" nodeType="clickEffect">
+                                  <p:stCondLst>
+                                    <p:cond delay="0"/>
+                                  </p:stCondLst>
+                                  <p:childTnLst>
+                                    <p:set>
+                                      <p:cBhvr>
+                                        <p:cTn id="6" dur="1" fill="hold">
+                                          <p:stCondLst>
+                                            <p:cond delay="0"/>
+                                          </p:stCondLst>
+                                        </p:cTn>
+                                        <p:tgtEl>
+                                          <p:spTgt spid="12"/>
+                                        </p:tgtEl>
+                                        <p:attrNameLst>
+                                          <p:attrName>style.visibility</p:attrName>
+                                        </p:attrNameLst>
+                                      </p:cBhvr>
+                                      <p:to>
+                                        <p:strVal val="visible"/>
+                                      </p:to>
+                                    </p:set>
+                                    <p:animEffect transition="in" filter="blinds(horizontal)">
+                                      <p:cBhvr>
+                                        <p:cTn id="7" dur="500"/>
+                                        <p:tgtEl>
+                                          <p:spTgt spid="12"/>
+                                        </p:tgtEl>
+                                      </p:cBhvr>
+                                    </p:animEffect>
+                                  </p:childTnLst>
+                                </p:cTn>
+                              </p:par>
+                            </p:childTnLst>
+                          </p:cTn>
+                        </p:par>
+                      </p:childTnLst>
+                    </p:cTn>
+                  </p:par>
+                </p:childTnLst>
+              </p:cTn>
+              <p:prevCondLst>
+                <p:cond evt="onPrev" delay="0">
+                  <p:tgtEl>
+                    <p:sldTgt/>
+                  </p:tgtEl>
+                </p:cond>
+              </p:prevCondLst>
+              <p:nextCondLst>
+                <p:cond evt="onNext" delay="0">
+                  <p:tgtEl>
+                    <p:sldTgt/>
+                  </p:tgtEl>
+                </p:cond>
+              </p:nextCondLst>
+            </p:seq>
+          </p:childTnLst>
+        </p:cTn>
       </p:par>
     </p:tnLst>
   </p:timing>
@@ -9936,7 +11945,7 @@
         </p:nvSpPr>
         <p:spPr>
           <a:xfrm>
-            <a:off x="838200" y="76993"/>
+            <a:off x="239522" y="76993"/>
             <a:ext cx="10515600" cy="1325563"/>
           </a:xfrm>
         </p:spPr>
@@ -9964,7 +11973,7 @@
         </p:nvSpPr>
         <p:spPr>
           <a:xfrm>
-            <a:off x="909320" y="1096168"/>
+            <a:off x="239522" y="1223491"/>
             <a:ext cx="10515600" cy="612775"/>
           </a:xfrm>
         </p:spPr>
@@ -9979,7 +11988,19 @@
               <a:rPr lang="fr-FR" dirty="0">
                 <a:hlinkClick r:id="rId2"/>
               </a:rPr>
-              <a:t>https://doi.org/10.1111/ced.14170</a:t>
+              <a:t>https://</a:t>
+            </a:r>
+            <a:r>
+              <a:rPr lang="fr-FR" dirty="0" smtClean="0">
+                <a:hlinkClick r:id="rId2"/>
+              </a:rPr>
+              <a:t>doi.org/</a:t>
+            </a:r>
+            <a:r>
+              <a:rPr lang="fr-FR" dirty="0">
+                <a:hlinkClick r:id="rId3"/>
+              </a:rPr>
+              <a:t>10.1093/ageing/afac025</a:t>
             </a:r>
             <a:endParaRPr lang="fr-FR" dirty="0"/>
           </a:p>
@@ -10002,7 +12023,7 @@
           <a:p>
             <a:r>
               <a:rPr lang="fr-FR" smtClean="0"/>
-              <a:t>F. Flamerie - Le libre accès en bref - 2021-05-11</a:t>
+              <a:t>F. Flamerie - Le libre accès en bref - 2022-05-17</a:t>
             </a:r>
             <a:endParaRPr lang="fr-FR" dirty="0"/>
           </a:p>
@@ -10034,51 +12055,48 @@
       </p:sp>
       <p:pic>
         <p:nvPicPr>
-          <p:cNvPr id="7" name="Image 6"/>
+          <p:cNvPr id="6" name="Image 5"/>
           <p:cNvPicPr>
             <a:picLocks noChangeAspect="1"/>
           </p:cNvPicPr>
           <p:nvPr/>
         </p:nvPicPr>
-        <p:blipFill>
-          <a:blip r:embed="rId3">
+        <p:blipFill rotWithShape="1">
+          <a:blip r:embed="rId4">
             <a:extLst>
               <a:ext uri="{28A0092B-C50C-407E-A947-70E740481C1C}">
                 <a14:useLocalDpi xmlns:a14="http://schemas.microsoft.com/office/drawing/2010/main" val="0"/>
               </a:ext>
             </a:extLst>
           </a:blip>
-          <a:stretch>
-            <a:fillRect/>
-          </a:stretch>
+          <a:srcRect b="7476"/>
+          <a:stretch/>
         </p:blipFill>
         <p:spPr>
           <a:xfrm>
-            <a:off x="838200" y="1583436"/>
-            <a:ext cx="10058400" cy="4751767"/>
+            <a:off x="239522" y="2154838"/>
+            <a:ext cx="11712955" cy="3842771"/>
           </a:xfrm>
           <a:prstGeom prst="rect">
             <a:avLst/>
           </a:prstGeom>
+          <a:ln>
+            <a:solidFill>
+              <a:srgbClr val="F27D38"/>
+            </a:solidFill>
+          </a:ln>
         </p:spPr>
       </p:pic>
     </p:spTree>
     <p:extLst>
       <p:ext uri="{BB962C8B-B14F-4D97-AF65-F5344CB8AC3E}">
-        <p14:creationId xmlns:p14="http://schemas.microsoft.com/office/powerpoint/2010/main" val="3968870913"/>
+        <p14:creationId xmlns:p14="http://schemas.microsoft.com/office/powerpoint/2010/main" val="3315437264"/>
       </p:ext>
     </p:extLst>
   </p:cSld>
   <p:clrMapOvr>
     <a:masterClrMapping/>
   </p:clrMapOvr>
-  <p:timing>
-    <p:tnLst>
-      <p:par>
-        <p:cTn id="1" dur="indefinite" restart="never" nodeType="tmRoot"/>
-      </p:par>
-    </p:tnLst>
-  </p:timing>
 </p:sld>
 </file>
 
@@ -10192,7 +12210,7 @@
           <a:p>
             <a:r>
               <a:rPr lang="fr-FR" smtClean="0"/>
-              <a:t>F. Flamerie - Le libre accès en bref - 2021-05-11</a:t>
+              <a:t>F. Flamerie - Le libre accès en bref - 2022-05-17</a:t>
             </a:r>
             <a:endParaRPr lang="fr-FR" dirty="0"/>
           </a:p>
@@ -10232,13 +12250,6 @@
   <p:clrMapOvr>
     <a:masterClrMapping/>
   </p:clrMapOvr>
-  <p:timing>
-    <p:tnLst>
-      <p:par>
-        <p:cTn id="1" dur="indefinite" restart="never" nodeType="tmRoot"/>
-      </p:par>
-    </p:tnLst>
-  </p:timing>
 </p:sld>
 </file>
 
@@ -10417,6 +12428,57 @@
           </a:prstGeom>
         </p:spPr>
       </p:pic>
+      <p:sp>
+        <p:nvSpPr>
+          <p:cNvPr id="4" name="Espace réservé du pied de page 3"/>
+          <p:cNvSpPr>
+            <a:spLocks noGrp="1"/>
+          </p:cNvSpPr>
+          <p:nvPr>
+            <p:ph type="ftr" sz="quarter" idx="11"/>
+          </p:nvPr>
+        </p:nvSpPr>
+        <p:spPr>
+          <a:xfrm>
+            <a:off x="4038600" y="6518398"/>
+            <a:ext cx="4114800" cy="365125"/>
+          </a:xfrm>
+        </p:spPr>
+        <p:txBody>
+          <a:bodyPr/>
+          <a:lstStyle/>
+          <a:p>
+            <a:r>
+              <a:rPr lang="fr-FR" dirty="0" smtClean="0"/>
+              <a:t>F. Flamerie - Le libre accès en bref - 2022-05-17</a:t>
+            </a:r>
+            <a:endParaRPr lang="fr-FR" dirty="0"/>
+          </a:p>
+        </p:txBody>
+      </p:sp>
+      <p:sp>
+        <p:nvSpPr>
+          <p:cNvPr id="5" name="Espace réservé du numéro de diapositive 4"/>
+          <p:cNvSpPr>
+            <a:spLocks noGrp="1"/>
+          </p:cNvSpPr>
+          <p:nvPr>
+            <p:ph type="sldNum" sz="quarter" idx="12"/>
+          </p:nvPr>
+        </p:nvSpPr>
+        <p:spPr/>
+        <p:txBody>
+          <a:bodyPr/>
+          <a:lstStyle/>
+          <a:p>
+            <a:fld id="{99E13252-68E5-4994-B57B-B03F39B52C7D}" type="slidenum">
+              <a:rPr lang="fr-FR" smtClean="0"/>
+              <a:t>6</a:t>
+            </a:fld>
+            <a:endParaRPr lang="fr-FR"/>
+          </a:p>
+        </p:txBody>
+      </p:sp>
     </p:spTree>
     <p:extLst>
       <p:ext uri="{BB962C8B-B14F-4D97-AF65-F5344CB8AC3E}">
@@ -11146,7 +13208,9 @@
           <a:lstStyle/>
           <a:p>
             <a:pPr algn="ctr"/>
-            <a:endParaRPr lang="fr-FR"/>
+            <a:endParaRPr lang="fr-FR" dirty="0">
+              <a:latin typeface="Corbel" panose="020B0503020204020204" pitchFamily="34" charset="0"/>
+            </a:endParaRPr>
           </a:p>
         </p:txBody>
       </p:sp>
@@ -11271,7 +13335,9 @@
           <a:lstStyle/>
           <a:p>
             <a:pPr algn="ctr"/>
-            <a:endParaRPr lang="fr-FR"/>
+            <a:endParaRPr lang="fr-FR" dirty="0">
+              <a:latin typeface="Corbel" panose="020B0503020204020204" pitchFamily="34" charset="0"/>
+            </a:endParaRPr>
           </a:p>
         </p:txBody>
       </p:sp>
@@ -11305,6 +13371,57 @@
           </a:prstGeom>
         </p:spPr>
       </p:pic>
+      <p:sp>
+        <p:nvSpPr>
+          <p:cNvPr id="5" name="Espace réservé du pied de page 4"/>
+          <p:cNvSpPr>
+            <a:spLocks noGrp="1"/>
+          </p:cNvSpPr>
+          <p:nvPr>
+            <p:ph type="ftr" sz="quarter" idx="11"/>
+          </p:nvPr>
+        </p:nvSpPr>
+        <p:spPr>
+          <a:xfrm>
+            <a:off x="4038600" y="6414225"/>
+            <a:ext cx="4114800" cy="365125"/>
+          </a:xfrm>
+        </p:spPr>
+        <p:txBody>
+          <a:bodyPr/>
+          <a:lstStyle/>
+          <a:p>
+            <a:r>
+              <a:rPr lang="fr-FR" dirty="0" smtClean="0"/>
+              <a:t>F. Flamerie - Le libre accès en bref - 2022-05-17</a:t>
+            </a:r>
+            <a:endParaRPr lang="fr-FR" dirty="0"/>
+          </a:p>
+        </p:txBody>
+      </p:sp>
+      <p:sp>
+        <p:nvSpPr>
+          <p:cNvPr id="6" name="Espace réservé du numéro de diapositive 5"/>
+          <p:cNvSpPr>
+            <a:spLocks noGrp="1"/>
+          </p:cNvSpPr>
+          <p:nvPr>
+            <p:ph type="sldNum" sz="quarter" idx="12"/>
+          </p:nvPr>
+        </p:nvSpPr>
+        <p:spPr/>
+        <p:txBody>
+          <a:bodyPr/>
+          <a:lstStyle/>
+          <a:p>
+            <a:fld id="{99E13252-68E5-4994-B57B-B03F39B52C7D}" type="slidenum">
+              <a:rPr lang="fr-FR" smtClean="0"/>
+              <a:t>7</a:t>
+            </a:fld>
+            <a:endParaRPr lang="fr-FR"/>
+          </a:p>
+        </p:txBody>
+      </p:sp>
     </p:spTree>
     <p:extLst>
       <p:ext uri="{BB962C8B-B14F-4D97-AF65-F5344CB8AC3E}">
@@ -11581,8 +13698,8 @@
           <a:lstStyle/>
           <a:p>
             <a:r>
-              <a:rPr lang="fr-FR" dirty="0" smtClean="0"/>
-              <a:t>F. Flamerie - Le libre accès en bref - 2021-05-11</a:t>
+              <a:rPr lang="fr-FR" smtClean="0"/>
+              <a:t>F. Flamerie - Le libre accès en bref - 2022-05-17</a:t>
             </a:r>
             <a:endParaRPr lang="fr-FR" dirty="0"/>
           </a:p>
@@ -11950,7 +14067,7 @@
         </p:nvSpPr>
         <p:spPr>
           <a:xfrm>
-            <a:off x="838200" y="237133"/>
+            <a:off x="236191" y="220811"/>
             <a:ext cx="10515600" cy="1325563"/>
           </a:xfrm>
         </p:spPr>
@@ -11982,8 +14099,8 @@
           <a:lstStyle/>
           <a:p>
             <a:r>
-              <a:rPr lang="fr-FR" dirty="0" smtClean="0"/>
-              <a:t>F. Flamerie - Le libre accès en bref - 2021-05-11</a:t>
+              <a:rPr lang="fr-FR" smtClean="0"/>
+              <a:t>F. Flamerie - Le libre accès en bref - 2022-05-17</a:t>
             </a:r>
             <a:endParaRPr lang="fr-FR" dirty="0"/>
           </a:p>
@@ -12312,7 +14429,7 @@
                 <a:tabLst/>
                 <a:defRPr/>
               </a:pPr>
-              <a:endParaRPr kumimoji="0" lang="fr-FR" sz="1800" b="0" i="0" u="none" strike="noStrike" kern="1200" cap="none" spc="0" normalizeH="0" baseline="0" noProof="0">
+              <a:endParaRPr kumimoji="0" lang="fr-FR" sz="1800" b="0" i="0" u="none" strike="noStrike" kern="1200" cap="none" spc="0" normalizeH="0" baseline="0" noProof="0" dirty="0">
                 <a:ln>
                   <a:noFill/>
                 </a:ln>
@@ -12324,7 +14441,7 @@
                 <a:effectLst/>
                 <a:uLnTx/>
                 <a:uFillTx/>
-                <a:latin typeface="Calibri" panose="020F0502020204030204"/>
+                <a:latin typeface="Corbel" panose="020B0503020204020204" pitchFamily="34" charset="0"/>
                 <a:ea typeface="+mn-ea"/>
                 <a:cs typeface="+mn-cs"/>
               </a:endParaRPr>
@@ -12393,7 +14510,7 @@
                 <a:tabLst/>
                 <a:defRPr/>
               </a:pPr>
-              <a:endParaRPr kumimoji="0" lang="fr-FR" sz="1800" b="0" i="0" u="none" strike="noStrike" kern="1200" cap="none" spc="0" normalizeH="0" baseline="0" noProof="0">
+              <a:endParaRPr kumimoji="0" lang="fr-FR" sz="1800" b="0" i="0" u="none" strike="noStrike" kern="1200" cap="none" spc="0" normalizeH="0" baseline="0" noProof="0" dirty="0">
                 <a:ln>
                   <a:noFill/>
                 </a:ln>
@@ -12405,7 +14522,7 @@
                 <a:effectLst/>
                 <a:uLnTx/>
                 <a:uFillTx/>
-                <a:latin typeface="Calibri" panose="020F0502020204030204"/>
+                <a:latin typeface="Corbel" panose="020B0503020204020204" pitchFamily="34" charset="0"/>
                 <a:ea typeface="+mn-ea"/>
                 <a:cs typeface="+mn-cs"/>
               </a:endParaRPr>
@@ -12466,13 +14583,6 @@
   <p:clrMapOvr>
     <a:masterClrMapping/>
   </p:clrMapOvr>
-  <p:timing>
-    <p:tnLst>
-      <p:par>
-        <p:cTn id="1" dur="indefinite" restart="never" nodeType="tmRoot"/>
-      </p:par>
-    </p:tnLst>
-  </p:timing>
 </p:sld>
 </file>
 
